--- a/t-03-linked-list/תרגול 3.pptx
+++ b/t-03-linked-list/תרגול 3.pptx
@@ -5,7 +5,7 @@
     <p:sldMasterId id="2147483648" r:id="rId1"/>
   </p:sldMasterIdLst>
   <p:notesMasterIdLst>
-    <p:notesMasterId r:id="rId14"/>
+    <p:notesMasterId r:id="rId13"/>
   </p:notesMasterIdLst>
   <p:sldIdLst>
     <p:sldId id="257" r:id="rId2"/>
@@ -14,12 +14,11 @@
     <p:sldId id="268" r:id="rId5"/>
     <p:sldId id="267" r:id="rId6"/>
     <p:sldId id="261" r:id="rId7"/>
-    <p:sldId id="269" r:id="rId8"/>
-    <p:sldId id="270" r:id="rId9"/>
-    <p:sldId id="271" r:id="rId10"/>
-    <p:sldId id="272" r:id="rId11"/>
-    <p:sldId id="273" r:id="rId12"/>
-    <p:sldId id="259" r:id="rId13"/>
+    <p:sldId id="270" r:id="rId8"/>
+    <p:sldId id="271" r:id="rId9"/>
+    <p:sldId id="272" r:id="rId10"/>
+    <p:sldId id="273" r:id="rId11"/>
+    <p:sldId id="259" r:id="rId12"/>
   </p:sldIdLst>
   <p:sldSz cx="12192000" cy="6858000"/>
   <p:notesSz cx="6858000" cy="9144000"/>
@@ -208,7 +207,7 @@
           <a:p>
             <a:fld id="{C267593B-B963-47D8-A2A4-BA759CBCEAC5}" type="datetimeFigureOut">
               <a:rPr lang="en-US" smtClean="0"/>
-              <a:t>12/10/2023</a:t>
+              <a:t>2/6/24</a:t>
             </a:fld>
             <a:endParaRPr lang="en-US"/>
           </a:p>
@@ -870,19 +869,8 @@
           <a:p>
             <a:r>
               <a:rPr lang="en-US" dirty="0"/>
-              <a:t>The time complexity of the `</a:t>
-            </a:r>
-            <a:r>
-              <a:rPr lang="en-US" dirty="0" err="1"/>
-              <a:t>swapFirstAndLast</a:t>
-            </a:r>
-            <a:r>
-              <a:rPr lang="en-US" dirty="0"/>
-              <a:t>` algorithm for a linked list is O(N), where N is the number of nodes in the linked list.</a:t>
-            </a:r>
-          </a:p>
-          <a:p>
-            <a:endParaRPr lang="en-US" dirty="0"/>
+              <a:t>The time complexity of the `try` algorithm depends on the size of the sorted linked list `L` and the position where the node from `N` is inserted into `L`. Let's analyze each part:</a:t>
+            </a:r>
           </a:p>
           <a:p>
             <a:endParaRPr lang="en-US" dirty="0"/>
@@ -896,7 +884,15 @@
           <a:p>
             <a:r>
               <a:rPr lang="en-US" dirty="0"/>
-              <a:t>   - The function checks if the linked list is empty or has only one node. This is a constant-time operation, O(1).</a:t>
+              <a:t>   - Checking if `</a:t>
+            </a:r>
+            <a:r>
+              <a:rPr lang="en-US" dirty="0" err="1"/>
+              <a:t>L.head</a:t>
+            </a:r>
+            <a:r>
+              <a:rPr lang="en-US" dirty="0"/>
+              <a:t>` is NULL is a constant-time operation, O(1).</a:t>
             </a:r>
           </a:p>
           <a:p>
@@ -905,13 +901,21 @@
           <a:p>
             <a:r>
               <a:rPr lang="en-US" dirty="0"/>
-              <a:t>2. **Finding the Last Node:**</a:t>
+              <a:t>2. **Insertion at the Beginning of `L`:**</a:t>
             </a:r>
           </a:p>
           <a:p>
             <a:r>
               <a:rPr lang="en-US" dirty="0"/>
-              <a:t>   - The algorithm uses a `while` loop to traverse the linked list and find the last node. In the worst case, it visits each node once, making this part of the algorithm O(N), where N is the number of nodes in the linked list.</a:t>
+              <a:t>   - If `</a:t>
+            </a:r>
+            <a:r>
+              <a:rPr lang="en-US" dirty="0" err="1"/>
+              <a:t>L.head</a:t>
+            </a:r>
+            <a:r>
+              <a:rPr lang="en-US" dirty="0"/>
+              <a:t>` is NULL, the algorithm inserts the node from `N` at the beginning of `L`. This is a constant-time operation, O(1).</a:t>
             </a:r>
           </a:p>
           <a:p>
@@ -920,13 +924,33 @@
           <a:p>
             <a:r>
               <a:rPr lang="en-US" dirty="0"/>
-              <a:t>3. **Swapping Values:**</a:t>
+              <a:t>3. **Insertion at a Position Other Than the Beginning:**</a:t>
             </a:r>
           </a:p>
           <a:p>
             <a:r>
               <a:rPr lang="en-US" dirty="0"/>
-              <a:t>   - After finding the last node, the algorithm swaps the values of the first and last nodes. This is a constant-time operation, O(1).</a:t>
+              <a:t>   - If `</a:t>
+            </a:r>
+            <a:r>
+              <a:rPr lang="en-US" dirty="0" err="1"/>
+              <a:t>L.head</a:t>
+            </a:r>
+            <a:r>
+              <a:rPr lang="en-US" dirty="0"/>
+              <a:t>` is not NULL, the algorithm checks whether the node from `N` should be inserted before the current head of `L` based on the comparison of data values.</a:t>
+            </a:r>
+          </a:p>
+          <a:p>
+            <a:r>
+              <a:rPr lang="en-US" dirty="0"/>
+              <a:t>   - If insertion is at the beginning, it is a constant-time operation, O(1).</a:t>
+            </a:r>
+          </a:p>
+          <a:p>
+            <a:r>
+              <a:rPr lang="en-US" dirty="0"/>
+              <a:t>   - Otherwise, the algorithm uses a `while` loop to traverse `L` to find the correct position for insertion. In the worst case, it may need to traverse the entire list, resulting in a time complexity of O(N), where N is the number of nodes in `L`.</a:t>
             </a:r>
           </a:p>
           <a:p>
@@ -935,22 +959,15 @@
           <a:p>
             <a:r>
               <a:rPr lang="en-US" dirty="0"/>
-              <a:t>4. **Returning the Result:**</a:t>
-            </a:r>
-          </a:p>
-          <a:p>
+              <a:t>Overall, the time complexity of the `try` algorithm is O(N) in the worst case, where N is the number of nodes in the sorted linked list `L`. If the insertion happens at the beginning (when `</a:t>
+            </a:r>
+            <a:r>
+              <a:rPr lang="en-US" dirty="0" err="1"/>
+              <a:t>L.head</a:t>
+            </a:r>
             <a:r>
               <a:rPr lang="en-US" dirty="0"/>
-              <a:t>   - Finally, the function returns the modified linked list. This is a constant-time operation, O(1).</a:t>
-            </a:r>
-          </a:p>
-          <a:p>
-            <a:endParaRPr lang="en-US" dirty="0"/>
-          </a:p>
-          <a:p>
-            <a:r>
-              <a:rPr lang="en-US" dirty="0"/>
-              <a:t>The dominant factor contributing to the time complexity is the traversal of the linked list, resulting in an overall time complexity of O(N), where N is the number of nodes in the linked list. The rest of the operations are constant-time, so they don't affect the overall complexity.</a:t>
+              <a:t>` is NULL) or is at a position other than the beginning, it is O(1).</a:t>
             </a:r>
           </a:p>
         </p:txBody>
@@ -981,7 +998,7 @@
     </p:spTree>
     <p:extLst>
       <p:ext uri="{BB962C8B-B14F-4D97-AF65-F5344CB8AC3E}">
-        <p14:creationId xmlns:p14="http://schemas.microsoft.com/office/powerpoint/2010/main" val="1654326608"/>
+        <p14:creationId xmlns:p14="http://schemas.microsoft.com/office/powerpoint/2010/main" val="1447300284"/>
       </p:ext>
     </p:extLst>
   </p:cSld>
@@ -1035,108 +1052,1792 @@
           <a:bodyPr/>
           <a:lstStyle/>
           <a:p>
-            <a:r>
-              <a:rPr lang="en-US" dirty="0"/>
-              <a:t>The time complexity of the `try` algorithm depends on the size of the sorted linked list `L` and the position where the node from `N` is inserted into `L`. Let's analyze each part:</a:t>
-            </a:r>
+            <a:pPr algn="l"/>
+            <a:r>
+              <a:rPr lang="en-US" b="0" i="0" dirty="0">
+                <a:solidFill>
+                  <a:srgbClr val="D1D5DB"/>
+                </a:solidFill>
+                <a:effectLst/>
+                <a:latin typeface="Söhne"/>
+              </a:rPr>
+              <a:t>The time complexity of the Bubble Sort algorithm applied to a linked list is O(N^2), where N is the number of nodes in the linked list. Here's the breakdown of the time complexity:</a:t>
+            </a:r>
+          </a:p>
+          <a:p>
+            <a:pPr algn="l">
+              <a:buFont typeface="+mj-lt"/>
+              <a:buAutoNum type="arabicPeriod"/>
+            </a:pPr>
+            <a:r>
+              <a:rPr lang="en-US" b="1" i="0" dirty="0">
+                <a:solidFill>
+                  <a:srgbClr val="D1D5DB"/>
+                </a:solidFill>
+                <a:effectLst/>
+                <a:latin typeface="Söhne"/>
+              </a:rPr>
+              <a:t>Outer Loop (Traversing the List):</a:t>
+            </a:r>
+            <a:endParaRPr lang="en-US" b="0" i="0" dirty="0">
+              <a:solidFill>
+                <a:srgbClr val="D1D5DB"/>
+              </a:solidFill>
+              <a:effectLst/>
+              <a:latin typeface="Söhne"/>
+            </a:endParaRPr>
+          </a:p>
+          <a:p>
+            <a:pPr marL="742950" lvl="1" indent="-285750" algn="l">
+              <a:buFont typeface="+mj-lt"/>
+              <a:buAutoNum type="arabicPeriod"/>
+            </a:pPr>
+            <a:r>
+              <a:rPr lang="en-US" b="0" i="0" dirty="0">
+                <a:solidFill>
+                  <a:srgbClr val="D1D5DB"/>
+                </a:solidFill>
+                <a:effectLst/>
+                <a:latin typeface="Söhne"/>
+              </a:rPr>
+              <a:t>The outer loop of the Bubble Sort algorithm iterates N times, where N is the number of nodes in the linked list. In each iteration, the algorithm compares and possibly swaps adjacent elements.</a:t>
+            </a:r>
+          </a:p>
+          <a:p>
+            <a:pPr marL="742950" lvl="1" indent="-285750" algn="l">
+              <a:buFont typeface="+mj-lt"/>
+              <a:buAutoNum type="arabicPeriod"/>
+            </a:pPr>
+            <a:r>
+              <a:rPr lang="en-US" b="0" i="0" dirty="0">
+                <a:solidFill>
+                  <a:srgbClr val="D1D5DB"/>
+                </a:solidFill>
+                <a:effectLst/>
+                <a:latin typeface="Söhne"/>
+              </a:rPr>
+              <a:t>The worst-case scenario is when the list is in reverse order, and the algorithm needs to perform N iterations for each element to move it to its correct position.</a:t>
+            </a:r>
+          </a:p>
+          <a:p>
+            <a:pPr marL="742950" lvl="1" indent="-285750" algn="l">
+              <a:buFont typeface="+mj-lt"/>
+              <a:buAutoNum type="arabicPeriod"/>
+            </a:pPr>
+            <a:r>
+              <a:rPr lang="en-US" b="0" i="0" dirty="0">
+                <a:solidFill>
+                  <a:srgbClr val="D1D5DB"/>
+                </a:solidFill>
+                <a:effectLst/>
+                <a:latin typeface="Söhne"/>
+              </a:rPr>
+              <a:t>Therefore, the time complexity of the outer loop is O(N).</a:t>
+            </a:r>
+          </a:p>
+          <a:p>
+            <a:pPr algn="l">
+              <a:buFont typeface="+mj-lt"/>
+              <a:buAutoNum type="arabicPeriod"/>
+            </a:pPr>
+            <a:r>
+              <a:rPr lang="en-US" b="1" i="0" dirty="0">
+                <a:solidFill>
+                  <a:srgbClr val="D1D5DB"/>
+                </a:solidFill>
+                <a:effectLst/>
+                <a:latin typeface="Söhne"/>
+              </a:rPr>
+              <a:t>Inner Loop (Comparisons and Swaps):</a:t>
+            </a:r>
+            <a:endParaRPr lang="en-US" b="0" i="0" dirty="0">
+              <a:solidFill>
+                <a:srgbClr val="D1D5DB"/>
+              </a:solidFill>
+              <a:effectLst/>
+              <a:latin typeface="Söhne"/>
+            </a:endParaRPr>
+          </a:p>
+          <a:p>
+            <a:pPr marL="742950" lvl="1" indent="-285750" algn="l">
+              <a:buFont typeface="+mj-lt"/>
+              <a:buAutoNum type="arabicPeriod"/>
+            </a:pPr>
+            <a:r>
+              <a:rPr lang="en-US" b="0" i="0" dirty="0">
+                <a:solidFill>
+                  <a:srgbClr val="D1D5DB"/>
+                </a:solidFill>
+                <a:effectLst/>
+                <a:latin typeface="Söhne"/>
+              </a:rPr>
+              <a:t>The inner loop compares and swaps adjacent elements. In the worst case, the inner loop iterates N times for each outer loop iteration.</a:t>
+            </a:r>
+          </a:p>
+          <a:p>
+            <a:pPr marL="742950" lvl="1" indent="-285750" algn="l">
+              <a:buFont typeface="+mj-lt"/>
+              <a:buAutoNum type="arabicPeriod"/>
+            </a:pPr>
+            <a:r>
+              <a:rPr lang="en-US" b="0" i="0" dirty="0">
+                <a:solidFill>
+                  <a:srgbClr val="D1D5DB"/>
+                </a:solidFill>
+                <a:effectLst/>
+                <a:latin typeface="Söhne"/>
+              </a:rPr>
+              <a:t>The total number of comparisons and swaps in the inner loop is proportional to N^2.</a:t>
+            </a:r>
+          </a:p>
+          <a:p>
+            <a:pPr marL="742950" lvl="1" indent="-285750" algn="l">
+              <a:buFont typeface="+mj-lt"/>
+              <a:buAutoNum type="arabicPeriod"/>
+            </a:pPr>
+            <a:r>
+              <a:rPr lang="en-US" b="0" i="0" dirty="0">
+                <a:solidFill>
+                  <a:srgbClr val="D1D5DB"/>
+                </a:solidFill>
+                <a:effectLst/>
+                <a:latin typeface="Söhne"/>
+              </a:rPr>
+              <a:t>Therefore, the time complexity of the inner loop is O(N^2).</a:t>
+            </a:r>
+          </a:p>
+          <a:p>
+            <a:pPr algn="l">
+              <a:buFont typeface="+mj-lt"/>
+              <a:buAutoNum type="arabicPeriod"/>
+            </a:pPr>
+            <a:r>
+              <a:rPr lang="en-US" b="1" i="0" dirty="0">
+                <a:solidFill>
+                  <a:srgbClr val="D1D5DB"/>
+                </a:solidFill>
+                <a:effectLst/>
+                <a:latin typeface="Söhne"/>
+              </a:rPr>
+              <a:t>Overall Time Complexity:</a:t>
+            </a:r>
+            <a:endParaRPr lang="en-US" b="0" i="0" dirty="0">
+              <a:solidFill>
+                <a:srgbClr val="D1D5DB"/>
+              </a:solidFill>
+              <a:effectLst/>
+              <a:latin typeface="Söhne"/>
+            </a:endParaRPr>
+          </a:p>
+          <a:p>
+            <a:pPr marL="742950" lvl="1" indent="-285750" algn="l">
+              <a:buFont typeface="+mj-lt"/>
+              <a:buAutoNum type="arabicPeriod"/>
+            </a:pPr>
+            <a:r>
+              <a:rPr lang="en-US" b="0" i="0" dirty="0">
+                <a:solidFill>
+                  <a:srgbClr val="D1D5DB"/>
+                </a:solidFill>
+                <a:effectLst/>
+                <a:latin typeface="Söhne"/>
+              </a:rPr>
+              <a:t>Combining the time complexities of the outer and inner loops, the overall time complexity of the Bubble Sort algorithm for a linked list is O(N) * O(N^2) = O(N^2).</a:t>
+            </a:r>
+          </a:p>
+          <a:p>
+            <a:pPr algn="l"/>
+            <a:r>
+              <a:rPr lang="en-US" b="0" i="0" dirty="0">
+                <a:solidFill>
+                  <a:srgbClr val="D1D5DB"/>
+                </a:solidFill>
+                <a:effectLst/>
+                <a:latin typeface="Söhne"/>
+              </a:rPr>
+              <a:t>Bubble Sort is not the most efficient sorting algorithm, especially for large datasets, but it is straightforward to implement. Other sorting algorithms like Merge Sort or Quick Sort may offer better performance for large datasets.</a:t>
+            </a:r>
+          </a:p>
+          <a:p>
+            <a:pPr algn="l"/>
+            <a:endParaRPr lang="en-US" b="0" i="0" dirty="0">
+              <a:solidFill>
+                <a:srgbClr val="D1D5DB"/>
+              </a:solidFill>
+              <a:effectLst/>
+              <a:latin typeface="Söhne"/>
+            </a:endParaRPr>
+          </a:p>
+          <a:p>
+            <a:pPr algn="l"/>
+            <a:endParaRPr lang="en-US" b="0" i="0" dirty="0">
+              <a:solidFill>
+                <a:srgbClr val="D1D5DB"/>
+              </a:solidFill>
+              <a:effectLst/>
+              <a:latin typeface="Söhne"/>
+            </a:endParaRPr>
+          </a:p>
+          <a:p>
+            <a:pPr algn="l"/>
+            <a:r>
+              <a:rPr lang="en-US" b="1" i="0" dirty="0">
+                <a:solidFill>
+                  <a:srgbClr val="D1D5DB"/>
+                </a:solidFill>
+                <a:effectLst/>
+                <a:latin typeface="Söhne"/>
+              </a:rPr>
+              <a:t>Merge Sort algorithm adapted for a linked list. Run time: </a:t>
+            </a:r>
+            <a:r>
+              <a:rPr lang="en-US" b="0" i="0" dirty="0">
+                <a:solidFill>
+                  <a:srgbClr val="D1D5DB"/>
+                </a:solidFill>
+                <a:effectLst/>
+                <a:latin typeface="Söhne"/>
+              </a:rPr>
+              <a:t>O(n log n)</a:t>
+            </a:r>
+            <a:endParaRPr lang="en-US" b="1" i="0" dirty="0">
+              <a:solidFill>
+                <a:srgbClr val="D1D5DB"/>
+              </a:solidFill>
+              <a:effectLst/>
+              <a:latin typeface="Söhne"/>
+            </a:endParaRPr>
+          </a:p>
+          <a:p>
+            <a:pPr algn="l"/>
+            <a:endParaRPr lang="en-US" b="0" i="0" dirty="0">
+              <a:solidFill>
+                <a:srgbClr val="D1D5DB"/>
+              </a:solidFill>
+              <a:effectLst/>
+              <a:latin typeface="Söhne"/>
+            </a:endParaRPr>
+          </a:p>
+          <a:p>
+            <a:pPr algn="l"/>
+            <a:r>
+              <a:rPr lang="en-US" b="0" i="0" dirty="0">
+                <a:solidFill>
+                  <a:srgbClr val="D1D5DB"/>
+                </a:solidFill>
+                <a:effectLst/>
+                <a:latin typeface="Söhne"/>
+              </a:rPr>
+              <a:t>function </a:t>
+            </a:r>
+            <a:r>
+              <a:rPr lang="en-US" b="0" i="0" dirty="0" err="1">
+                <a:solidFill>
+                  <a:srgbClr val="D1D5DB"/>
+                </a:solidFill>
+                <a:effectLst/>
+                <a:latin typeface="Söhne"/>
+              </a:rPr>
+              <a:t>mergeSortLinkedList</a:t>
+            </a:r>
+            <a:r>
+              <a:rPr lang="en-US" b="0" i="0" dirty="0">
+                <a:solidFill>
+                  <a:srgbClr val="D1D5DB"/>
+                </a:solidFill>
+                <a:effectLst/>
+                <a:latin typeface="Söhne"/>
+              </a:rPr>
+              <a:t>(head):</a:t>
+            </a:r>
+          </a:p>
+          <a:p>
+            <a:pPr algn="l"/>
+            <a:r>
+              <a:rPr lang="en-US" b="0" i="0" dirty="0">
+                <a:solidFill>
+                  <a:srgbClr val="D1D5DB"/>
+                </a:solidFill>
+                <a:effectLst/>
+                <a:latin typeface="Söhne"/>
+              </a:rPr>
+              <a:t>    if head is NULL or </a:t>
+            </a:r>
+            <a:r>
+              <a:rPr lang="en-US" b="0" i="0" dirty="0" err="1">
+                <a:solidFill>
+                  <a:srgbClr val="D1D5DB"/>
+                </a:solidFill>
+                <a:effectLst/>
+                <a:latin typeface="Söhne"/>
+              </a:rPr>
+              <a:t>head.next</a:t>
+            </a:r>
+            <a:r>
+              <a:rPr lang="en-US" b="0" i="0" dirty="0">
+                <a:solidFill>
+                  <a:srgbClr val="D1D5DB"/>
+                </a:solidFill>
+                <a:effectLst/>
+                <a:latin typeface="Söhne"/>
+              </a:rPr>
+              <a:t> is NULL:</a:t>
+            </a:r>
+          </a:p>
+          <a:p>
+            <a:pPr algn="l"/>
+            <a:r>
+              <a:rPr lang="en-US" b="0" i="0" dirty="0">
+                <a:solidFill>
+                  <a:srgbClr val="D1D5DB"/>
+                </a:solidFill>
+                <a:effectLst/>
+                <a:latin typeface="Söhne"/>
+              </a:rPr>
+              <a:t>        return head  // Base case: empty or single-node list</a:t>
+            </a:r>
+          </a:p>
+          <a:p>
+            <a:pPr algn="l"/>
+            <a:endParaRPr lang="en-US" b="0" i="0" dirty="0">
+              <a:solidFill>
+                <a:srgbClr val="D1D5DB"/>
+              </a:solidFill>
+              <a:effectLst/>
+              <a:latin typeface="Söhne"/>
+            </a:endParaRPr>
+          </a:p>
+          <a:p>
+            <a:pPr algn="l"/>
+            <a:r>
+              <a:rPr lang="en-US" b="0" i="0" dirty="0">
+                <a:solidFill>
+                  <a:srgbClr val="D1D5DB"/>
+                </a:solidFill>
+                <a:effectLst/>
+                <a:latin typeface="Söhne"/>
+              </a:rPr>
+              <a:t>    // Split the linked list into two halves</a:t>
+            </a:r>
+          </a:p>
+          <a:p>
+            <a:pPr algn="l"/>
+            <a:r>
+              <a:rPr lang="en-US" b="0" i="0" dirty="0">
+                <a:solidFill>
+                  <a:srgbClr val="D1D5DB"/>
+                </a:solidFill>
+                <a:effectLst/>
+                <a:latin typeface="Söhne"/>
+              </a:rPr>
+              <a:t>    middle = </a:t>
+            </a:r>
+            <a:r>
+              <a:rPr lang="en-US" b="0" i="0" dirty="0" err="1">
+                <a:solidFill>
+                  <a:srgbClr val="D1D5DB"/>
+                </a:solidFill>
+                <a:effectLst/>
+                <a:latin typeface="Söhne"/>
+              </a:rPr>
+              <a:t>findMiddle</a:t>
+            </a:r>
+            <a:r>
+              <a:rPr lang="en-US" b="0" i="0" dirty="0">
+                <a:solidFill>
+                  <a:srgbClr val="D1D5DB"/>
+                </a:solidFill>
+                <a:effectLst/>
+                <a:latin typeface="Söhne"/>
+              </a:rPr>
+              <a:t>(head)</a:t>
+            </a:r>
+          </a:p>
+          <a:p>
+            <a:pPr algn="l"/>
+            <a:r>
+              <a:rPr lang="en-US" b="0" i="0" dirty="0">
+                <a:solidFill>
+                  <a:srgbClr val="D1D5DB"/>
+                </a:solidFill>
+                <a:effectLst/>
+                <a:latin typeface="Söhne"/>
+              </a:rPr>
+              <a:t>    </a:t>
+            </a:r>
+            <a:r>
+              <a:rPr lang="en-US" b="0" i="0" dirty="0" err="1">
+                <a:solidFill>
+                  <a:srgbClr val="D1D5DB"/>
+                </a:solidFill>
+                <a:effectLst/>
+                <a:latin typeface="Söhne"/>
+              </a:rPr>
+              <a:t>leftList</a:t>
+            </a:r>
+            <a:r>
+              <a:rPr lang="en-US" b="0" i="0" dirty="0">
+                <a:solidFill>
+                  <a:srgbClr val="D1D5DB"/>
+                </a:solidFill>
+                <a:effectLst/>
+                <a:latin typeface="Söhne"/>
+              </a:rPr>
+              <a:t> = head</a:t>
+            </a:r>
+          </a:p>
+          <a:p>
+            <a:pPr algn="l"/>
+            <a:r>
+              <a:rPr lang="en-US" b="0" i="0" dirty="0">
+                <a:solidFill>
+                  <a:srgbClr val="D1D5DB"/>
+                </a:solidFill>
+                <a:effectLst/>
+                <a:latin typeface="Söhne"/>
+              </a:rPr>
+              <a:t>    </a:t>
+            </a:r>
+            <a:r>
+              <a:rPr lang="en-US" b="0" i="0" dirty="0" err="1">
+                <a:solidFill>
+                  <a:srgbClr val="D1D5DB"/>
+                </a:solidFill>
+                <a:effectLst/>
+                <a:latin typeface="Söhne"/>
+              </a:rPr>
+              <a:t>rightList</a:t>
+            </a:r>
+            <a:r>
+              <a:rPr lang="en-US" b="0" i="0" dirty="0">
+                <a:solidFill>
+                  <a:srgbClr val="D1D5DB"/>
+                </a:solidFill>
+                <a:effectLst/>
+                <a:latin typeface="Söhne"/>
+              </a:rPr>
+              <a:t> = </a:t>
+            </a:r>
+            <a:r>
+              <a:rPr lang="en-US" b="0" i="0" dirty="0" err="1">
+                <a:solidFill>
+                  <a:srgbClr val="D1D5DB"/>
+                </a:solidFill>
+                <a:effectLst/>
+                <a:latin typeface="Söhne"/>
+              </a:rPr>
+              <a:t>middle.next</a:t>
+            </a:r>
+            <a:endParaRPr lang="en-US" b="0" i="0" dirty="0">
+              <a:solidFill>
+                <a:srgbClr val="D1D5DB"/>
+              </a:solidFill>
+              <a:effectLst/>
+              <a:latin typeface="Söhne"/>
+            </a:endParaRPr>
+          </a:p>
+          <a:p>
+            <a:pPr algn="l"/>
+            <a:r>
+              <a:rPr lang="en-US" b="0" i="0" dirty="0">
+                <a:solidFill>
+                  <a:srgbClr val="D1D5DB"/>
+                </a:solidFill>
+                <a:effectLst/>
+                <a:latin typeface="Söhne"/>
+              </a:rPr>
+              <a:t>    </a:t>
+            </a:r>
+            <a:r>
+              <a:rPr lang="en-US" b="0" i="0" dirty="0" err="1">
+                <a:solidFill>
+                  <a:srgbClr val="D1D5DB"/>
+                </a:solidFill>
+                <a:effectLst/>
+                <a:latin typeface="Söhne"/>
+              </a:rPr>
+              <a:t>middle.next</a:t>
+            </a:r>
+            <a:r>
+              <a:rPr lang="en-US" b="0" i="0" dirty="0">
+                <a:solidFill>
+                  <a:srgbClr val="D1D5DB"/>
+                </a:solidFill>
+                <a:effectLst/>
+                <a:latin typeface="Söhne"/>
+              </a:rPr>
+              <a:t> = NULL  // Splitting the list</a:t>
+            </a:r>
+          </a:p>
+          <a:p>
+            <a:pPr algn="l"/>
+            <a:endParaRPr lang="en-US" b="0" i="0" dirty="0">
+              <a:solidFill>
+                <a:srgbClr val="D1D5DB"/>
+              </a:solidFill>
+              <a:effectLst/>
+              <a:latin typeface="Söhne"/>
+            </a:endParaRPr>
+          </a:p>
+          <a:p>
+            <a:pPr algn="l"/>
+            <a:r>
+              <a:rPr lang="en-US" b="0" i="0" dirty="0">
+                <a:solidFill>
+                  <a:srgbClr val="D1D5DB"/>
+                </a:solidFill>
+                <a:effectLst/>
+                <a:latin typeface="Söhne"/>
+              </a:rPr>
+              <a:t>    // Recursively sort both halves</a:t>
+            </a:r>
+          </a:p>
+          <a:p>
+            <a:pPr algn="l"/>
+            <a:r>
+              <a:rPr lang="en-US" b="0" i="0" dirty="0">
+                <a:solidFill>
+                  <a:srgbClr val="D1D5DB"/>
+                </a:solidFill>
+                <a:effectLst/>
+                <a:latin typeface="Söhne"/>
+              </a:rPr>
+              <a:t>    </a:t>
+            </a:r>
+            <a:r>
+              <a:rPr lang="en-US" b="0" i="0" dirty="0" err="1">
+                <a:solidFill>
+                  <a:srgbClr val="D1D5DB"/>
+                </a:solidFill>
+                <a:effectLst/>
+                <a:latin typeface="Söhne"/>
+              </a:rPr>
+              <a:t>leftList</a:t>
+            </a:r>
+            <a:r>
+              <a:rPr lang="en-US" b="0" i="0" dirty="0">
+                <a:solidFill>
+                  <a:srgbClr val="D1D5DB"/>
+                </a:solidFill>
+                <a:effectLst/>
+                <a:latin typeface="Söhne"/>
+              </a:rPr>
+              <a:t> = </a:t>
+            </a:r>
+            <a:r>
+              <a:rPr lang="en-US" b="0" i="0" dirty="0" err="1">
+                <a:solidFill>
+                  <a:srgbClr val="D1D5DB"/>
+                </a:solidFill>
+                <a:effectLst/>
+                <a:latin typeface="Söhne"/>
+              </a:rPr>
+              <a:t>mergeSortLinkedList</a:t>
+            </a:r>
+            <a:r>
+              <a:rPr lang="en-US" b="0" i="0" dirty="0">
+                <a:solidFill>
+                  <a:srgbClr val="D1D5DB"/>
+                </a:solidFill>
+                <a:effectLst/>
+                <a:latin typeface="Söhne"/>
+              </a:rPr>
+              <a:t>(</a:t>
+            </a:r>
+            <a:r>
+              <a:rPr lang="en-US" b="0" i="0" dirty="0" err="1">
+                <a:solidFill>
+                  <a:srgbClr val="D1D5DB"/>
+                </a:solidFill>
+                <a:effectLst/>
+                <a:latin typeface="Söhne"/>
+              </a:rPr>
+              <a:t>leftList</a:t>
+            </a:r>
+            <a:r>
+              <a:rPr lang="en-US" b="0" i="0" dirty="0">
+                <a:solidFill>
+                  <a:srgbClr val="D1D5DB"/>
+                </a:solidFill>
+                <a:effectLst/>
+                <a:latin typeface="Söhne"/>
+              </a:rPr>
+              <a:t>)</a:t>
+            </a:r>
+          </a:p>
+          <a:p>
+            <a:pPr algn="l"/>
+            <a:r>
+              <a:rPr lang="en-US" b="0" i="0" dirty="0">
+                <a:solidFill>
+                  <a:srgbClr val="D1D5DB"/>
+                </a:solidFill>
+                <a:effectLst/>
+                <a:latin typeface="Söhne"/>
+              </a:rPr>
+              <a:t>    </a:t>
+            </a:r>
+            <a:r>
+              <a:rPr lang="en-US" b="0" i="0" dirty="0" err="1">
+                <a:solidFill>
+                  <a:srgbClr val="D1D5DB"/>
+                </a:solidFill>
+                <a:effectLst/>
+                <a:latin typeface="Söhne"/>
+              </a:rPr>
+              <a:t>rightList</a:t>
+            </a:r>
+            <a:r>
+              <a:rPr lang="en-US" b="0" i="0" dirty="0">
+                <a:solidFill>
+                  <a:srgbClr val="D1D5DB"/>
+                </a:solidFill>
+                <a:effectLst/>
+                <a:latin typeface="Söhne"/>
+              </a:rPr>
+              <a:t> = </a:t>
+            </a:r>
+            <a:r>
+              <a:rPr lang="en-US" b="0" i="0" dirty="0" err="1">
+                <a:solidFill>
+                  <a:srgbClr val="D1D5DB"/>
+                </a:solidFill>
+                <a:effectLst/>
+                <a:latin typeface="Söhne"/>
+              </a:rPr>
+              <a:t>mergeSortLinkedList</a:t>
+            </a:r>
+            <a:r>
+              <a:rPr lang="en-US" b="0" i="0" dirty="0">
+                <a:solidFill>
+                  <a:srgbClr val="D1D5DB"/>
+                </a:solidFill>
+                <a:effectLst/>
+                <a:latin typeface="Söhne"/>
+              </a:rPr>
+              <a:t>(</a:t>
+            </a:r>
+            <a:r>
+              <a:rPr lang="en-US" b="0" i="0" dirty="0" err="1">
+                <a:solidFill>
+                  <a:srgbClr val="D1D5DB"/>
+                </a:solidFill>
+                <a:effectLst/>
+                <a:latin typeface="Söhne"/>
+              </a:rPr>
+              <a:t>rightList</a:t>
+            </a:r>
+            <a:r>
+              <a:rPr lang="en-US" b="0" i="0" dirty="0">
+                <a:solidFill>
+                  <a:srgbClr val="D1D5DB"/>
+                </a:solidFill>
+                <a:effectLst/>
+                <a:latin typeface="Söhne"/>
+              </a:rPr>
+              <a:t>)</a:t>
+            </a:r>
+          </a:p>
+          <a:p>
+            <a:pPr algn="l"/>
+            <a:endParaRPr lang="en-US" b="0" i="0" dirty="0">
+              <a:solidFill>
+                <a:srgbClr val="D1D5DB"/>
+              </a:solidFill>
+              <a:effectLst/>
+              <a:latin typeface="Söhne"/>
+            </a:endParaRPr>
+          </a:p>
+          <a:p>
+            <a:pPr algn="l"/>
+            <a:r>
+              <a:rPr lang="en-US" b="0" i="0" dirty="0">
+                <a:solidFill>
+                  <a:srgbClr val="D1D5DB"/>
+                </a:solidFill>
+                <a:effectLst/>
+                <a:latin typeface="Söhne"/>
+              </a:rPr>
+              <a:t>    // Merge the sorted halves</a:t>
+            </a:r>
+          </a:p>
+          <a:p>
+            <a:pPr algn="l"/>
+            <a:r>
+              <a:rPr lang="en-US" b="0" i="0" dirty="0">
+                <a:solidFill>
+                  <a:srgbClr val="D1D5DB"/>
+                </a:solidFill>
+                <a:effectLst/>
+                <a:latin typeface="Söhne"/>
+              </a:rPr>
+              <a:t>    </a:t>
+            </a:r>
+            <a:r>
+              <a:rPr lang="en-US" b="0" i="0" dirty="0" err="1">
+                <a:solidFill>
+                  <a:srgbClr val="D1D5DB"/>
+                </a:solidFill>
+                <a:effectLst/>
+                <a:latin typeface="Söhne"/>
+              </a:rPr>
+              <a:t>sortedList</a:t>
+            </a:r>
+            <a:r>
+              <a:rPr lang="en-US" b="0" i="0" dirty="0">
+                <a:solidFill>
+                  <a:srgbClr val="D1D5DB"/>
+                </a:solidFill>
+                <a:effectLst/>
+                <a:latin typeface="Söhne"/>
+              </a:rPr>
+              <a:t> = merge(</a:t>
+            </a:r>
+            <a:r>
+              <a:rPr lang="en-US" b="0" i="0" dirty="0" err="1">
+                <a:solidFill>
+                  <a:srgbClr val="D1D5DB"/>
+                </a:solidFill>
+                <a:effectLst/>
+                <a:latin typeface="Söhne"/>
+              </a:rPr>
+              <a:t>leftList</a:t>
+            </a:r>
+            <a:r>
+              <a:rPr lang="en-US" b="0" i="0" dirty="0">
+                <a:solidFill>
+                  <a:srgbClr val="D1D5DB"/>
+                </a:solidFill>
+                <a:effectLst/>
+                <a:latin typeface="Söhne"/>
+              </a:rPr>
+              <a:t>, </a:t>
+            </a:r>
+            <a:r>
+              <a:rPr lang="en-US" b="0" i="0" dirty="0" err="1">
+                <a:solidFill>
+                  <a:srgbClr val="D1D5DB"/>
+                </a:solidFill>
+                <a:effectLst/>
+                <a:latin typeface="Söhne"/>
+              </a:rPr>
+              <a:t>rightList</a:t>
+            </a:r>
+            <a:r>
+              <a:rPr lang="en-US" b="0" i="0" dirty="0">
+                <a:solidFill>
+                  <a:srgbClr val="D1D5DB"/>
+                </a:solidFill>
+                <a:effectLst/>
+                <a:latin typeface="Söhne"/>
+              </a:rPr>
+              <a:t>)</a:t>
+            </a:r>
+          </a:p>
+          <a:p>
+            <a:pPr algn="l"/>
+            <a:endParaRPr lang="en-US" b="0" i="0" dirty="0">
+              <a:solidFill>
+                <a:srgbClr val="D1D5DB"/>
+              </a:solidFill>
+              <a:effectLst/>
+              <a:latin typeface="Söhne"/>
+            </a:endParaRPr>
+          </a:p>
+          <a:p>
+            <a:pPr algn="l"/>
+            <a:r>
+              <a:rPr lang="en-US" b="0" i="0" dirty="0">
+                <a:solidFill>
+                  <a:srgbClr val="D1D5DB"/>
+                </a:solidFill>
+                <a:effectLst/>
+                <a:latin typeface="Söhne"/>
+              </a:rPr>
+              <a:t>    return </a:t>
+            </a:r>
+            <a:r>
+              <a:rPr lang="en-US" b="0" i="0" dirty="0" err="1">
+                <a:solidFill>
+                  <a:srgbClr val="D1D5DB"/>
+                </a:solidFill>
+                <a:effectLst/>
+                <a:latin typeface="Söhne"/>
+              </a:rPr>
+              <a:t>sortedList</a:t>
+            </a:r>
+            <a:endParaRPr lang="en-US" b="0" i="0" dirty="0">
+              <a:solidFill>
+                <a:srgbClr val="D1D5DB"/>
+              </a:solidFill>
+              <a:effectLst/>
+              <a:latin typeface="Söhne"/>
+            </a:endParaRPr>
+          </a:p>
+          <a:p>
+            <a:pPr algn="l"/>
+            <a:endParaRPr lang="en-US" b="0" i="0" dirty="0">
+              <a:solidFill>
+                <a:srgbClr val="D1D5DB"/>
+              </a:solidFill>
+              <a:effectLst/>
+              <a:latin typeface="Söhne"/>
+            </a:endParaRPr>
+          </a:p>
+          <a:p>
+            <a:pPr algn="l"/>
+            <a:r>
+              <a:rPr lang="en-US" b="0" i="0" dirty="0">
+                <a:solidFill>
+                  <a:srgbClr val="D1D5DB"/>
+                </a:solidFill>
+                <a:effectLst/>
+                <a:latin typeface="Söhne"/>
+              </a:rPr>
+              <a:t>function </a:t>
+            </a:r>
+            <a:r>
+              <a:rPr lang="en-US" b="0" i="0" dirty="0" err="1">
+                <a:solidFill>
+                  <a:srgbClr val="D1D5DB"/>
+                </a:solidFill>
+                <a:effectLst/>
+                <a:latin typeface="Söhne"/>
+              </a:rPr>
+              <a:t>findMiddle</a:t>
+            </a:r>
+            <a:r>
+              <a:rPr lang="en-US" b="0" i="0" dirty="0">
+                <a:solidFill>
+                  <a:srgbClr val="D1D5DB"/>
+                </a:solidFill>
+                <a:effectLst/>
+                <a:latin typeface="Söhne"/>
+              </a:rPr>
+              <a:t>(head):</a:t>
+            </a:r>
+          </a:p>
+          <a:p>
+            <a:pPr algn="l"/>
+            <a:r>
+              <a:rPr lang="en-US" b="0" i="0" dirty="0">
+                <a:solidFill>
+                  <a:srgbClr val="D1D5DB"/>
+                </a:solidFill>
+                <a:effectLst/>
+                <a:latin typeface="Söhne"/>
+              </a:rPr>
+              <a:t>    </a:t>
+            </a:r>
+            <a:r>
+              <a:rPr lang="en-US" b="0" i="0" dirty="0" err="1">
+                <a:solidFill>
+                  <a:srgbClr val="D1D5DB"/>
+                </a:solidFill>
+                <a:effectLst/>
+                <a:latin typeface="Söhne"/>
+              </a:rPr>
+              <a:t>slowPointer</a:t>
+            </a:r>
+            <a:r>
+              <a:rPr lang="en-US" b="0" i="0" dirty="0">
+                <a:solidFill>
+                  <a:srgbClr val="D1D5DB"/>
+                </a:solidFill>
+                <a:effectLst/>
+                <a:latin typeface="Söhne"/>
+              </a:rPr>
+              <a:t> = head</a:t>
+            </a:r>
+          </a:p>
+          <a:p>
+            <a:pPr algn="l"/>
+            <a:r>
+              <a:rPr lang="en-US" b="0" i="0" dirty="0">
+                <a:solidFill>
+                  <a:srgbClr val="D1D5DB"/>
+                </a:solidFill>
+                <a:effectLst/>
+                <a:latin typeface="Söhne"/>
+              </a:rPr>
+              <a:t>    </a:t>
+            </a:r>
+            <a:r>
+              <a:rPr lang="en-US" b="0" i="0" dirty="0" err="1">
+                <a:solidFill>
+                  <a:srgbClr val="D1D5DB"/>
+                </a:solidFill>
+                <a:effectLst/>
+                <a:latin typeface="Söhne"/>
+              </a:rPr>
+              <a:t>fastPointer</a:t>
+            </a:r>
+            <a:r>
+              <a:rPr lang="en-US" b="0" i="0" dirty="0">
+                <a:solidFill>
+                  <a:srgbClr val="D1D5DB"/>
+                </a:solidFill>
+                <a:effectLst/>
+                <a:latin typeface="Söhne"/>
+              </a:rPr>
+              <a:t> = </a:t>
+            </a:r>
+            <a:r>
+              <a:rPr lang="en-US" b="0" i="0" dirty="0" err="1">
+                <a:solidFill>
+                  <a:srgbClr val="D1D5DB"/>
+                </a:solidFill>
+                <a:effectLst/>
+                <a:latin typeface="Söhne"/>
+              </a:rPr>
+              <a:t>head.next</a:t>
+            </a:r>
+            <a:endParaRPr lang="en-US" b="0" i="0" dirty="0">
+              <a:solidFill>
+                <a:srgbClr val="D1D5DB"/>
+              </a:solidFill>
+              <a:effectLst/>
+              <a:latin typeface="Söhne"/>
+            </a:endParaRPr>
+          </a:p>
+          <a:p>
+            <a:pPr algn="l"/>
+            <a:endParaRPr lang="en-US" b="0" i="0" dirty="0">
+              <a:solidFill>
+                <a:srgbClr val="D1D5DB"/>
+              </a:solidFill>
+              <a:effectLst/>
+              <a:latin typeface="Söhne"/>
+            </a:endParaRPr>
+          </a:p>
+          <a:p>
+            <a:pPr algn="l"/>
+            <a:r>
+              <a:rPr lang="en-US" b="0" i="0" dirty="0">
+                <a:solidFill>
+                  <a:srgbClr val="D1D5DB"/>
+                </a:solidFill>
+                <a:effectLst/>
+                <a:latin typeface="Söhne"/>
+              </a:rPr>
+              <a:t>    while </a:t>
+            </a:r>
+            <a:r>
+              <a:rPr lang="en-US" b="0" i="0" dirty="0" err="1">
+                <a:solidFill>
+                  <a:srgbClr val="D1D5DB"/>
+                </a:solidFill>
+                <a:effectLst/>
+                <a:latin typeface="Söhne"/>
+              </a:rPr>
+              <a:t>fastPointer</a:t>
+            </a:r>
+            <a:r>
+              <a:rPr lang="en-US" b="0" i="0" dirty="0">
+                <a:solidFill>
+                  <a:srgbClr val="D1D5DB"/>
+                </a:solidFill>
+                <a:effectLst/>
+                <a:latin typeface="Söhne"/>
+              </a:rPr>
+              <a:t> is not NULL and </a:t>
+            </a:r>
+            <a:r>
+              <a:rPr lang="en-US" b="0" i="0" dirty="0" err="1">
+                <a:solidFill>
+                  <a:srgbClr val="D1D5DB"/>
+                </a:solidFill>
+                <a:effectLst/>
+                <a:latin typeface="Söhne"/>
+              </a:rPr>
+              <a:t>fastPointer.next</a:t>
+            </a:r>
+            <a:r>
+              <a:rPr lang="en-US" b="0" i="0" dirty="0">
+                <a:solidFill>
+                  <a:srgbClr val="D1D5DB"/>
+                </a:solidFill>
+                <a:effectLst/>
+                <a:latin typeface="Söhne"/>
+              </a:rPr>
+              <a:t> is not NULL:</a:t>
+            </a:r>
+          </a:p>
+          <a:p>
+            <a:pPr algn="l"/>
+            <a:r>
+              <a:rPr lang="en-US" b="0" i="0" dirty="0">
+                <a:solidFill>
+                  <a:srgbClr val="D1D5DB"/>
+                </a:solidFill>
+                <a:effectLst/>
+                <a:latin typeface="Söhne"/>
+              </a:rPr>
+              <a:t>        </a:t>
+            </a:r>
+            <a:r>
+              <a:rPr lang="en-US" b="0" i="0" dirty="0" err="1">
+                <a:solidFill>
+                  <a:srgbClr val="D1D5DB"/>
+                </a:solidFill>
+                <a:effectLst/>
+                <a:latin typeface="Söhne"/>
+              </a:rPr>
+              <a:t>slowPointer</a:t>
+            </a:r>
+            <a:r>
+              <a:rPr lang="en-US" b="0" i="0" dirty="0">
+                <a:solidFill>
+                  <a:srgbClr val="D1D5DB"/>
+                </a:solidFill>
+                <a:effectLst/>
+                <a:latin typeface="Söhne"/>
+              </a:rPr>
+              <a:t> = </a:t>
+            </a:r>
+            <a:r>
+              <a:rPr lang="en-US" b="0" i="0" dirty="0" err="1">
+                <a:solidFill>
+                  <a:srgbClr val="D1D5DB"/>
+                </a:solidFill>
+                <a:effectLst/>
+                <a:latin typeface="Söhne"/>
+              </a:rPr>
+              <a:t>slowPointer.next</a:t>
+            </a:r>
+            <a:endParaRPr lang="en-US" b="0" i="0" dirty="0">
+              <a:solidFill>
+                <a:srgbClr val="D1D5DB"/>
+              </a:solidFill>
+              <a:effectLst/>
+              <a:latin typeface="Söhne"/>
+            </a:endParaRPr>
+          </a:p>
+          <a:p>
+            <a:pPr algn="l"/>
+            <a:r>
+              <a:rPr lang="en-US" b="0" i="0" dirty="0">
+                <a:solidFill>
+                  <a:srgbClr val="D1D5DB"/>
+                </a:solidFill>
+                <a:effectLst/>
+                <a:latin typeface="Söhne"/>
+              </a:rPr>
+              <a:t>        </a:t>
+            </a:r>
+            <a:r>
+              <a:rPr lang="en-US" b="0" i="0" dirty="0" err="1">
+                <a:solidFill>
+                  <a:srgbClr val="D1D5DB"/>
+                </a:solidFill>
+                <a:effectLst/>
+                <a:latin typeface="Söhne"/>
+              </a:rPr>
+              <a:t>fastPointer</a:t>
+            </a:r>
+            <a:r>
+              <a:rPr lang="en-US" b="0" i="0" dirty="0">
+                <a:solidFill>
+                  <a:srgbClr val="D1D5DB"/>
+                </a:solidFill>
+                <a:effectLst/>
+                <a:latin typeface="Söhne"/>
+              </a:rPr>
+              <a:t> = </a:t>
+            </a:r>
+            <a:r>
+              <a:rPr lang="en-US" b="0" i="0" dirty="0" err="1">
+                <a:solidFill>
+                  <a:srgbClr val="D1D5DB"/>
+                </a:solidFill>
+                <a:effectLst/>
+                <a:latin typeface="Söhne"/>
+              </a:rPr>
+              <a:t>fastPointer.next.next</a:t>
+            </a:r>
+            <a:endParaRPr lang="en-US" b="0" i="0" dirty="0">
+              <a:solidFill>
+                <a:srgbClr val="D1D5DB"/>
+              </a:solidFill>
+              <a:effectLst/>
+              <a:latin typeface="Söhne"/>
+            </a:endParaRPr>
+          </a:p>
+          <a:p>
+            <a:pPr algn="l"/>
+            <a:endParaRPr lang="en-US" b="0" i="0" dirty="0">
+              <a:solidFill>
+                <a:srgbClr val="D1D5DB"/>
+              </a:solidFill>
+              <a:effectLst/>
+              <a:latin typeface="Söhne"/>
+            </a:endParaRPr>
+          </a:p>
+          <a:p>
+            <a:pPr algn="l"/>
+            <a:r>
+              <a:rPr lang="en-US" b="0" i="0" dirty="0">
+                <a:solidFill>
+                  <a:srgbClr val="D1D5DB"/>
+                </a:solidFill>
+                <a:effectLst/>
+                <a:latin typeface="Söhne"/>
+              </a:rPr>
+              <a:t>    return </a:t>
+            </a:r>
+            <a:r>
+              <a:rPr lang="en-US" b="0" i="0" dirty="0" err="1">
+                <a:solidFill>
+                  <a:srgbClr val="D1D5DB"/>
+                </a:solidFill>
+                <a:effectLst/>
+                <a:latin typeface="Söhne"/>
+              </a:rPr>
+              <a:t>slowPointer</a:t>
+            </a:r>
+            <a:endParaRPr lang="en-US" b="0" i="0" dirty="0">
+              <a:solidFill>
+                <a:srgbClr val="D1D5DB"/>
+              </a:solidFill>
+              <a:effectLst/>
+              <a:latin typeface="Söhne"/>
+            </a:endParaRPr>
+          </a:p>
+          <a:p>
+            <a:pPr algn="l"/>
+            <a:endParaRPr lang="en-US" b="0" i="0" dirty="0">
+              <a:solidFill>
+                <a:srgbClr val="D1D5DB"/>
+              </a:solidFill>
+              <a:effectLst/>
+              <a:latin typeface="Söhne"/>
+            </a:endParaRPr>
+          </a:p>
+          <a:p>
+            <a:pPr algn="l"/>
+            <a:r>
+              <a:rPr lang="en-US" b="0" i="0" dirty="0">
+                <a:solidFill>
+                  <a:srgbClr val="D1D5DB"/>
+                </a:solidFill>
+                <a:effectLst/>
+                <a:latin typeface="Söhne"/>
+              </a:rPr>
+              <a:t>function merge(left, right):</a:t>
+            </a:r>
+          </a:p>
+          <a:p>
+            <a:pPr algn="l"/>
+            <a:r>
+              <a:rPr lang="en-US" b="0" i="0" dirty="0">
+                <a:solidFill>
+                  <a:srgbClr val="D1D5DB"/>
+                </a:solidFill>
+                <a:effectLst/>
+                <a:latin typeface="Söhne"/>
+              </a:rPr>
+              <a:t>    </a:t>
+            </a:r>
+            <a:r>
+              <a:rPr lang="en-US" b="0" i="0" dirty="0" err="1">
+                <a:solidFill>
+                  <a:srgbClr val="D1D5DB"/>
+                </a:solidFill>
+                <a:effectLst/>
+                <a:latin typeface="Söhne"/>
+              </a:rPr>
+              <a:t>mergedList</a:t>
+            </a:r>
+            <a:r>
+              <a:rPr lang="en-US" b="0" i="0" dirty="0">
+                <a:solidFill>
+                  <a:srgbClr val="D1D5DB"/>
+                </a:solidFill>
+                <a:effectLst/>
+                <a:latin typeface="Söhne"/>
+              </a:rPr>
+              <a:t> = NULL</a:t>
+            </a:r>
+          </a:p>
+          <a:p>
+            <a:pPr algn="l"/>
+            <a:r>
+              <a:rPr lang="en-US" b="0" i="0" dirty="0">
+                <a:solidFill>
+                  <a:srgbClr val="D1D5DB"/>
+                </a:solidFill>
+                <a:effectLst/>
+                <a:latin typeface="Söhne"/>
+              </a:rPr>
+              <a:t>    tail = NULL</a:t>
+            </a:r>
+          </a:p>
+          <a:p>
+            <a:pPr algn="l"/>
+            <a:endParaRPr lang="en-US" b="0" i="0" dirty="0">
+              <a:solidFill>
+                <a:srgbClr val="D1D5DB"/>
+              </a:solidFill>
+              <a:effectLst/>
+              <a:latin typeface="Söhne"/>
+            </a:endParaRPr>
+          </a:p>
+          <a:p>
+            <a:pPr algn="l"/>
+            <a:r>
+              <a:rPr lang="en-US" b="0" i="0" dirty="0">
+                <a:solidFill>
+                  <a:srgbClr val="D1D5DB"/>
+                </a:solidFill>
+                <a:effectLst/>
+                <a:latin typeface="Söhne"/>
+              </a:rPr>
+              <a:t>    while left is not NULL and right is not NULL:</a:t>
+            </a:r>
+          </a:p>
+          <a:p>
+            <a:pPr algn="l"/>
+            <a:r>
+              <a:rPr lang="en-US" b="0" i="0" dirty="0">
+                <a:solidFill>
+                  <a:srgbClr val="D1D5DB"/>
+                </a:solidFill>
+                <a:effectLst/>
+                <a:latin typeface="Söhne"/>
+              </a:rPr>
+              <a:t>        if </a:t>
+            </a:r>
+            <a:r>
+              <a:rPr lang="en-US" b="0" i="0" dirty="0" err="1">
+                <a:solidFill>
+                  <a:srgbClr val="D1D5DB"/>
+                </a:solidFill>
+                <a:effectLst/>
+                <a:latin typeface="Söhne"/>
+              </a:rPr>
+              <a:t>left.data</a:t>
+            </a:r>
+            <a:r>
+              <a:rPr lang="en-US" b="0" i="0" dirty="0">
+                <a:solidFill>
+                  <a:srgbClr val="D1D5DB"/>
+                </a:solidFill>
+                <a:effectLst/>
+                <a:latin typeface="Söhne"/>
+              </a:rPr>
+              <a:t> &lt;= </a:t>
+            </a:r>
+            <a:r>
+              <a:rPr lang="en-US" b="0" i="0" dirty="0" err="1">
+                <a:solidFill>
+                  <a:srgbClr val="D1D5DB"/>
+                </a:solidFill>
+                <a:effectLst/>
+                <a:latin typeface="Söhne"/>
+              </a:rPr>
+              <a:t>right.data</a:t>
+            </a:r>
+            <a:r>
+              <a:rPr lang="en-US" b="0" i="0" dirty="0">
+                <a:solidFill>
+                  <a:srgbClr val="D1D5DB"/>
+                </a:solidFill>
+                <a:effectLst/>
+                <a:latin typeface="Söhne"/>
+              </a:rPr>
+              <a:t>:</a:t>
+            </a:r>
+          </a:p>
+          <a:p>
+            <a:pPr algn="l"/>
+            <a:r>
+              <a:rPr lang="en-US" b="0" i="0" dirty="0">
+                <a:solidFill>
+                  <a:srgbClr val="D1D5DB"/>
+                </a:solidFill>
+                <a:effectLst/>
+                <a:latin typeface="Söhne"/>
+              </a:rPr>
+              <a:t>            if </a:t>
+            </a:r>
+            <a:r>
+              <a:rPr lang="en-US" b="0" i="0" dirty="0" err="1">
+                <a:solidFill>
+                  <a:srgbClr val="D1D5DB"/>
+                </a:solidFill>
+                <a:effectLst/>
+                <a:latin typeface="Söhne"/>
+              </a:rPr>
+              <a:t>mergedList</a:t>
+            </a:r>
+            <a:r>
+              <a:rPr lang="en-US" b="0" i="0" dirty="0">
+                <a:solidFill>
+                  <a:srgbClr val="D1D5DB"/>
+                </a:solidFill>
+                <a:effectLst/>
+                <a:latin typeface="Söhne"/>
+              </a:rPr>
+              <a:t> is NULL:</a:t>
+            </a:r>
+          </a:p>
+          <a:p>
+            <a:pPr algn="l"/>
+            <a:r>
+              <a:rPr lang="en-US" b="0" i="0" dirty="0">
+                <a:solidFill>
+                  <a:srgbClr val="D1D5DB"/>
+                </a:solidFill>
+                <a:effectLst/>
+                <a:latin typeface="Söhne"/>
+              </a:rPr>
+              <a:t>                </a:t>
+            </a:r>
+            <a:r>
+              <a:rPr lang="en-US" b="0" i="0" dirty="0" err="1">
+                <a:solidFill>
+                  <a:srgbClr val="D1D5DB"/>
+                </a:solidFill>
+                <a:effectLst/>
+                <a:latin typeface="Söhne"/>
+              </a:rPr>
+              <a:t>mergedList</a:t>
+            </a:r>
+            <a:r>
+              <a:rPr lang="en-US" b="0" i="0" dirty="0">
+                <a:solidFill>
+                  <a:srgbClr val="D1D5DB"/>
+                </a:solidFill>
+                <a:effectLst/>
+                <a:latin typeface="Söhne"/>
+              </a:rPr>
+              <a:t> = tail = left</a:t>
+            </a:r>
+          </a:p>
+          <a:p>
+            <a:pPr algn="l"/>
+            <a:r>
+              <a:rPr lang="en-US" b="0" i="0" dirty="0">
+                <a:solidFill>
+                  <a:srgbClr val="D1D5DB"/>
+                </a:solidFill>
+                <a:effectLst/>
+                <a:latin typeface="Söhne"/>
+              </a:rPr>
+              <a:t>            else:</a:t>
+            </a:r>
+          </a:p>
+          <a:p>
+            <a:pPr algn="l"/>
+            <a:r>
+              <a:rPr lang="en-US" b="0" i="0" dirty="0">
+                <a:solidFill>
+                  <a:srgbClr val="D1D5DB"/>
+                </a:solidFill>
+                <a:effectLst/>
+                <a:latin typeface="Söhne"/>
+              </a:rPr>
+              <a:t>                </a:t>
+            </a:r>
+            <a:r>
+              <a:rPr lang="en-US" b="0" i="0" dirty="0" err="1">
+                <a:solidFill>
+                  <a:srgbClr val="D1D5DB"/>
+                </a:solidFill>
+                <a:effectLst/>
+                <a:latin typeface="Söhne"/>
+              </a:rPr>
+              <a:t>tail.next</a:t>
+            </a:r>
+            <a:r>
+              <a:rPr lang="en-US" b="0" i="0" dirty="0">
+                <a:solidFill>
+                  <a:srgbClr val="D1D5DB"/>
+                </a:solidFill>
+                <a:effectLst/>
+                <a:latin typeface="Söhne"/>
+              </a:rPr>
+              <a:t> = left</a:t>
+            </a:r>
+          </a:p>
+          <a:p>
+            <a:pPr algn="l"/>
+            <a:r>
+              <a:rPr lang="en-US" b="0" i="0" dirty="0">
+                <a:solidFill>
+                  <a:srgbClr val="D1D5DB"/>
+                </a:solidFill>
+                <a:effectLst/>
+                <a:latin typeface="Söhne"/>
+              </a:rPr>
+              <a:t>                tail = left</a:t>
+            </a:r>
+          </a:p>
+          <a:p>
+            <a:pPr algn="l"/>
+            <a:r>
+              <a:rPr lang="en-US" b="0" i="0" dirty="0">
+                <a:solidFill>
+                  <a:srgbClr val="D1D5DB"/>
+                </a:solidFill>
+                <a:effectLst/>
+                <a:latin typeface="Söhne"/>
+              </a:rPr>
+              <a:t>            left = </a:t>
+            </a:r>
+            <a:r>
+              <a:rPr lang="en-US" b="0" i="0" dirty="0" err="1">
+                <a:solidFill>
+                  <a:srgbClr val="D1D5DB"/>
+                </a:solidFill>
+                <a:effectLst/>
+                <a:latin typeface="Söhne"/>
+              </a:rPr>
+              <a:t>left.next</a:t>
+            </a:r>
+            <a:endParaRPr lang="en-US" b="0" i="0" dirty="0">
+              <a:solidFill>
+                <a:srgbClr val="D1D5DB"/>
+              </a:solidFill>
+              <a:effectLst/>
+              <a:latin typeface="Söhne"/>
+            </a:endParaRPr>
+          </a:p>
+          <a:p>
+            <a:pPr algn="l"/>
+            <a:r>
+              <a:rPr lang="en-US" b="0" i="0" dirty="0">
+                <a:solidFill>
+                  <a:srgbClr val="D1D5DB"/>
+                </a:solidFill>
+                <a:effectLst/>
+                <a:latin typeface="Söhne"/>
+              </a:rPr>
+              <a:t>        else:</a:t>
+            </a:r>
+          </a:p>
+          <a:p>
+            <a:pPr algn="l"/>
+            <a:r>
+              <a:rPr lang="en-US" b="0" i="0" dirty="0">
+                <a:solidFill>
+                  <a:srgbClr val="D1D5DB"/>
+                </a:solidFill>
+                <a:effectLst/>
+                <a:latin typeface="Söhne"/>
+              </a:rPr>
+              <a:t>            if </a:t>
+            </a:r>
+            <a:r>
+              <a:rPr lang="en-US" b="0" i="0" dirty="0" err="1">
+                <a:solidFill>
+                  <a:srgbClr val="D1D5DB"/>
+                </a:solidFill>
+                <a:effectLst/>
+                <a:latin typeface="Söhne"/>
+              </a:rPr>
+              <a:t>mergedList</a:t>
+            </a:r>
+            <a:r>
+              <a:rPr lang="en-US" b="0" i="0" dirty="0">
+                <a:solidFill>
+                  <a:srgbClr val="D1D5DB"/>
+                </a:solidFill>
+                <a:effectLst/>
+                <a:latin typeface="Söhne"/>
+              </a:rPr>
+              <a:t> is NULL:</a:t>
+            </a:r>
+          </a:p>
+          <a:p>
+            <a:pPr algn="l"/>
+            <a:r>
+              <a:rPr lang="en-US" b="0" i="0" dirty="0">
+                <a:solidFill>
+                  <a:srgbClr val="D1D5DB"/>
+                </a:solidFill>
+                <a:effectLst/>
+                <a:latin typeface="Söhne"/>
+              </a:rPr>
+              <a:t>                </a:t>
+            </a:r>
+            <a:r>
+              <a:rPr lang="en-US" b="0" i="0" dirty="0" err="1">
+                <a:solidFill>
+                  <a:srgbClr val="D1D5DB"/>
+                </a:solidFill>
+                <a:effectLst/>
+                <a:latin typeface="Söhne"/>
+              </a:rPr>
+              <a:t>mergedList</a:t>
+            </a:r>
+            <a:r>
+              <a:rPr lang="en-US" b="0" i="0" dirty="0">
+                <a:solidFill>
+                  <a:srgbClr val="D1D5DB"/>
+                </a:solidFill>
+                <a:effectLst/>
+                <a:latin typeface="Söhne"/>
+              </a:rPr>
+              <a:t> = tail = right</a:t>
+            </a:r>
+          </a:p>
+          <a:p>
+            <a:pPr algn="l"/>
+            <a:r>
+              <a:rPr lang="en-US" b="0" i="0" dirty="0">
+                <a:solidFill>
+                  <a:srgbClr val="D1D5DB"/>
+                </a:solidFill>
+                <a:effectLst/>
+                <a:latin typeface="Söhne"/>
+              </a:rPr>
+              <a:t>            else:</a:t>
+            </a:r>
+          </a:p>
+          <a:p>
+            <a:pPr algn="l"/>
+            <a:r>
+              <a:rPr lang="en-US" b="0" i="0" dirty="0">
+                <a:solidFill>
+                  <a:srgbClr val="D1D5DB"/>
+                </a:solidFill>
+                <a:effectLst/>
+                <a:latin typeface="Söhne"/>
+              </a:rPr>
+              <a:t>                </a:t>
+            </a:r>
+            <a:r>
+              <a:rPr lang="en-US" b="0" i="0" dirty="0" err="1">
+                <a:solidFill>
+                  <a:srgbClr val="D1D5DB"/>
+                </a:solidFill>
+                <a:effectLst/>
+                <a:latin typeface="Söhne"/>
+              </a:rPr>
+              <a:t>tail.next</a:t>
+            </a:r>
+            <a:r>
+              <a:rPr lang="en-US" b="0" i="0" dirty="0">
+                <a:solidFill>
+                  <a:srgbClr val="D1D5DB"/>
+                </a:solidFill>
+                <a:effectLst/>
+                <a:latin typeface="Söhne"/>
+              </a:rPr>
+              <a:t> = right</a:t>
+            </a:r>
+          </a:p>
+          <a:p>
+            <a:pPr algn="l"/>
+            <a:r>
+              <a:rPr lang="en-US" b="0" i="0" dirty="0">
+                <a:solidFill>
+                  <a:srgbClr val="D1D5DB"/>
+                </a:solidFill>
+                <a:effectLst/>
+                <a:latin typeface="Söhne"/>
+              </a:rPr>
+              <a:t>                tail = right</a:t>
+            </a:r>
+          </a:p>
+          <a:p>
+            <a:pPr algn="l"/>
+            <a:r>
+              <a:rPr lang="en-US" b="0" i="0" dirty="0">
+                <a:solidFill>
+                  <a:srgbClr val="D1D5DB"/>
+                </a:solidFill>
+                <a:effectLst/>
+                <a:latin typeface="Söhne"/>
+              </a:rPr>
+              <a:t>            right = </a:t>
+            </a:r>
+            <a:r>
+              <a:rPr lang="en-US" b="0" i="0" dirty="0" err="1">
+                <a:solidFill>
+                  <a:srgbClr val="D1D5DB"/>
+                </a:solidFill>
+                <a:effectLst/>
+                <a:latin typeface="Söhne"/>
+              </a:rPr>
+              <a:t>right.next</a:t>
+            </a:r>
+            <a:endParaRPr lang="en-US" b="0" i="0" dirty="0">
+              <a:solidFill>
+                <a:srgbClr val="D1D5DB"/>
+              </a:solidFill>
+              <a:effectLst/>
+              <a:latin typeface="Söhne"/>
+            </a:endParaRPr>
+          </a:p>
+          <a:p>
+            <a:pPr algn="l"/>
+            <a:endParaRPr lang="en-US" b="0" i="0" dirty="0">
+              <a:solidFill>
+                <a:srgbClr val="D1D5DB"/>
+              </a:solidFill>
+              <a:effectLst/>
+              <a:latin typeface="Söhne"/>
+            </a:endParaRPr>
+          </a:p>
+          <a:p>
+            <a:pPr algn="l"/>
+            <a:r>
+              <a:rPr lang="en-US" b="0" i="0" dirty="0">
+                <a:solidFill>
+                  <a:srgbClr val="D1D5DB"/>
+                </a:solidFill>
+                <a:effectLst/>
+                <a:latin typeface="Söhne"/>
+              </a:rPr>
+              <a:t>    // Append remaining elements from both lists</a:t>
+            </a:r>
+          </a:p>
+          <a:p>
+            <a:pPr algn="l"/>
+            <a:r>
+              <a:rPr lang="en-US" b="0" i="0" dirty="0">
+                <a:solidFill>
+                  <a:srgbClr val="D1D5DB"/>
+                </a:solidFill>
+                <a:effectLst/>
+                <a:latin typeface="Söhne"/>
+              </a:rPr>
+              <a:t>    if left is not NULL:</a:t>
+            </a:r>
+          </a:p>
+          <a:p>
+            <a:pPr algn="l"/>
+            <a:r>
+              <a:rPr lang="en-US" b="0" i="0" dirty="0">
+                <a:solidFill>
+                  <a:srgbClr val="D1D5DB"/>
+                </a:solidFill>
+                <a:effectLst/>
+                <a:latin typeface="Söhne"/>
+              </a:rPr>
+              <a:t>        </a:t>
+            </a:r>
+            <a:r>
+              <a:rPr lang="en-US" b="0" i="0" dirty="0" err="1">
+                <a:solidFill>
+                  <a:srgbClr val="D1D5DB"/>
+                </a:solidFill>
+                <a:effectLst/>
+                <a:latin typeface="Söhne"/>
+              </a:rPr>
+              <a:t>tail.next</a:t>
+            </a:r>
+            <a:r>
+              <a:rPr lang="en-US" b="0" i="0" dirty="0">
+                <a:solidFill>
+                  <a:srgbClr val="D1D5DB"/>
+                </a:solidFill>
+                <a:effectLst/>
+                <a:latin typeface="Söhne"/>
+              </a:rPr>
+              <a:t> = left</a:t>
+            </a:r>
+          </a:p>
+          <a:p>
+            <a:pPr algn="l"/>
+            <a:r>
+              <a:rPr lang="en-US" b="0" i="0" dirty="0">
+                <a:solidFill>
+                  <a:srgbClr val="D1D5DB"/>
+                </a:solidFill>
+                <a:effectLst/>
+                <a:latin typeface="Söhne"/>
+              </a:rPr>
+              <a:t>    else:</a:t>
+            </a:r>
+          </a:p>
+          <a:p>
+            <a:pPr algn="l"/>
+            <a:r>
+              <a:rPr lang="en-US" b="0" i="0" dirty="0">
+                <a:solidFill>
+                  <a:srgbClr val="D1D5DB"/>
+                </a:solidFill>
+                <a:effectLst/>
+                <a:latin typeface="Söhne"/>
+              </a:rPr>
+              <a:t>        </a:t>
+            </a:r>
+            <a:r>
+              <a:rPr lang="en-US" b="0" i="0" dirty="0" err="1">
+                <a:solidFill>
+                  <a:srgbClr val="D1D5DB"/>
+                </a:solidFill>
+                <a:effectLst/>
+                <a:latin typeface="Söhne"/>
+              </a:rPr>
+              <a:t>tail.next</a:t>
+            </a:r>
+            <a:r>
+              <a:rPr lang="en-US" b="0" i="0" dirty="0">
+                <a:solidFill>
+                  <a:srgbClr val="D1D5DB"/>
+                </a:solidFill>
+                <a:effectLst/>
+                <a:latin typeface="Söhne"/>
+              </a:rPr>
+              <a:t> = right</a:t>
+            </a:r>
+          </a:p>
+          <a:p>
+            <a:pPr algn="l"/>
+            <a:endParaRPr lang="en-US" b="0" i="0" dirty="0">
+              <a:solidFill>
+                <a:srgbClr val="D1D5DB"/>
+              </a:solidFill>
+              <a:effectLst/>
+              <a:latin typeface="Söhne"/>
+            </a:endParaRPr>
+          </a:p>
+          <a:p>
+            <a:pPr algn="l"/>
+            <a:r>
+              <a:rPr lang="en-US" b="0" i="0" dirty="0">
+                <a:solidFill>
+                  <a:srgbClr val="D1D5DB"/>
+                </a:solidFill>
+                <a:effectLst/>
+                <a:latin typeface="Söhne"/>
+              </a:rPr>
+              <a:t>    return </a:t>
+            </a:r>
+            <a:r>
+              <a:rPr lang="en-US" b="0" i="0" dirty="0" err="1">
+                <a:solidFill>
+                  <a:srgbClr val="D1D5DB"/>
+                </a:solidFill>
+                <a:effectLst/>
+                <a:latin typeface="Söhne"/>
+              </a:rPr>
+              <a:t>mergedList</a:t>
+            </a:r>
+            <a:endParaRPr lang="en-US" b="0" i="0" dirty="0">
+              <a:solidFill>
+                <a:srgbClr val="D1D5DB"/>
+              </a:solidFill>
+              <a:effectLst/>
+              <a:latin typeface="Söhne"/>
+            </a:endParaRPr>
+          </a:p>
+          <a:p>
+            <a:pPr algn="l"/>
+            <a:endParaRPr lang="en-US" b="0" i="0" dirty="0">
+              <a:solidFill>
+                <a:srgbClr val="D1D5DB"/>
+              </a:solidFill>
+              <a:effectLst/>
+              <a:latin typeface="Söhne"/>
+            </a:endParaRPr>
           </a:p>
           <a:p>
             <a:endParaRPr lang="en-US" dirty="0"/>
-          </a:p>
-          <a:p>
-            <a:r>
-              <a:rPr lang="en-US" dirty="0"/>
-              <a:t>1. **Base Case Check:**</a:t>
-            </a:r>
-          </a:p>
-          <a:p>
-            <a:r>
-              <a:rPr lang="en-US" dirty="0"/>
-              <a:t>   - Checking if `</a:t>
-            </a:r>
-            <a:r>
-              <a:rPr lang="en-US" dirty="0" err="1"/>
-              <a:t>L.head</a:t>
-            </a:r>
-            <a:r>
-              <a:rPr lang="en-US" dirty="0"/>
-              <a:t>` is NULL is a constant-time operation, O(1).</a:t>
-            </a:r>
-          </a:p>
-          <a:p>
-            <a:endParaRPr lang="en-US" dirty="0"/>
-          </a:p>
-          <a:p>
-            <a:r>
-              <a:rPr lang="en-US" dirty="0"/>
-              <a:t>2. **Insertion at the Beginning of `L`:**</a:t>
-            </a:r>
-          </a:p>
-          <a:p>
-            <a:r>
-              <a:rPr lang="en-US" dirty="0"/>
-              <a:t>   - If `</a:t>
-            </a:r>
-            <a:r>
-              <a:rPr lang="en-US" dirty="0" err="1"/>
-              <a:t>L.head</a:t>
-            </a:r>
-            <a:r>
-              <a:rPr lang="en-US" dirty="0"/>
-              <a:t>` is NULL, the algorithm inserts the node from `N` at the beginning of `L`. This is a constant-time operation, O(1).</a:t>
-            </a:r>
-          </a:p>
-          <a:p>
-            <a:endParaRPr lang="en-US" dirty="0"/>
-          </a:p>
-          <a:p>
-            <a:r>
-              <a:rPr lang="en-US" dirty="0"/>
-              <a:t>3. **Insertion at a Position Other Than the Beginning:**</a:t>
-            </a:r>
-          </a:p>
-          <a:p>
-            <a:r>
-              <a:rPr lang="en-US" dirty="0"/>
-              <a:t>   - If `</a:t>
-            </a:r>
-            <a:r>
-              <a:rPr lang="en-US" dirty="0" err="1"/>
-              <a:t>L.head</a:t>
-            </a:r>
-            <a:r>
-              <a:rPr lang="en-US" dirty="0"/>
-              <a:t>` is not NULL, the algorithm checks whether the node from `N` should be inserted before the current head of `L` based on the comparison of data values.</a:t>
-            </a:r>
-          </a:p>
-          <a:p>
-            <a:r>
-              <a:rPr lang="en-US" dirty="0"/>
-              <a:t>   - If insertion is at the beginning, it is a constant-time operation, O(1).</a:t>
-            </a:r>
-          </a:p>
-          <a:p>
-            <a:r>
-              <a:rPr lang="en-US" dirty="0"/>
-              <a:t>   - Otherwise, the algorithm uses a `while` loop to traverse `L` to find the correct position for insertion. In the worst case, it may need to traverse the entire list, resulting in a time complexity of O(N), where N is the number of nodes in `L`.</a:t>
-            </a:r>
-          </a:p>
-          <a:p>
-            <a:endParaRPr lang="en-US" dirty="0"/>
-          </a:p>
-          <a:p>
-            <a:r>
-              <a:rPr lang="en-US" dirty="0"/>
-              <a:t>Overall, the time complexity of the `try` algorithm is O(N) in the worst case, where N is the number of nodes in the sorted linked list `L`. If the insertion happens at the beginning (when `</a:t>
-            </a:r>
-            <a:r>
-              <a:rPr lang="en-US" dirty="0" err="1"/>
-              <a:t>L.head</a:t>
-            </a:r>
-            <a:r>
-              <a:rPr lang="en-US" dirty="0"/>
-              <a:t>` is NULL) or is at a position other than the beginning, it is O(1).</a:t>
-            </a:r>
           </a:p>
         </p:txBody>
       </p:sp>
@@ -1166,7 +2867,7 @@
     </p:spTree>
     <p:extLst>
       <p:ext uri="{BB962C8B-B14F-4D97-AF65-F5344CB8AC3E}">
-        <p14:creationId xmlns:p14="http://schemas.microsoft.com/office/powerpoint/2010/main" val="1447300284"/>
+        <p14:creationId xmlns:p14="http://schemas.microsoft.com/office/powerpoint/2010/main" val="916853691"/>
       </p:ext>
     </p:extLst>
   </p:cSld>
@@ -1229,7 +2930,27 @@
                 <a:effectLst/>
                 <a:latin typeface="Söhne"/>
               </a:rPr>
-              <a:t>The time complexity of the Bubble Sort algorithm applied to a linked list is O(N^2), where N is the number of nodes in the linked list. Here's the breakdown of the time complexity:</a:t>
+              <a:t>The time complexity of the </a:t>
+            </a:r>
+            <a:r>
+              <a:rPr lang="en-US" b="0" i="0" dirty="0" err="1">
+                <a:solidFill>
+                  <a:srgbClr val="D1D5DB"/>
+                </a:solidFill>
+                <a:effectLst/>
+                <a:latin typeface="Söhne"/>
+              </a:rPr>
+              <a:t>addAtEndCircularLinkedList</a:t>
+            </a:r>
+            <a:r>
+              <a:rPr lang="en-US" b="0" i="0" dirty="0">
+                <a:solidFill>
+                  <a:srgbClr val="D1D5DB"/>
+                </a:solidFill>
+                <a:effectLst/>
+                <a:latin typeface="Söhne"/>
+              </a:rPr>
+              <a:t> algorithm depends on the number of nodes in the circular linked list. Let's analyze the time complexity step by step:</a:t>
             </a:r>
           </a:p>
           <a:p>
@@ -1245,7 +2966,7 @@
                 <a:effectLst/>
                 <a:latin typeface="Söhne"/>
               </a:rPr>
-              <a:t>Outer Loop (Traversing the List):</a:t>
+              <a:t>Base Case Check:</a:t>
             </a:r>
             <a:endParaRPr lang="en-US" b="0" i="0" dirty="0">
               <a:solidFill>
@@ -1268,39 +2989,7 @@
                 <a:effectLst/>
                 <a:latin typeface="Söhne"/>
               </a:rPr>
-              <a:t>The outer loop of the Bubble Sort algorithm iterates N times, where N is the number of nodes in the linked list. In each iteration, the algorithm compares and possibly swaps adjacent elements.</a:t>
-            </a:r>
-          </a:p>
-          <a:p>
-            <a:pPr marL="742950" lvl="1" indent="-285750" algn="l">
-              <a:buFont typeface="+mj-lt"/>
-              <a:buAutoNum type="arabicPeriod"/>
-            </a:pPr>
-            <a:r>
-              <a:rPr lang="en-US" b="0" i="0" dirty="0">
-                <a:solidFill>
-                  <a:srgbClr val="D1D5DB"/>
-                </a:solidFill>
-                <a:effectLst/>
-                <a:latin typeface="Söhne"/>
-              </a:rPr>
-              <a:t>The worst-case scenario is when the list is in reverse order, and the algorithm needs to perform N iterations for each element to move it to its correct position.</a:t>
-            </a:r>
-          </a:p>
-          <a:p>
-            <a:pPr marL="742950" lvl="1" indent="-285750" algn="l">
-              <a:buFont typeface="+mj-lt"/>
-              <a:buAutoNum type="arabicPeriod"/>
-            </a:pPr>
-            <a:r>
-              <a:rPr lang="en-US" b="0" i="0" dirty="0">
-                <a:solidFill>
-                  <a:srgbClr val="D1D5DB"/>
-                </a:solidFill>
-                <a:effectLst/>
-                <a:latin typeface="Söhne"/>
-              </a:rPr>
-              <a:t>Therefore, the time complexity of the outer loop is O(N).</a:t>
+              <a:t>The initial check for whether the list is empty is a constant-time operation, O(1).</a:t>
             </a:r>
           </a:p>
           <a:p>
@@ -1316,7 +3005,7 @@
                 <a:effectLst/>
                 <a:latin typeface="Söhne"/>
               </a:rPr>
-              <a:t>Inner Loop (Comparisons and Swaps):</a:t>
+              <a:t>Creating a New Node:</a:t>
             </a:r>
             <a:endParaRPr lang="en-US" b="0" i="0" dirty="0">
               <a:solidFill>
@@ -1339,14 +3028,18 @@
                 <a:effectLst/>
                 <a:latin typeface="Söhne"/>
               </a:rPr>
-              <a:t>The inner loop compares and swaps adjacent elements. In the worst case, the inner loop iterates N times for each outer loop iteration.</a:t>
-            </a:r>
-          </a:p>
-          <a:p>
-            <a:pPr marL="742950" lvl="1" indent="-285750" algn="l">
-              <a:buFont typeface="+mj-lt"/>
-              <a:buAutoNum type="arabicPeriod"/>
-            </a:pPr>
+              <a:t>Creating a new node using </a:t>
+            </a:r>
+            <a:r>
+              <a:rPr lang="en-US" b="0" i="0" dirty="0" err="1">
+                <a:solidFill>
+                  <a:srgbClr val="D1D5DB"/>
+                </a:solidFill>
+                <a:effectLst/>
+                <a:latin typeface="Söhne"/>
+              </a:rPr>
+              <a:t>createNode</a:t>
+            </a:r>
             <a:r>
               <a:rPr lang="en-US" b="0" i="0" dirty="0">
                 <a:solidFill>
@@ -1355,23 +3048,7 @@
                 <a:effectLst/>
                 <a:latin typeface="Söhne"/>
               </a:rPr>
-              <a:t>The total number of comparisons and swaps in the inner loop is proportional to N^2.</a:t>
-            </a:r>
-          </a:p>
-          <a:p>
-            <a:pPr marL="742950" lvl="1" indent="-285750" algn="l">
-              <a:buFont typeface="+mj-lt"/>
-              <a:buAutoNum type="arabicPeriod"/>
-            </a:pPr>
-            <a:r>
-              <a:rPr lang="en-US" b="0" i="0" dirty="0">
-                <a:solidFill>
-                  <a:srgbClr val="D1D5DB"/>
-                </a:solidFill>
-                <a:effectLst/>
-                <a:latin typeface="Söhne"/>
-              </a:rPr>
-              <a:t>Therefore, the time complexity of the inner loop is O(N^2).</a:t>
+              <a:t>(value) is a constant-time operation, O(1).</a:t>
             </a:r>
           </a:p>
           <a:p>
@@ -1387,7 +3064,7 @@
                 <a:effectLst/>
                 <a:latin typeface="Söhne"/>
               </a:rPr>
-              <a:t>Overall Time Complexity:</a:t>
+              <a:t>Inserting at the End:</a:t>
             </a:r>
             <a:endParaRPr lang="en-US" b="0" i="0" dirty="0">
               <a:solidFill>
@@ -1410,11 +3087,14 @@
                 <a:effectLst/>
                 <a:latin typeface="Söhne"/>
               </a:rPr>
-              <a:t>Combining the time complexities of the outer and inner loops, the overall time complexity of the Bubble Sort algorithm for a linked list is O(N) * O(N^2) = O(N^2).</a:t>
-            </a:r>
-          </a:p>
-          <a:p>
-            <a:pPr algn="l"/>
+              <a:t>If the list is not empty, the algorithm traverses the circular list to find the node before the head.</a:t>
+            </a:r>
+          </a:p>
+          <a:p>
+            <a:pPr marL="742950" lvl="1" indent="-285750" algn="l">
+              <a:buFont typeface="+mj-lt"/>
+              <a:buAutoNum type="arabicPeriod"/>
+            </a:pPr>
             <a:r>
               <a:rPr lang="en-US" b="0" i="0" dirty="0">
                 <a:solidFill>
@@ -1423,11 +3103,24 @@
                 <a:effectLst/>
                 <a:latin typeface="Söhne"/>
               </a:rPr>
-              <a:t>Bubble Sort is not the most efficient sorting algorithm, especially for large datasets, but it is straightforward to implement. Other sorting algorithms like Merge Sort or Quick Sort may offer better performance for large datasets.</a:t>
-            </a:r>
-          </a:p>
-          <a:p>
-            <a:pPr algn="l"/>
+              <a:t>In the worst case, the traversal requires visiting each node once. Therefore, the traversal has a time complexity of O(N), where N is the number of nodes in the circular linked list.</a:t>
+            </a:r>
+          </a:p>
+          <a:p>
+            <a:pPr algn="l">
+              <a:buFont typeface="+mj-lt"/>
+              <a:buAutoNum type="arabicPeriod"/>
+            </a:pPr>
+            <a:r>
+              <a:rPr lang="en-US" b="1" i="0" dirty="0">
+                <a:solidFill>
+                  <a:srgbClr val="D1D5DB"/>
+                </a:solidFill>
+                <a:effectLst/>
+                <a:latin typeface="Söhne"/>
+              </a:rPr>
+              <a:t>Inserting the New Node:</a:t>
+            </a:r>
             <a:endParaRPr lang="en-US" b="0" i="0" dirty="0">
               <a:solidFill>
                 <a:srgbClr val="D1D5DB"/>
@@ -1437,27 +3130,23 @@
             </a:endParaRPr>
           </a:p>
           <a:p>
+            <a:pPr marL="742950" lvl="1" indent="-285750" algn="l">
+              <a:buFont typeface="+mj-lt"/>
+              <a:buAutoNum type="arabicPeriod"/>
+            </a:pPr>
+            <a:r>
+              <a:rPr lang="en-US" b="0" i="0" dirty="0">
+                <a:solidFill>
+                  <a:srgbClr val="D1D5DB"/>
+                </a:solidFill>
+                <a:effectLst/>
+                <a:latin typeface="Söhne"/>
+              </a:rPr>
+              <a:t>After finding the node before the head, the algorithm inserts the new node at the end. This is a constant-time operation, O(1).</a:t>
+            </a:r>
+          </a:p>
+          <a:p>
             <a:pPr algn="l"/>
-            <a:endParaRPr lang="en-US" b="0" i="0" dirty="0">
-              <a:solidFill>
-                <a:srgbClr val="D1D5DB"/>
-              </a:solidFill>
-              <a:effectLst/>
-              <a:latin typeface="Söhne"/>
-            </a:endParaRPr>
-          </a:p>
-          <a:p>
-            <a:pPr algn="l"/>
-            <a:r>
-              <a:rPr lang="en-US" b="1" i="0" dirty="0">
-                <a:solidFill>
-                  <a:srgbClr val="D1D5DB"/>
-                </a:solidFill>
-                <a:effectLst/>
-                <a:latin typeface="Söhne"/>
-              </a:rPr>
-              <a:t>Merge Sort algorithm adapted for a linked list. Run time: </a:t>
-            </a:r>
             <a:r>
               <a:rPr lang="en-US" b="0" i="0" dirty="0">
                 <a:solidFill>
@@ -1466,1543 +3155,8 @@
                 <a:effectLst/>
                 <a:latin typeface="Söhne"/>
               </a:rPr>
-              <a:t>O(n log n)</a:t>
-            </a:r>
-            <a:endParaRPr lang="en-US" b="1" i="0" dirty="0">
-              <a:solidFill>
-                <a:srgbClr val="D1D5DB"/>
-              </a:solidFill>
-              <a:effectLst/>
-              <a:latin typeface="Söhne"/>
-            </a:endParaRPr>
-          </a:p>
-          <a:p>
-            <a:pPr algn="l"/>
-            <a:endParaRPr lang="en-US" b="0" i="0" dirty="0">
-              <a:solidFill>
-                <a:srgbClr val="D1D5DB"/>
-              </a:solidFill>
-              <a:effectLst/>
-              <a:latin typeface="Söhne"/>
-            </a:endParaRPr>
-          </a:p>
-          <a:p>
-            <a:pPr algn="l"/>
-            <a:r>
-              <a:rPr lang="en-US" b="0" i="0" dirty="0">
-                <a:solidFill>
-                  <a:srgbClr val="D1D5DB"/>
-                </a:solidFill>
-                <a:effectLst/>
-                <a:latin typeface="Söhne"/>
-              </a:rPr>
-              <a:t>function </a:t>
-            </a:r>
-            <a:r>
-              <a:rPr lang="en-US" b="0" i="0" dirty="0" err="1">
-                <a:solidFill>
-                  <a:srgbClr val="D1D5DB"/>
-                </a:solidFill>
-                <a:effectLst/>
-                <a:latin typeface="Söhne"/>
-              </a:rPr>
-              <a:t>mergeSortLinkedList</a:t>
-            </a:r>
-            <a:r>
-              <a:rPr lang="en-US" b="0" i="0" dirty="0">
-                <a:solidFill>
-                  <a:srgbClr val="D1D5DB"/>
-                </a:solidFill>
-                <a:effectLst/>
-                <a:latin typeface="Söhne"/>
-              </a:rPr>
-              <a:t>(head):</a:t>
-            </a:r>
-          </a:p>
-          <a:p>
-            <a:pPr algn="l"/>
-            <a:r>
-              <a:rPr lang="en-US" b="0" i="0" dirty="0">
-                <a:solidFill>
-                  <a:srgbClr val="D1D5DB"/>
-                </a:solidFill>
-                <a:effectLst/>
-                <a:latin typeface="Söhne"/>
-              </a:rPr>
-              <a:t>    if head is NULL or </a:t>
-            </a:r>
-            <a:r>
-              <a:rPr lang="en-US" b="0" i="0" dirty="0" err="1">
-                <a:solidFill>
-                  <a:srgbClr val="D1D5DB"/>
-                </a:solidFill>
-                <a:effectLst/>
-                <a:latin typeface="Söhne"/>
-              </a:rPr>
-              <a:t>head.next</a:t>
-            </a:r>
-            <a:r>
-              <a:rPr lang="en-US" b="0" i="0" dirty="0">
-                <a:solidFill>
-                  <a:srgbClr val="D1D5DB"/>
-                </a:solidFill>
-                <a:effectLst/>
-                <a:latin typeface="Söhne"/>
-              </a:rPr>
-              <a:t> is NULL:</a:t>
-            </a:r>
-          </a:p>
-          <a:p>
-            <a:pPr algn="l"/>
-            <a:r>
-              <a:rPr lang="en-US" b="0" i="0" dirty="0">
-                <a:solidFill>
-                  <a:srgbClr val="D1D5DB"/>
-                </a:solidFill>
-                <a:effectLst/>
-                <a:latin typeface="Söhne"/>
-              </a:rPr>
-              <a:t>        return head  // Base case: empty or single-node list</a:t>
-            </a:r>
-          </a:p>
-          <a:p>
-            <a:pPr algn="l"/>
-            <a:endParaRPr lang="en-US" b="0" i="0" dirty="0">
-              <a:solidFill>
-                <a:srgbClr val="D1D5DB"/>
-              </a:solidFill>
-              <a:effectLst/>
-              <a:latin typeface="Söhne"/>
-            </a:endParaRPr>
-          </a:p>
-          <a:p>
-            <a:pPr algn="l"/>
-            <a:r>
-              <a:rPr lang="en-US" b="0" i="0" dirty="0">
-                <a:solidFill>
-                  <a:srgbClr val="D1D5DB"/>
-                </a:solidFill>
-                <a:effectLst/>
-                <a:latin typeface="Söhne"/>
-              </a:rPr>
-              <a:t>    // Split the linked list into two halves</a:t>
-            </a:r>
-          </a:p>
-          <a:p>
-            <a:pPr algn="l"/>
-            <a:r>
-              <a:rPr lang="en-US" b="0" i="0" dirty="0">
-                <a:solidFill>
-                  <a:srgbClr val="D1D5DB"/>
-                </a:solidFill>
-                <a:effectLst/>
-                <a:latin typeface="Söhne"/>
-              </a:rPr>
-              <a:t>    middle = </a:t>
-            </a:r>
-            <a:r>
-              <a:rPr lang="en-US" b="0" i="0" dirty="0" err="1">
-                <a:solidFill>
-                  <a:srgbClr val="D1D5DB"/>
-                </a:solidFill>
-                <a:effectLst/>
-                <a:latin typeface="Söhne"/>
-              </a:rPr>
-              <a:t>findMiddle</a:t>
-            </a:r>
-            <a:r>
-              <a:rPr lang="en-US" b="0" i="0" dirty="0">
-                <a:solidFill>
-                  <a:srgbClr val="D1D5DB"/>
-                </a:solidFill>
-                <a:effectLst/>
-                <a:latin typeface="Söhne"/>
-              </a:rPr>
-              <a:t>(head)</a:t>
-            </a:r>
-          </a:p>
-          <a:p>
-            <a:pPr algn="l"/>
-            <a:r>
-              <a:rPr lang="en-US" b="0" i="0" dirty="0">
-                <a:solidFill>
-                  <a:srgbClr val="D1D5DB"/>
-                </a:solidFill>
-                <a:effectLst/>
-                <a:latin typeface="Söhne"/>
-              </a:rPr>
-              <a:t>    </a:t>
-            </a:r>
-            <a:r>
-              <a:rPr lang="en-US" b="0" i="0" dirty="0" err="1">
-                <a:solidFill>
-                  <a:srgbClr val="D1D5DB"/>
-                </a:solidFill>
-                <a:effectLst/>
-                <a:latin typeface="Söhne"/>
-              </a:rPr>
-              <a:t>leftList</a:t>
-            </a:r>
-            <a:r>
-              <a:rPr lang="en-US" b="0" i="0" dirty="0">
-                <a:solidFill>
-                  <a:srgbClr val="D1D5DB"/>
-                </a:solidFill>
-                <a:effectLst/>
-                <a:latin typeface="Söhne"/>
-              </a:rPr>
-              <a:t> = head</a:t>
-            </a:r>
-          </a:p>
-          <a:p>
-            <a:pPr algn="l"/>
-            <a:r>
-              <a:rPr lang="en-US" b="0" i="0" dirty="0">
-                <a:solidFill>
-                  <a:srgbClr val="D1D5DB"/>
-                </a:solidFill>
-                <a:effectLst/>
-                <a:latin typeface="Söhne"/>
-              </a:rPr>
-              <a:t>    </a:t>
-            </a:r>
-            <a:r>
-              <a:rPr lang="en-US" b="0" i="0" dirty="0" err="1">
-                <a:solidFill>
-                  <a:srgbClr val="D1D5DB"/>
-                </a:solidFill>
-                <a:effectLst/>
-                <a:latin typeface="Söhne"/>
-              </a:rPr>
-              <a:t>rightList</a:t>
-            </a:r>
-            <a:r>
-              <a:rPr lang="en-US" b="0" i="0" dirty="0">
-                <a:solidFill>
-                  <a:srgbClr val="D1D5DB"/>
-                </a:solidFill>
-                <a:effectLst/>
-                <a:latin typeface="Söhne"/>
-              </a:rPr>
-              <a:t> = </a:t>
-            </a:r>
-            <a:r>
-              <a:rPr lang="en-US" b="0" i="0" dirty="0" err="1">
-                <a:solidFill>
-                  <a:srgbClr val="D1D5DB"/>
-                </a:solidFill>
-                <a:effectLst/>
-                <a:latin typeface="Söhne"/>
-              </a:rPr>
-              <a:t>middle.next</a:t>
-            </a:r>
-            <a:endParaRPr lang="en-US" b="0" i="0" dirty="0">
-              <a:solidFill>
-                <a:srgbClr val="D1D5DB"/>
-              </a:solidFill>
-              <a:effectLst/>
-              <a:latin typeface="Söhne"/>
-            </a:endParaRPr>
-          </a:p>
-          <a:p>
-            <a:pPr algn="l"/>
-            <a:r>
-              <a:rPr lang="en-US" b="0" i="0" dirty="0">
-                <a:solidFill>
-                  <a:srgbClr val="D1D5DB"/>
-                </a:solidFill>
-                <a:effectLst/>
-                <a:latin typeface="Söhne"/>
-              </a:rPr>
-              <a:t>    </a:t>
-            </a:r>
-            <a:r>
-              <a:rPr lang="en-US" b="0" i="0" dirty="0" err="1">
-                <a:solidFill>
-                  <a:srgbClr val="D1D5DB"/>
-                </a:solidFill>
-                <a:effectLst/>
-                <a:latin typeface="Söhne"/>
-              </a:rPr>
-              <a:t>middle.next</a:t>
-            </a:r>
-            <a:r>
-              <a:rPr lang="en-US" b="0" i="0" dirty="0">
-                <a:solidFill>
-                  <a:srgbClr val="D1D5DB"/>
-                </a:solidFill>
-                <a:effectLst/>
-                <a:latin typeface="Söhne"/>
-              </a:rPr>
-              <a:t> = NULL  // Splitting the list</a:t>
-            </a:r>
-          </a:p>
-          <a:p>
-            <a:pPr algn="l"/>
-            <a:endParaRPr lang="en-US" b="0" i="0" dirty="0">
-              <a:solidFill>
-                <a:srgbClr val="D1D5DB"/>
-              </a:solidFill>
-              <a:effectLst/>
-              <a:latin typeface="Söhne"/>
-            </a:endParaRPr>
-          </a:p>
-          <a:p>
-            <a:pPr algn="l"/>
-            <a:r>
-              <a:rPr lang="en-US" b="0" i="0" dirty="0">
-                <a:solidFill>
-                  <a:srgbClr val="D1D5DB"/>
-                </a:solidFill>
-                <a:effectLst/>
-                <a:latin typeface="Söhne"/>
-              </a:rPr>
-              <a:t>    // Recursively sort both halves</a:t>
-            </a:r>
-          </a:p>
-          <a:p>
-            <a:pPr algn="l"/>
-            <a:r>
-              <a:rPr lang="en-US" b="0" i="0" dirty="0">
-                <a:solidFill>
-                  <a:srgbClr val="D1D5DB"/>
-                </a:solidFill>
-                <a:effectLst/>
-                <a:latin typeface="Söhne"/>
-              </a:rPr>
-              <a:t>    </a:t>
-            </a:r>
-            <a:r>
-              <a:rPr lang="en-US" b="0" i="0" dirty="0" err="1">
-                <a:solidFill>
-                  <a:srgbClr val="D1D5DB"/>
-                </a:solidFill>
-                <a:effectLst/>
-                <a:latin typeface="Söhne"/>
-              </a:rPr>
-              <a:t>leftList</a:t>
-            </a:r>
-            <a:r>
-              <a:rPr lang="en-US" b="0" i="0" dirty="0">
-                <a:solidFill>
-                  <a:srgbClr val="D1D5DB"/>
-                </a:solidFill>
-                <a:effectLst/>
-                <a:latin typeface="Söhne"/>
-              </a:rPr>
-              <a:t> = </a:t>
-            </a:r>
-            <a:r>
-              <a:rPr lang="en-US" b="0" i="0" dirty="0" err="1">
-                <a:solidFill>
-                  <a:srgbClr val="D1D5DB"/>
-                </a:solidFill>
-                <a:effectLst/>
-                <a:latin typeface="Söhne"/>
-              </a:rPr>
-              <a:t>mergeSortLinkedList</a:t>
-            </a:r>
-            <a:r>
-              <a:rPr lang="en-US" b="0" i="0" dirty="0">
-                <a:solidFill>
-                  <a:srgbClr val="D1D5DB"/>
-                </a:solidFill>
-                <a:effectLst/>
-                <a:latin typeface="Söhne"/>
-              </a:rPr>
-              <a:t>(</a:t>
-            </a:r>
-            <a:r>
-              <a:rPr lang="en-US" b="0" i="0" dirty="0" err="1">
-                <a:solidFill>
-                  <a:srgbClr val="D1D5DB"/>
-                </a:solidFill>
-                <a:effectLst/>
-                <a:latin typeface="Söhne"/>
-              </a:rPr>
-              <a:t>leftList</a:t>
-            </a:r>
-            <a:r>
-              <a:rPr lang="en-US" b="0" i="0" dirty="0">
-                <a:solidFill>
-                  <a:srgbClr val="D1D5DB"/>
-                </a:solidFill>
-                <a:effectLst/>
-                <a:latin typeface="Söhne"/>
-              </a:rPr>
-              <a:t>)</a:t>
-            </a:r>
-          </a:p>
-          <a:p>
-            <a:pPr algn="l"/>
-            <a:r>
-              <a:rPr lang="en-US" b="0" i="0" dirty="0">
-                <a:solidFill>
-                  <a:srgbClr val="D1D5DB"/>
-                </a:solidFill>
-                <a:effectLst/>
-                <a:latin typeface="Söhne"/>
-              </a:rPr>
-              <a:t>    </a:t>
-            </a:r>
-            <a:r>
-              <a:rPr lang="en-US" b="0" i="0" dirty="0" err="1">
-                <a:solidFill>
-                  <a:srgbClr val="D1D5DB"/>
-                </a:solidFill>
-                <a:effectLst/>
-                <a:latin typeface="Söhne"/>
-              </a:rPr>
-              <a:t>rightList</a:t>
-            </a:r>
-            <a:r>
-              <a:rPr lang="en-US" b="0" i="0" dirty="0">
-                <a:solidFill>
-                  <a:srgbClr val="D1D5DB"/>
-                </a:solidFill>
-                <a:effectLst/>
-                <a:latin typeface="Söhne"/>
-              </a:rPr>
-              <a:t> = </a:t>
-            </a:r>
-            <a:r>
-              <a:rPr lang="en-US" b="0" i="0" dirty="0" err="1">
-                <a:solidFill>
-                  <a:srgbClr val="D1D5DB"/>
-                </a:solidFill>
-                <a:effectLst/>
-                <a:latin typeface="Söhne"/>
-              </a:rPr>
-              <a:t>mergeSortLinkedList</a:t>
-            </a:r>
-            <a:r>
-              <a:rPr lang="en-US" b="0" i="0" dirty="0">
-                <a:solidFill>
-                  <a:srgbClr val="D1D5DB"/>
-                </a:solidFill>
-                <a:effectLst/>
-                <a:latin typeface="Söhne"/>
-              </a:rPr>
-              <a:t>(</a:t>
-            </a:r>
-            <a:r>
-              <a:rPr lang="en-US" b="0" i="0" dirty="0" err="1">
-                <a:solidFill>
-                  <a:srgbClr val="D1D5DB"/>
-                </a:solidFill>
-                <a:effectLst/>
-                <a:latin typeface="Söhne"/>
-              </a:rPr>
-              <a:t>rightList</a:t>
-            </a:r>
-            <a:r>
-              <a:rPr lang="en-US" b="0" i="0" dirty="0">
-                <a:solidFill>
-                  <a:srgbClr val="D1D5DB"/>
-                </a:solidFill>
-                <a:effectLst/>
-                <a:latin typeface="Söhne"/>
-              </a:rPr>
-              <a:t>)</a:t>
-            </a:r>
-          </a:p>
-          <a:p>
-            <a:pPr algn="l"/>
-            <a:endParaRPr lang="en-US" b="0" i="0" dirty="0">
-              <a:solidFill>
-                <a:srgbClr val="D1D5DB"/>
-              </a:solidFill>
-              <a:effectLst/>
-              <a:latin typeface="Söhne"/>
-            </a:endParaRPr>
-          </a:p>
-          <a:p>
-            <a:pPr algn="l"/>
-            <a:r>
-              <a:rPr lang="en-US" b="0" i="0" dirty="0">
-                <a:solidFill>
-                  <a:srgbClr val="D1D5DB"/>
-                </a:solidFill>
-                <a:effectLst/>
-                <a:latin typeface="Söhne"/>
-              </a:rPr>
-              <a:t>    // Merge the sorted halves</a:t>
-            </a:r>
-          </a:p>
-          <a:p>
-            <a:pPr algn="l"/>
-            <a:r>
-              <a:rPr lang="en-US" b="0" i="0" dirty="0">
-                <a:solidFill>
-                  <a:srgbClr val="D1D5DB"/>
-                </a:solidFill>
-                <a:effectLst/>
-                <a:latin typeface="Söhne"/>
-              </a:rPr>
-              <a:t>    </a:t>
-            </a:r>
-            <a:r>
-              <a:rPr lang="en-US" b="0" i="0" dirty="0" err="1">
-                <a:solidFill>
-                  <a:srgbClr val="D1D5DB"/>
-                </a:solidFill>
-                <a:effectLst/>
-                <a:latin typeface="Söhne"/>
-              </a:rPr>
-              <a:t>sortedList</a:t>
-            </a:r>
-            <a:r>
-              <a:rPr lang="en-US" b="0" i="0" dirty="0">
-                <a:solidFill>
-                  <a:srgbClr val="D1D5DB"/>
-                </a:solidFill>
-                <a:effectLst/>
-                <a:latin typeface="Söhne"/>
-              </a:rPr>
-              <a:t> = merge(</a:t>
-            </a:r>
-            <a:r>
-              <a:rPr lang="en-US" b="0" i="0" dirty="0" err="1">
-                <a:solidFill>
-                  <a:srgbClr val="D1D5DB"/>
-                </a:solidFill>
-                <a:effectLst/>
-                <a:latin typeface="Söhne"/>
-              </a:rPr>
-              <a:t>leftList</a:t>
-            </a:r>
-            <a:r>
-              <a:rPr lang="en-US" b="0" i="0" dirty="0">
-                <a:solidFill>
-                  <a:srgbClr val="D1D5DB"/>
-                </a:solidFill>
-                <a:effectLst/>
-                <a:latin typeface="Söhne"/>
-              </a:rPr>
-              <a:t>, </a:t>
-            </a:r>
-            <a:r>
-              <a:rPr lang="en-US" b="0" i="0" dirty="0" err="1">
-                <a:solidFill>
-                  <a:srgbClr val="D1D5DB"/>
-                </a:solidFill>
-                <a:effectLst/>
-                <a:latin typeface="Söhne"/>
-              </a:rPr>
-              <a:t>rightList</a:t>
-            </a:r>
-            <a:r>
-              <a:rPr lang="en-US" b="0" i="0" dirty="0">
-                <a:solidFill>
-                  <a:srgbClr val="D1D5DB"/>
-                </a:solidFill>
-                <a:effectLst/>
-                <a:latin typeface="Söhne"/>
-              </a:rPr>
-              <a:t>)</a:t>
-            </a:r>
-          </a:p>
-          <a:p>
-            <a:pPr algn="l"/>
-            <a:endParaRPr lang="en-US" b="0" i="0" dirty="0">
-              <a:solidFill>
-                <a:srgbClr val="D1D5DB"/>
-              </a:solidFill>
-              <a:effectLst/>
-              <a:latin typeface="Söhne"/>
-            </a:endParaRPr>
-          </a:p>
-          <a:p>
-            <a:pPr algn="l"/>
-            <a:r>
-              <a:rPr lang="en-US" b="0" i="0" dirty="0">
-                <a:solidFill>
-                  <a:srgbClr val="D1D5DB"/>
-                </a:solidFill>
-                <a:effectLst/>
-                <a:latin typeface="Söhne"/>
-              </a:rPr>
-              <a:t>    return </a:t>
-            </a:r>
-            <a:r>
-              <a:rPr lang="en-US" b="0" i="0" dirty="0" err="1">
-                <a:solidFill>
-                  <a:srgbClr val="D1D5DB"/>
-                </a:solidFill>
-                <a:effectLst/>
-                <a:latin typeface="Söhne"/>
-              </a:rPr>
-              <a:t>sortedList</a:t>
-            </a:r>
-            <a:endParaRPr lang="en-US" b="0" i="0" dirty="0">
-              <a:solidFill>
-                <a:srgbClr val="D1D5DB"/>
-              </a:solidFill>
-              <a:effectLst/>
-              <a:latin typeface="Söhne"/>
-            </a:endParaRPr>
-          </a:p>
-          <a:p>
-            <a:pPr algn="l"/>
-            <a:endParaRPr lang="en-US" b="0" i="0" dirty="0">
-              <a:solidFill>
-                <a:srgbClr val="D1D5DB"/>
-              </a:solidFill>
-              <a:effectLst/>
-              <a:latin typeface="Söhne"/>
-            </a:endParaRPr>
-          </a:p>
-          <a:p>
-            <a:pPr algn="l"/>
-            <a:r>
-              <a:rPr lang="en-US" b="0" i="0" dirty="0">
-                <a:solidFill>
-                  <a:srgbClr val="D1D5DB"/>
-                </a:solidFill>
-                <a:effectLst/>
-                <a:latin typeface="Söhne"/>
-              </a:rPr>
-              <a:t>function </a:t>
-            </a:r>
-            <a:r>
-              <a:rPr lang="en-US" b="0" i="0" dirty="0" err="1">
-                <a:solidFill>
-                  <a:srgbClr val="D1D5DB"/>
-                </a:solidFill>
-                <a:effectLst/>
-                <a:latin typeface="Söhne"/>
-              </a:rPr>
-              <a:t>findMiddle</a:t>
-            </a:r>
-            <a:r>
-              <a:rPr lang="en-US" b="0" i="0" dirty="0">
-                <a:solidFill>
-                  <a:srgbClr val="D1D5DB"/>
-                </a:solidFill>
-                <a:effectLst/>
-                <a:latin typeface="Söhne"/>
-              </a:rPr>
-              <a:t>(head):</a:t>
-            </a:r>
-          </a:p>
-          <a:p>
-            <a:pPr algn="l"/>
-            <a:r>
-              <a:rPr lang="en-US" b="0" i="0" dirty="0">
-                <a:solidFill>
-                  <a:srgbClr val="D1D5DB"/>
-                </a:solidFill>
-                <a:effectLst/>
-                <a:latin typeface="Söhne"/>
-              </a:rPr>
-              <a:t>    </a:t>
-            </a:r>
-            <a:r>
-              <a:rPr lang="en-US" b="0" i="0" dirty="0" err="1">
-                <a:solidFill>
-                  <a:srgbClr val="D1D5DB"/>
-                </a:solidFill>
-                <a:effectLst/>
-                <a:latin typeface="Söhne"/>
-              </a:rPr>
-              <a:t>slowPointer</a:t>
-            </a:r>
-            <a:r>
-              <a:rPr lang="en-US" b="0" i="0" dirty="0">
-                <a:solidFill>
-                  <a:srgbClr val="D1D5DB"/>
-                </a:solidFill>
-                <a:effectLst/>
-                <a:latin typeface="Söhne"/>
-              </a:rPr>
-              <a:t> = head</a:t>
-            </a:r>
-          </a:p>
-          <a:p>
-            <a:pPr algn="l"/>
-            <a:r>
-              <a:rPr lang="en-US" b="0" i="0" dirty="0">
-                <a:solidFill>
-                  <a:srgbClr val="D1D5DB"/>
-                </a:solidFill>
-                <a:effectLst/>
-                <a:latin typeface="Söhne"/>
-              </a:rPr>
-              <a:t>    </a:t>
-            </a:r>
-            <a:r>
-              <a:rPr lang="en-US" b="0" i="0" dirty="0" err="1">
-                <a:solidFill>
-                  <a:srgbClr val="D1D5DB"/>
-                </a:solidFill>
-                <a:effectLst/>
-                <a:latin typeface="Söhne"/>
-              </a:rPr>
-              <a:t>fastPointer</a:t>
-            </a:r>
-            <a:r>
-              <a:rPr lang="en-US" b="0" i="0" dirty="0">
-                <a:solidFill>
-                  <a:srgbClr val="D1D5DB"/>
-                </a:solidFill>
-                <a:effectLst/>
-                <a:latin typeface="Söhne"/>
-              </a:rPr>
-              <a:t> = </a:t>
-            </a:r>
-            <a:r>
-              <a:rPr lang="en-US" b="0" i="0" dirty="0" err="1">
-                <a:solidFill>
-                  <a:srgbClr val="D1D5DB"/>
-                </a:solidFill>
-                <a:effectLst/>
-                <a:latin typeface="Söhne"/>
-              </a:rPr>
-              <a:t>head.next</a:t>
-            </a:r>
-            <a:endParaRPr lang="en-US" b="0" i="0" dirty="0">
-              <a:solidFill>
-                <a:srgbClr val="D1D5DB"/>
-              </a:solidFill>
-              <a:effectLst/>
-              <a:latin typeface="Söhne"/>
-            </a:endParaRPr>
-          </a:p>
-          <a:p>
-            <a:pPr algn="l"/>
-            <a:endParaRPr lang="en-US" b="0" i="0" dirty="0">
-              <a:solidFill>
-                <a:srgbClr val="D1D5DB"/>
-              </a:solidFill>
-              <a:effectLst/>
-              <a:latin typeface="Söhne"/>
-            </a:endParaRPr>
-          </a:p>
-          <a:p>
-            <a:pPr algn="l"/>
-            <a:r>
-              <a:rPr lang="en-US" b="0" i="0" dirty="0">
-                <a:solidFill>
-                  <a:srgbClr val="D1D5DB"/>
-                </a:solidFill>
-                <a:effectLst/>
-                <a:latin typeface="Söhne"/>
-              </a:rPr>
-              <a:t>    while </a:t>
-            </a:r>
-            <a:r>
-              <a:rPr lang="en-US" b="0" i="0" dirty="0" err="1">
-                <a:solidFill>
-                  <a:srgbClr val="D1D5DB"/>
-                </a:solidFill>
-                <a:effectLst/>
-                <a:latin typeface="Söhne"/>
-              </a:rPr>
-              <a:t>fastPointer</a:t>
-            </a:r>
-            <a:r>
-              <a:rPr lang="en-US" b="0" i="0" dirty="0">
-                <a:solidFill>
-                  <a:srgbClr val="D1D5DB"/>
-                </a:solidFill>
-                <a:effectLst/>
-                <a:latin typeface="Söhne"/>
-              </a:rPr>
-              <a:t> is not NULL and </a:t>
-            </a:r>
-            <a:r>
-              <a:rPr lang="en-US" b="0" i="0" dirty="0" err="1">
-                <a:solidFill>
-                  <a:srgbClr val="D1D5DB"/>
-                </a:solidFill>
-                <a:effectLst/>
-                <a:latin typeface="Söhne"/>
-              </a:rPr>
-              <a:t>fastPointer.next</a:t>
-            </a:r>
-            <a:r>
-              <a:rPr lang="en-US" b="0" i="0" dirty="0">
-                <a:solidFill>
-                  <a:srgbClr val="D1D5DB"/>
-                </a:solidFill>
-                <a:effectLst/>
-                <a:latin typeface="Söhne"/>
-              </a:rPr>
-              <a:t> is not NULL:</a:t>
-            </a:r>
-          </a:p>
-          <a:p>
-            <a:pPr algn="l"/>
-            <a:r>
-              <a:rPr lang="en-US" b="0" i="0" dirty="0">
-                <a:solidFill>
-                  <a:srgbClr val="D1D5DB"/>
-                </a:solidFill>
-                <a:effectLst/>
-                <a:latin typeface="Söhne"/>
-              </a:rPr>
-              <a:t>        </a:t>
-            </a:r>
-            <a:r>
-              <a:rPr lang="en-US" b="0" i="0" dirty="0" err="1">
-                <a:solidFill>
-                  <a:srgbClr val="D1D5DB"/>
-                </a:solidFill>
-                <a:effectLst/>
-                <a:latin typeface="Söhne"/>
-              </a:rPr>
-              <a:t>slowPointer</a:t>
-            </a:r>
-            <a:r>
-              <a:rPr lang="en-US" b="0" i="0" dirty="0">
-                <a:solidFill>
-                  <a:srgbClr val="D1D5DB"/>
-                </a:solidFill>
-                <a:effectLst/>
-                <a:latin typeface="Söhne"/>
-              </a:rPr>
-              <a:t> = </a:t>
-            </a:r>
-            <a:r>
-              <a:rPr lang="en-US" b="0" i="0" dirty="0" err="1">
-                <a:solidFill>
-                  <a:srgbClr val="D1D5DB"/>
-                </a:solidFill>
-                <a:effectLst/>
-                <a:latin typeface="Söhne"/>
-              </a:rPr>
-              <a:t>slowPointer.next</a:t>
-            </a:r>
-            <a:endParaRPr lang="en-US" b="0" i="0" dirty="0">
-              <a:solidFill>
-                <a:srgbClr val="D1D5DB"/>
-              </a:solidFill>
-              <a:effectLst/>
-              <a:latin typeface="Söhne"/>
-            </a:endParaRPr>
-          </a:p>
-          <a:p>
-            <a:pPr algn="l"/>
-            <a:r>
-              <a:rPr lang="en-US" b="0" i="0" dirty="0">
-                <a:solidFill>
-                  <a:srgbClr val="D1D5DB"/>
-                </a:solidFill>
-                <a:effectLst/>
-                <a:latin typeface="Söhne"/>
-              </a:rPr>
-              <a:t>        </a:t>
-            </a:r>
-            <a:r>
-              <a:rPr lang="en-US" b="0" i="0" dirty="0" err="1">
-                <a:solidFill>
-                  <a:srgbClr val="D1D5DB"/>
-                </a:solidFill>
-                <a:effectLst/>
-                <a:latin typeface="Söhne"/>
-              </a:rPr>
-              <a:t>fastPointer</a:t>
-            </a:r>
-            <a:r>
-              <a:rPr lang="en-US" b="0" i="0" dirty="0">
-                <a:solidFill>
-                  <a:srgbClr val="D1D5DB"/>
-                </a:solidFill>
-                <a:effectLst/>
-                <a:latin typeface="Söhne"/>
-              </a:rPr>
-              <a:t> = </a:t>
-            </a:r>
-            <a:r>
-              <a:rPr lang="en-US" b="0" i="0" dirty="0" err="1">
-                <a:solidFill>
-                  <a:srgbClr val="D1D5DB"/>
-                </a:solidFill>
-                <a:effectLst/>
-                <a:latin typeface="Söhne"/>
-              </a:rPr>
-              <a:t>fastPointer.next.next</a:t>
-            </a:r>
-            <a:endParaRPr lang="en-US" b="0" i="0" dirty="0">
-              <a:solidFill>
-                <a:srgbClr val="D1D5DB"/>
-              </a:solidFill>
-              <a:effectLst/>
-              <a:latin typeface="Söhne"/>
-            </a:endParaRPr>
-          </a:p>
-          <a:p>
-            <a:pPr algn="l"/>
-            <a:endParaRPr lang="en-US" b="0" i="0" dirty="0">
-              <a:solidFill>
-                <a:srgbClr val="D1D5DB"/>
-              </a:solidFill>
-              <a:effectLst/>
-              <a:latin typeface="Söhne"/>
-            </a:endParaRPr>
-          </a:p>
-          <a:p>
-            <a:pPr algn="l"/>
-            <a:r>
-              <a:rPr lang="en-US" b="0" i="0" dirty="0">
-                <a:solidFill>
-                  <a:srgbClr val="D1D5DB"/>
-                </a:solidFill>
-                <a:effectLst/>
-                <a:latin typeface="Söhne"/>
-              </a:rPr>
-              <a:t>    return </a:t>
-            </a:r>
-            <a:r>
-              <a:rPr lang="en-US" b="0" i="0" dirty="0" err="1">
-                <a:solidFill>
-                  <a:srgbClr val="D1D5DB"/>
-                </a:solidFill>
-                <a:effectLst/>
-                <a:latin typeface="Söhne"/>
-              </a:rPr>
-              <a:t>slowPointer</a:t>
-            </a:r>
-            <a:endParaRPr lang="en-US" b="0" i="0" dirty="0">
-              <a:solidFill>
-                <a:srgbClr val="D1D5DB"/>
-              </a:solidFill>
-              <a:effectLst/>
-              <a:latin typeface="Söhne"/>
-            </a:endParaRPr>
-          </a:p>
-          <a:p>
-            <a:pPr algn="l"/>
-            <a:endParaRPr lang="en-US" b="0" i="0" dirty="0">
-              <a:solidFill>
-                <a:srgbClr val="D1D5DB"/>
-              </a:solidFill>
-              <a:effectLst/>
-              <a:latin typeface="Söhne"/>
-            </a:endParaRPr>
-          </a:p>
-          <a:p>
-            <a:pPr algn="l"/>
-            <a:r>
-              <a:rPr lang="en-US" b="0" i="0" dirty="0">
-                <a:solidFill>
-                  <a:srgbClr val="D1D5DB"/>
-                </a:solidFill>
-                <a:effectLst/>
-                <a:latin typeface="Söhne"/>
-              </a:rPr>
-              <a:t>function merge(left, right):</a:t>
-            </a:r>
-          </a:p>
-          <a:p>
-            <a:pPr algn="l"/>
-            <a:r>
-              <a:rPr lang="en-US" b="0" i="0" dirty="0">
-                <a:solidFill>
-                  <a:srgbClr val="D1D5DB"/>
-                </a:solidFill>
-                <a:effectLst/>
-                <a:latin typeface="Söhne"/>
-              </a:rPr>
-              <a:t>    </a:t>
-            </a:r>
-            <a:r>
-              <a:rPr lang="en-US" b="0" i="0" dirty="0" err="1">
-                <a:solidFill>
-                  <a:srgbClr val="D1D5DB"/>
-                </a:solidFill>
-                <a:effectLst/>
-                <a:latin typeface="Söhne"/>
-              </a:rPr>
-              <a:t>mergedList</a:t>
-            </a:r>
-            <a:r>
-              <a:rPr lang="en-US" b="0" i="0" dirty="0">
-                <a:solidFill>
-                  <a:srgbClr val="D1D5DB"/>
-                </a:solidFill>
-                <a:effectLst/>
-                <a:latin typeface="Söhne"/>
-              </a:rPr>
-              <a:t> = NULL</a:t>
-            </a:r>
-          </a:p>
-          <a:p>
-            <a:pPr algn="l"/>
-            <a:r>
-              <a:rPr lang="en-US" b="0" i="0" dirty="0">
-                <a:solidFill>
-                  <a:srgbClr val="D1D5DB"/>
-                </a:solidFill>
-                <a:effectLst/>
-                <a:latin typeface="Söhne"/>
-              </a:rPr>
-              <a:t>    tail = NULL</a:t>
-            </a:r>
-          </a:p>
-          <a:p>
-            <a:pPr algn="l"/>
-            <a:endParaRPr lang="en-US" b="0" i="0" dirty="0">
-              <a:solidFill>
-                <a:srgbClr val="D1D5DB"/>
-              </a:solidFill>
-              <a:effectLst/>
-              <a:latin typeface="Söhne"/>
-            </a:endParaRPr>
-          </a:p>
-          <a:p>
-            <a:pPr algn="l"/>
-            <a:r>
-              <a:rPr lang="en-US" b="0" i="0" dirty="0">
-                <a:solidFill>
-                  <a:srgbClr val="D1D5DB"/>
-                </a:solidFill>
-                <a:effectLst/>
-                <a:latin typeface="Söhne"/>
-              </a:rPr>
-              <a:t>    while left is not NULL and right is not NULL:</a:t>
-            </a:r>
-          </a:p>
-          <a:p>
-            <a:pPr algn="l"/>
-            <a:r>
-              <a:rPr lang="en-US" b="0" i="0" dirty="0">
-                <a:solidFill>
-                  <a:srgbClr val="D1D5DB"/>
-                </a:solidFill>
-                <a:effectLst/>
-                <a:latin typeface="Söhne"/>
-              </a:rPr>
-              <a:t>        if </a:t>
-            </a:r>
-            <a:r>
-              <a:rPr lang="en-US" b="0" i="0" dirty="0" err="1">
-                <a:solidFill>
-                  <a:srgbClr val="D1D5DB"/>
-                </a:solidFill>
-                <a:effectLst/>
-                <a:latin typeface="Söhne"/>
-              </a:rPr>
-              <a:t>left.data</a:t>
-            </a:r>
-            <a:r>
-              <a:rPr lang="en-US" b="0" i="0" dirty="0">
-                <a:solidFill>
-                  <a:srgbClr val="D1D5DB"/>
-                </a:solidFill>
-                <a:effectLst/>
-                <a:latin typeface="Söhne"/>
-              </a:rPr>
-              <a:t> &lt;= </a:t>
-            </a:r>
-            <a:r>
-              <a:rPr lang="en-US" b="0" i="0" dirty="0" err="1">
-                <a:solidFill>
-                  <a:srgbClr val="D1D5DB"/>
-                </a:solidFill>
-                <a:effectLst/>
-                <a:latin typeface="Söhne"/>
-              </a:rPr>
-              <a:t>right.data</a:t>
-            </a:r>
-            <a:r>
-              <a:rPr lang="en-US" b="0" i="0" dirty="0">
-                <a:solidFill>
-                  <a:srgbClr val="D1D5DB"/>
-                </a:solidFill>
-                <a:effectLst/>
-                <a:latin typeface="Söhne"/>
-              </a:rPr>
-              <a:t>:</a:t>
-            </a:r>
-          </a:p>
-          <a:p>
-            <a:pPr algn="l"/>
-            <a:r>
-              <a:rPr lang="en-US" b="0" i="0" dirty="0">
-                <a:solidFill>
-                  <a:srgbClr val="D1D5DB"/>
-                </a:solidFill>
-                <a:effectLst/>
-                <a:latin typeface="Söhne"/>
-              </a:rPr>
-              <a:t>            if </a:t>
-            </a:r>
-            <a:r>
-              <a:rPr lang="en-US" b="0" i="0" dirty="0" err="1">
-                <a:solidFill>
-                  <a:srgbClr val="D1D5DB"/>
-                </a:solidFill>
-                <a:effectLst/>
-                <a:latin typeface="Söhne"/>
-              </a:rPr>
-              <a:t>mergedList</a:t>
-            </a:r>
-            <a:r>
-              <a:rPr lang="en-US" b="0" i="0" dirty="0">
-                <a:solidFill>
-                  <a:srgbClr val="D1D5DB"/>
-                </a:solidFill>
-                <a:effectLst/>
-                <a:latin typeface="Söhne"/>
-              </a:rPr>
-              <a:t> is NULL:</a:t>
-            </a:r>
-          </a:p>
-          <a:p>
-            <a:pPr algn="l"/>
-            <a:r>
-              <a:rPr lang="en-US" b="0" i="0" dirty="0">
-                <a:solidFill>
-                  <a:srgbClr val="D1D5DB"/>
-                </a:solidFill>
-                <a:effectLst/>
-                <a:latin typeface="Söhne"/>
-              </a:rPr>
-              <a:t>                </a:t>
-            </a:r>
-            <a:r>
-              <a:rPr lang="en-US" b="0" i="0" dirty="0" err="1">
-                <a:solidFill>
-                  <a:srgbClr val="D1D5DB"/>
-                </a:solidFill>
-                <a:effectLst/>
-                <a:latin typeface="Söhne"/>
-              </a:rPr>
-              <a:t>mergedList</a:t>
-            </a:r>
-            <a:r>
-              <a:rPr lang="en-US" b="0" i="0" dirty="0">
-                <a:solidFill>
-                  <a:srgbClr val="D1D5DB"/>
-                </a:solidFill>
-                <a:effectLst/>
-                <a:latin typeface="Söhne"/>
-              </a:rPr>
-              <a:t> = tail = left</a:t>
-            </a:r>
-          </a:p>
-          <a:p>
-            <a:pPr algn="l"/>
-            <a:r>
-              <a:rPr lang="en-US" b="0" i="0" dirty="0">
-                <a:solidFill>
-                  <a:srgbClr val="D1D5DB"/>
-                </a:solidFill>
-                <a:effectLst/>
-                <a:latin typeface="Söhne"/>
-              </a:rPr>
-              <a:t>            else:</a:t>
-            </a:r>
-          </a:p>
-          <a:p>
-            <a:pPr algn="l"/>
-            <a:r>
-              <a:rPr lang="en-US" b="0" i="0" dirty="0">
-                <a:solidFill>
-                  <a:srgbClr val="D1D5DB"/>
-                </a:solidFill>
-                <a:effectLst/>
-                <a:latin typeface="Söhne"/>
-              </a:rPr>
-              <a:t>                </a:t>
-            </a:r>
-            <a:r>
-              <a:rPr lang="en-US" b="0" i="0" dirty="0" err="1">
-                <a:solidFill>
-                  <a:srgbClr val="D1D5DB"/>
-                </a:solidFill>
-                <a:effectLst/>
-                <a:latin typeface="Söhne"/>
-              </a:rPr>
-              <a:t>tail.next</a:t>
-            </a:r>
-            <a:r>
-              <a:rPr lang="en-US" b="0" i="0" dirty="0">
-                <a:solidFill>
-                  <a:srgbClr val="D1D5DB"/>
-                </a:solidFill>
-                <a:effectLst/>
-                <a:latin typeface="Söhne"/>
-              </a:rPr>
-              <a:t> = left</a:t>
-            </a:r>
-          </a:p>
-          <a:p>
-            <a:pPr algn="l"/>
-            <a:r>
-              <a:rPr lang="en-US" b="0" i="0" dirty="0">
-                <a:solidFill>
-                  <a:srgbClr val="D1D5DB"/>
-                </a:solidFill>
-                <a:effectLst/>
-                <a:latin typeface="Söhne"/>
-              </a:rPr>
-              <a:t>                tail = left</a:t>
-            </a:r>
-          </a:p>
-          <a:p>
-            <a:pPr algn="l"/>
-            <a:r>
-              <a:rPr lang="en-US" b="0" i="0" dirty="0">
-                <a:solidFill>
-                  <a:srgbClr val="D1D5DB"/>
-                </a:solidFill>
-                <a:effectLst/>
-                <a:latin typeface="Söhne"/>
-              </a:rPr>
-              <a:t>            left = </a:t>
-            </a:r>
-            <a:r>
-              <a:rPr lang="en-US" b="0" i="0" dirty="0" err="1">
-                <a:solidFill>
-                  <a:srgbClr val="D1D5DB"/>
-                </a:solidFill>
-                <a:effectLst/>
-                <a:latin typeface="Söhne"/>
-              </a:rPr>
-              <a:t>left.next</a:t>
-            </a:r>
-            <a:endParaRPr lang="en-US" b="0" i="0" dirty="0">
-              <a:solidFill>
-                <a:srgbClr val="D1D5DB"/>
-              </a:solidFill>
-              <a:effectLst/>
-              <a:latin typeface="Söhne"/>
-            </a:endParaRPr>
-          </a:p>
-          <a:p>
-            <a:pPr algn="l"/>
-            <a:r>
-              <a:rPr lang="en-US" b="0" i="0" dirty="0">
-                <a:solidFill>
-                  <a:srgbClr val="D1D5DB"/>
-                </a:solidFill>
-                <a:effectLst/>
-                <a:latin typeface="Söhne"/>
-              </a:rPr>
-              <a:t>        else:</a:t>
-            </a:r>
-          </a:p>
-          <a:p>
-            <a:pPr algn="l"/>
-            <a:r>
-              <a:rPr lang="en-US" b="0" i="0" dirty="0">
-                <a:solidFill>
-                  <a:srgbClr val="D1D5DB"/>
-                </a:solidFill>
-                <a:effectLst/>
-                <a:latin typeface="Söhne"/>
-              </a:rPr>
-              <a:t>            if </a:t>
-            </a:r>
-            <a:r>
-              <a:rPr lang="en-US" b="0" i="0" dirty="0" err="1">
-                <a:solidFill>
-                  <a:srgbClr val="D1D5DB"/>
-                </a:solidFill>
-                <a:effectLst/>
-                <a:latin typeface="Söhne"/>
-              </a:rPr>
-              <a:t>mergedList</a:t>
-            </a:r>
-            <a:r>
-              <a:rPr lang="en-US" b="0" i="0" dirty="0">
-                <a:solidFill>
-                  <a:srgbClr val="D1D5DB"/>
-                </a:solidFill>
-                <a:effectLst/>
-                <a:latin typeface="Söhne"/>
-              </a:rPr>
-              <a:t> is NULL:</a:t>
-            </a:r>
-          </a:p>
-          <a:p>
-            <a:pPr algn="l"/>
-            <a:r>
-              <a:rPr lang="en-US" b="0" i="0" dirty="0">
-                <a:solidFill>
-                  <a:srgbClr val="D1D5DB"/>
-                </a:solidFill>
-                <a:effectLst/>
-                <a:latin typeface="Söhne"/>
-              </a:rPr>
-              <a:t>                </a:t>
-            </a:r>
-            <a:r>
-              <a:rPr lang="en-US" b="0" i="0" dirty="0" err="1">
-                <a:solidFill>
-                  <a:srgbClr val="D1D5DB"/>
-                </a:solidFill>
-                <a:effectLst/>
-                <a:latin typeface="Söhne"/>
-              </a:rPr>
-              <a:t>mergedList</a:t>
-            </a:r>
-            <a:r>
-              <a:rPr lang="en-US" b="0" i="0" dirty="0">
-                <a:solidFill>
-                  <a:srgbClr val="D1D5DB"/>
-                </a:solidFill>
-                <a:effectLst/>
-                <a:latin typeface="Söhne"/>
-              </a:rPr>
-              <a:t> = tail = right</a:t>
-            </a:r>
-          </a:p>
-          <a:p>
-            <a:pPr algn="l"/>
-            <a:r>
-              <a:rPr lang="en-US" b="0" i="0" dirty="0">
-                <a:solidFill>
-                  <a:srgbClr val="D1D5DB"/>
-                </a:solidFill>
-                <a:effectLst/>
-                <a:latin typeface="Söhne"/>
-              </a:rPr>
-              <a:t>            else:</a:t>
-            </a:r>
-          </a:p>
-          <a:p>
-            <a:pPr algn="l"/>
-            <a:r>
-              <a:rPr lang="en-US" b="0" i="0" dirty="0">
-                <a:solidFill>
-                  <a:srgbClr val="D1D5DB"/>
-                </a:solidFill>
-                <a:effectLst/>
-                <a:latin typeface="Söhne"/>
-              </a:rPr>
-              <a:t>                </a:t>
-            </a:r>
-            <a:r>
-              <a:rPr lang="en-US" b="0" i="0" dirty="0" err="1">
-                <a:solidFill>
-                  <a:srgbClr val="D1D5DB"/>
-                </a:solidFill>
-                <a:effectLst/>
-                <a:latin typeface="Söhne"/>
-              </a:rPr>
-              <a:t>tail.next</a:t>
-            </a:r>
-            <a:r>
-              <a:rPr lang="en-US" b="0" i="0" dirty="0">
-                <a:solidFill>
-                  <a:srgbClr val="D1D5DB"/>
-                </a:solidFill>
-                <a:effectLst/>
-                <a:latin typeface="Söhne"/>
-              </a:rPr>
-              <a:t> = right</a:t>
-            </a:r>
-          </a:p>
-          <a:p>
-            <a:pPr algn="l"/>
-            <a:r>
-              <a:rPr lang="en-US" b="0" i="0" dirty="0">
-                <a:solidFill>
-                  <a:srgbClr val="D1D5DB"/>
-                </a:solidFill>
-                <a:effectLst/>
-                <a:latin typeface="Söhne"/>
-              </a:rPr>
-              <a:t>                tail = right</a:t>
-            </a:r>
-          </a:p>
-          <a:p>
-            <a:pPr algn="l"/>
-            <a:r>
-              <a:rPr lang="en-US" b="0" i="0" dirty="0">
-                <a:solidFill>
-                  <a:srgbClr val="D1D5DB"/>
-                </a:solidFill>
-                <a:effectLst/>
-                <a:latin typeface="Söhne"/>
-              </a:rPr>
-              <a:t>            right = </a:t>
-            </a:r>
-            <a:r>
-              <a:rPr lang="en-US" b="0" i="0" dirty="0" err="1">
-                <a:solidFill>
-                  <a:srgbClr val="D1D5DB"/>
-                </a:solidFill>
-                <a:effectLst/>
-                <a:latin typeface="Söhne"/>
-              </a:rPr>
-              <a:t>right.next</a:t>
-            </a:r>
-            <a:endParaRPr lang="en-US" b="0" i="0" dirty="0">
-              <a:solidFill>
-                <a:srgbClr val="D1D5DB"/>
-              </a:solidFill>
-              <a:effectLst/>
-              <a:latin typeface="Söhne"/>
-            </a:endParaRPr>
-          </a:p>
-          <a:p>
-            <a:pPr algn="l"/>
-            <a:endParaRPr lang="en-US" b="0" i="0" dirty="0">
-              <a:solidFill>
-                <a:srgbClr val="D1D5DB"/>
-              </a:solidFill>
-              <a:effectLst/>
-              <a:latin typeface="Söhne"/>
-            </a:endParaRPr>
-          </a:p>
-          <a:p>
-            <a:pPr algn="l"/>
-            <a:r>
-              <a:rPr lang="en-US" b="0" i="0" dirty="0">
-                <a:solidFill>
-                  <a:srgbClr val="D1D5DB"/>
-                </a:solidFill>
-                <a:effectLst/>
-                <a:latin typeface="Söhne"/>
-              </a:rPr>
-              <a:t>    // Append remaining elements from both lists</a:t>
-            </a:r>
-          </a:p>
-          <a:p>
-            <a:pPr algn="l"/>
-            <a:r>
-              <a:rPr lang="en-US" b="0" i="0" dirty="0">
-                <a:solidFill>
-                  <a:srgbClr val="D1D5DB"/>
-                </a:solidFill>
-                <a:effectLst/>
-                <a:latin typeface="Söhne"/>
-              </a:rPr>
-              <a:t>    if left is not NULL:</a:t>
-            </a:r>
-          </a:p>
-          <a:p>
-            <a:pPr algn="l"/>
-            <a:r>
-              <a:rPr lang="en-US" b="0" i="0" dirty="0">
-                <a:solidFill>
-                  <a:srgbClr val="D1D5DB"/>
-                </a:solidFill>
-                <a:effectLst/>
-                <a:latin typeface="Söhne"/>
-              </a:rPr>
-              <a:t>        </a:t>
-            </a:r>
-            <a:r>
-              <a:rPr lang="en-US" b="0" i="0" dirty="0" err="1">
-                <a:solidFill>
-                  <a:srgbClr val="D1D5DB"/>
-                </a:solidFill>
-                <a:effectLst/>
-                <a:latin typeface="Söhne"/>
-              </a:rPr>
-              <a:t>tail.next</a:t>
-            </a:r>
-            <a:r>
-              <a:rPr lang="en-US" b="0" i="0" dirty="0">
-                <a:solidFill>
-                  <a:srgbClr val="D1D5DB"/>
-                </a:solidFill>
-                <a:effectLst/>
-                <a:latin typeface="Söhne"/>
-              </a:rPr>
-              <a:t> = left</a:t>
-            </a:r>
-          </a:p>
-          <a:p>
-            <a:pPr algn="l"/>
-            <a:r>
-              <a:rPr lang="en-US" b="0" i="0" dirty="0">
-                <a:solidFill>
-                  <a:srgbClr val="D1D5DB"/>
-                </a:solidFill>
-                <a:effectLst/>
-                <a:latin typeface="Söhne"/>
-              </a:rPr>
-              <a:t>    else:</a:t>
-            </a:r>
-          </a:p>
-          <a:p>
-            <a:pPr algn="l"/>
-            <a:r>
-              <a:rPr lang="en-US" b="0" i="0" dirty="0">
-                <a:solidFill>
-                  <a:srgbClr val="D1D5DB"/>
-                </a:solidFill>
-                <a:effectLst/>
-                <a:latin typeface="Söhne"/>
-              </a:rPr>
-              <a:t>        </a:t>
-            </a:r>
-            <a:r>
-              <a:rPr lang="en-US" b="0" i="0" dirty="0" err="1">
-                <a:solidFill>
-                  <a:srgbClr val="D1D5DB"/>
-                </a:solidFill>
-                <a:effectLst/>
-                <a:latin typeface="Söhne"/>
-              </a:rPr>
-              <a:t>tail.next</a:t>
-            </a:r>
-            <a:r>
-              <a:rPr lang="en-US" b="0" i="0" dirty="0">
-                <a:solidFill>
-                  <a:srgbClr val="D1D5DB"/>
-                </a:solidFill>
-                <a:effectLst/>
-                <a:latin typeface="Söhne"/>
-              </a:rPr>
-              <a:t> = right</a:t>
-            </a:r>
-          </a:p>
-          <a:p>
-            <a:pPr algn="l"/>
-            <a:endParaRPr lang="en-US" b="0" i="0" dirty="0">
-              <a:solidFill>
-                <a:srgbClr val="D1D5DB"/>
-              </a:solidFill>
-              <a:effectLst/>
-              <a:latin typeface="Söhne"/>
-            </a:endParaRPr>
-          </a:p>
-          <a:p>
-            <a:pPr algn="l"/>
-            <a:r>
-              <a:rPr lang="en-US" b="0" i="0" dirty="0">
-                <a:solidFill>
-                  <a:srgbClr val="D1D5DB"/>
-                </a:solidFill>
-                <a:effectLst/>
-                <a:latin typeface="Söhne"/>
-              </a:rPr>
-              <a:t>    return </a:t>
-            </a:r>
-            <a:r>
-              <a:rPr lang="en-US" b="0" i="0" dirty="0" err="1">
-                <a:solidFill>
-                  <a:srgbClr val="D1D5DB"/>
-                </a:solidFill>
-                <a:effectLst/>
-                <a:latin typeface="Söhne"/>
-              </a:rPr>
-              <a:t>mergedList</a:t>
-            </a:r>
-            <a:endParaRPr lang="en-US" b="0" i="0" dirty="0">
-              <a:solidFill>
-                <a:srgbClr val="D1D5DB"/>
-              </a:solidFill>
-              <a:effectLst/>
-              <a:latin typeface="Söhne"/>
-            </a:endParaRPr>
-          </a:p>
-          <a:p>
-            <a:pPr algn="l"/>
-            <a:endParaRPr lang="en-US" b="0" i="0" dirty="0">
-              <a:solidFill>
-                <a:srgbClr val="D1D5DB"/>
-              </a:solidFill>
-              <a:effectLst/>
-              <a:latin typeface="Söhne"/>
-            </a:endParaRPr>
+              <a:t>The dominant factor in the time complexity is the traversal of the circular list, resulting in an overall time complexity of O(N), where N is the number of nodes in the circular linked list. If the list is empty, the time complexity is O(1).</a:t>
+            </a:r>
           </a:p>
           <a:p>
             <a:endParaRPr lang="en-US" dirty="0"/>
@@ -3035,7 +3189,7 @@
     </p:spTree>
     <p:extLst>
       <p:ext uri="{BB962C8B-B14F-4D97-AF65-F5344CB8AC3E}">
-        <p14:creationId xmlns:p14="http://schemas.microsoft.com/office/powerpoint/2010/main" val="916853691"/>
+        <p14:creationId xmlns:p14="http://schemas.microsoft.com/office/powerpoint/2010/main" val="1932442775"/>
       </p:ext>
     </p:extLst>
   </p:cSld>
@@ -3089,8 +3243,20 @@
           <a:bodyPr/>
           <a:lstStyle/>
           <a:p>
+            <a:r>
+              <a:rPr lang="en-US" b="1" i="0" dirty="0">
+                <a:solidFill>
+                  <a:srgbClr val="D1D5DB"/>
+                </a:solidFill>
+                <a:effectLst/>
+                <a:latin typeface="Söhne"/>
+              </a:rPr>
+              <a:t>Time complexity of the ‘try’ algorithm:</a:t>
+            </a:r>
+          </a:p>
+          <a:p>
             <a:pPr algn="l"/>
-            <a:r>
+            <a:br>
               <a:rPr lang="en-US" b="0" i="0" dirty="0">
                 <a:solidFill>
                   <a:srgbClr val="D1D5DB"/>
@@ -3098,7 +3264,16 @@
                 <a:effectLst/>
                 <a:latin typeface="Söhne"/>
               </a:rPr>
-              <a:t>The time complexity of the </a:t>
+            </a:br>
+            <a:r>
+              <a:rPr lang="en-US" b="0" i="0" dirty="0">
+                <a:solidFill>
+                  <a:srgbClr val="D1D5DB"/>
+                </a:solidFill>
+                <a:effectLst/>
+                <a:latin typeface="Söhne"/>
+              </a:rPr>
+              <a:t>Let's analyze the time complexity of the provided </a:t>
             </a:r>
             <a:r>
               <a:rPr lang="en-US" b="0" i="0" dirty="0" err="1">
@@ -3108,7 +3283,7 @@
                 <a:effectLst/>
                 <a:latin typeface="Söhne"/>
               </a:rPr>
-              <a:t>addAtEndCircularLinkedList</a:t>
+              <a:t>Palindrom</a:t>
             </a:r>
             <a:r>
               <a:rPr lang="en-US" b="0" i="0" dirty="0">
@@ -3118,7 +3293,7 @@
                 <a:effectLst/>
                 <a:latin typeface="Söhne"/>
               </a:rPr>
-              <a:t> algorithm depends on the number of nodes in the circular linked list. Let's analyze the time complexity step by step:</a:t>
+              <a:t> algorithm:</a:t>
             </a:r>
           </a:p>
           <a:p>
@@ -3157,7 +3332,7 @@
                 <a:effectLst/>
                 <a:latin typeface="Söhne"/>
               </a:rPr>
-              <a:t>The initial check for whether the list is empty is a constant-time operation, O(1).</a:t>
+              <a:t>The initial check to see if the list is not empty and has more than one element is a constant-time operation, O(1).</a:t>
             </a:r>
           </a:p>
           <a:p>
@@ -3173,7 +3348,7 @@
                 <a:effectLst/>
                 <a:latin typeface="Söhne"/>
               </a:rPr>
-              <a:t>Creating a New Node:</a:t>
+              <a:t>Finding the End of the List:</a:t>
             </a:r>
             <a:endParaRPr lang="en-US" b="0" i="0" dirty="0">
               <a:solidFill>
@@ -3196,7 +3371,7 @@
                 <a:effectLst/>
                 <a:latin typeface="Söhne"/>
               </a:rPr>
-              <a:t>Creating a new node using </a:t>
+              <a:t>The algorithm uses a while loop to move </a:t>
             </a:r>
             <a:r>
               <a:rPr lang="en-US" b="0" i="0" dirty="0" err="1">
@@ -3206,7 +3381,7 @@
                 <a:effectLst/>
                 <a:latin typeface="Söhne"/>
               </a:rPr>
-              <a:t>createNode</a:t>
+              <a:t>x.right</a:t>
             </a:r>
             <a:r>
               <a:rPr lang="en-US" b="0" i="0" dirty="0">
@@ -3216,7 +3391,7 @@
                 <a:effectLst/>
                 <a:latin typeface="Söhne"/>
               </a:rPr>
-              <a:t>(value) is a constant-time operation, O(1).</a:t>
+              <a:t> to the end of the list. In the worst case, this requires visiting each node once, resulting in a time complexity of O(N), where N is the number of nodes in the linked list.</a:t>
             </a:r>
           </a:p>
           <a:p>
@@ -3232,7 +3407,7 @@
                 <a:effectLst/>
                 <a:latin typeface="Söhne"/>
               </a:rPr>
-              <a:t>Inserting at the End:</a:t>
+              <a:t>Checking for Palindromic Property:</a:t>
             </a:r>
             <a:endParaRPr lang="en-US" b="0" i="0" dirty="0">
               <a:solidFill>
@@ -3255,7 +3430,7 @@
                 <a:effectLst/>
                 <a:latin typeface="Söhne"/>
               </a:rPr>
-              <a:t>If the list is not empty, the algorithm traverses the circular list to find the node before the head.</a:t>
+              <a:t>The second while loop checks for the palindromic property by comparing data values of nodes from both ends of the list.</a:t>
             </a:r>
           </a:p>
           <a:p>
@@ -3271,7 +3446,7 @@
                 <a:effectLst/>
                 <a:latin typeface="Söhne"/>
               </a:rPr>
-              <a:t>In the worst case, the traversal requires visiting each node once. Therefore, the traversal has a time complexity of O(N), where N is the number of nodes in the circular linked list.</a:t>
+              <a:t>In the worst case, the loop requires visiting each node once, resulting in a time complexity of O(N), where N is the number of nodes in the linked list.</a:t>
             </a:r>
           </a:p>
           <a:p>
@@ -3287,7 +3462,7 @@
                 <a:effectLst/>
                 <a:latin typeface="Söhne"/>
               </a:rPr>
-              <a:t>Inserting the New Node:</a:t>
+              <a:t>Returning the Result:</a:t>
             </a:r>
             <a:endParaRPr lang="en-US" b="0" i="0" dirty="0">
               <a:solidFill>
@@ -3310,7 +3485,7 @@
                 <a:effectLst/>
                 <a:latin typeface="Söhne"/>
               </a:rPr>
-              <a:t>After finding the node before the head, the algorithm inserts the new node at the end. This is a constant-time operation, O(1).</a:t>
+              <a:t>Returning the final result (flag) is a constant-time operation, O(1).</a:t>
             </a:r>
           </a:p>
           <a:p>
@@ -3323,11 +3498,31 @@
                 <a:effectLst/>
                 <a:latin typeface="Söhne"/>
               </a:rPr>
-              <a:t>The dominant factor in the time complexity is the traversal of the circular list, resulting in an overall time complexity of O(N), where N is the number of nodes in the circular linked list. If the list is empty, the time complexity is O(1).</a:t>
-            </a:r>
-          </a:p>
-          <a:p>
-            <a:endParaRPr lang="en-US" dirty="0"/>
+              <a:t>The dominant factor contributing to the time complexity is the traversal of the linked list, both in finding the end of the list and checking for the palindromic property. Therefore, the overall time complexity of the </a:t>
+            </a:r>
+            <a:r>
+              <a:rPr lang="en-US" b="0" i="0" dirty="0" err="1">
+                <a:solidFill>
+                  <a:srgbClr val="D1D5DB"/>
+                </a:solidFill>
+                <a:effectLst/>
+                <a:latin typeface="Söhne"/>
+              </a:rPr>
+              <a:t>Palindrom</a:t>
+            </a:r>
+            <a:r>
+              <a:rPr lang="en-US" b="0" i="0" dirty="0">
+                <a:solidFill>
+                  <a:srgbClr val="D1D5DB"/>
+                </a:solidFill>
+                <a:effectLst/>
+                <a:latin typeface="Söhne"/>
+              </a:rPr>
+              <a:t> algorithm is O(N), where N is the number of nodes in the linked list.</a:t>
+            </a:r>
+          </a:p>
+          <a:p>
+            <a:endParaRPr lang="en-US" b="0" dirty="0"/>
           </a:p>
         </p:txBody>
       </p:sp>
@@ -3349,369 +3544,6 @@
             <a:fld id="{72391380-8262-4EC7-BAB8-26F58A320275}" type="slidenum">
               <a:rPr lang="en-US" smtClean="0"/>
               <a:t>10</a:t>
-            </a:fld>
-            <a:endParaRPr lang="en-US"/>
-          </a:p>
-        </p:txBody>
-      </p:sp>
-    </p:spTree>
-    <p:extLst>
-      <p:ext uri="{BB962C8B-B14F-4D97-AF65-F5344CB8AC3E}">
-        <p14:creationId xmlns:p14="http://schemas.microsoft.com/office/powerpoint/2010/main" val="1932442775"/>
-      </p:ext>
-    </p:extLst>
-  </p:cSld>
-  <p:clrMapOvr>
-    <a:masterClrMapping/>
-  </p:clrMapOvr>
-</p:notes>
-</file>
-
-<file path=ppt/notesSlides/notesSlide7.xml><?xml version="1.0" encoding="utf-8"?>
-<p:notes xmlns:a="http://schemas.openxmlformats.org/drawingml/2006/main" xmlns:r="http://schemas.openxmlformats.org/officeDocument/2006/relationships" xmlns:p="http://schemas.openxmlformats.org/presentationml/2006/main">
-  <p:cSld>
-    <p:spTree>
-      <p:nvGrpSpPr>
-        <p:cNvPr id="1" name=""/>
-        <p:cNvGrpSpPr/>
-        <p:nvPr/>
-      </p:nvGrpSpPr>
-      <p:grpSpPr>
-        <a:xfrm>
-          <a:off x="0" y="0"/>
-          <a:ext cx="0" cy="0"/>
-          <a:chOff x="0" y="0"/>
-          <a:chExt cx="0" cy="0"/>
-        </a:xfrm>
-      </p:grpSpPr>
-      <p:sp>
-        <p:nvSpPr>
-          <p:cNvPr id="2" name="Slide Image Placeholder 1"/>
-          <p:cNvSpPr>
-            <a:spLocks noGrp="1" noRot="1" noChangeAspect="1"/>
-          </p:cNvSpPr>
-          <p:nvPr>
-            <p:ph type="sldImg"/>
-          </p:nvPr>
-        </p:nvSpPr>
-        <p:spPr/>
-      </p:sp>
-      <p:sp>
-        <p:nvSpPr>
-          <p:cNvPr id="3" name="Notes Placeholder 2"/>
-          <p:cNvSpPr>
-            <a:spLocks noGrp="1"/>
-          </p:cNvSpPr>
-          <p:nvPr>
-            <p:ph type="body" idx="1"/>
-          </p:nvPr>
-        </p:nvSpPr>
-        <p:spPr/>
-        <p:txBody>
-          <a:bodyPr/>
-          <a:lstStyle/>
-          <a:p>
-            <a:r>
-              <a:rPr lang="en-US" b="1" i="0" dirty="0">
-                <a:solidFill>
-                  <a:srgbClr val="D1D5DB"/>
-                </a:solidFill>
-                <a:effectLst/>
-                <a:latin typeface="Söhne"/>
-              </a:rPr>
-              <a:t>Time complexity of the ‘try’ algorithm:</a:t>
-            </a:r>
-          </a:p>
-          <a:p>
-            <a:pPr algn="l"/>
-            <a:br>
-              <a:rPr lang="en-US" b="0" i="0" dirty="0">
-                <a:solidFill>
-                  <a:srgbClr val="D1D5DB"/>
-                </a:solidFill>
-                <a:effectLst/>
-                <a:latin typeface="Söhne"/>
-              </a:rPr>
-            </a:br>
-            <a:r>
-              <a:rPr lang="en-US" b="0" i="0" dirty="0">
-                <a:solidFill>
-                  <a:srgbClr val="D1D5DB"/>
-                </a:solidFill>
-                <a:effectLst/>
-                <a:latin typeface="Söhne"/>
-              </a:rPr>
-              <a:t>Let's analyze the time complexity of the provided </a:t>
-            </a:r>
-            <a:r>
-              <a:rPr lang="en-US" b="0" i="0" dirty="0" err="1">
-                <a:solidFill>
-                  <a:srgbClr val="D1D5DB"/>
-                </a:solidFill>
-                <a:effectLst/>
-                <a:latin typeface="Söhne"/>
-              </a:rPr>
-              <a:t>Palindrom</a:t>
-            </a:r>
-            <a:r>
-              <a:rPr lang="en-US" b="0" i="0" dirty="0">
-                <a:solidFill>
-                  <a:srgbClr val="D1D5DB"/>
-                </a:solidFill>
-                <a:effectLst/>
-                <a:latin typeface="Söhne"/>
-              </a:rPr>
-              <a:t> algorithm:</a:t>
-            </a:r>
-          </a:p>
-          <a:p>
-            <a:pPr algn="l">
-              <a:buFont typeface="+mj-lt"/>
-              <a:buAutoNum type="arabicPeriod"/>
-            </a:pPr>
-            <a:r>
-              <a:rPr lang="en-US" b="1" i="0" dirty="0">
-                <a:solidFill>
-                  <a:srgbClr val="D1D5DB"/>
-                </a:solidFill>
-                <a:effectLst/>
-                <a:latin typeface="Söhne"/>
-              </a:rPr>
-              <a:t>Base Case Check:</a:t>
-            </a:r>
-            <a:endParaRPr lang="en-US" b="0" i="0" dirty="0">
-              <a:solidFill>
-                <a:srgbClr val="D1D5DB"/>
-              </a:solidFill>
-              <a:effectLst/>
-              <a:latin typeface="Söhne"/>
-            </a:endParaRPr>
-          </a:p>
-          <a:p>
-            <a:pPr marL="742950" lvl="1" indent="-285750" algn="l">
-              <a:buFont typeface="+mj-lt"/>
-              <a:buAutoNum type="arabicPeriod"/>
-            </a:pPr>
-            <a:r>
-              <a:rPr lang="en-US" b="0" i="0" dirty="0">
-                <a:solidFill>
-                  <a:srgbClr val="D1D5DB"/>
-                </a:solidFill>
-                <a:effectLst/>
-                <a:latin typeface="Söhne"/>
-              </a:rPr>
-              <a:t>The initial check to see if the list is not empty and has more than one element is a constant-time operation, O(1).</a:t>
-            </a:r>
-          </a:p>
-          <a:p>
-            <a:pPr algn="l">
-              <a:buFont typeface="+mj-lt"/>
-              <a:buAutoNum type="arabicPeriod"/>
-            </a:pPr>
-            <a:r>
-              <a:rPr lang="en-US" b="1" i="0" dirty="0">
-                <a:solidFill>
-                  <a:srgbClr val="D1D5DB"/>
-                </a:solidFill>
-                <a:effectLst/>
-                <a:latin typeface="Söhne"/>
-              </a:rPr>
-              <a:t>Finding the End of the List:</a:t>
-            </a:r>
-            <a:endParaRPr lang="en-US" b="0" i="0" dirty="0">
-              <a:solidFill>
-                <a:srgbClr val="D1D5DB"/>
-              </a:solidFill>
-              <a:effectLst/>
-              <a:latin typeface="Söhne"/>
-            </a:endParaRPr>
-          </a:p>
-          <a:p>
-            <a:pPr marL="742950" lvl="1" indent="-285750" algn="l">
-              <a:buFont typeface="+mj-lt"/>
-              <a:buAutoNum type="arabicPeriod"/>
-            </a:pPr>
-            <a:r>
-              <a:rPr lang="en-US" b="0" i="0" dirty="0">
-                <a:solidFill>
-                  <a:srgbClr val="D1D5DB"/>
-                </a:solidFill>
-                <a:effectLst/>
-                <a:latin typeface="Söhne"/>
-              </a:rPr>
-              <a:t>The algorithm uses a while loop to move </a:t>
-            </a:r>
-            <a:r>
-              <a:rPr lang="en-US" b="0" i="0" dirty="0" err="1">
-                <a:solidFill>
-                  <a:srgbClr val="D1D5DB"/>
-                </a:solidFill>
-                <a:effectLst/>
-                <a:latin typeface="Söhne"/>
-              </a:rPr>
-              <a:t>x.right</a:t>
-            </a:r>
-            <a:r>
-              <a:rPr lang="en-US" b="0" i="0" dirty="0">
-                <a:solidFill>
-                  <a:srgbClr val="D1D5DB"/>
-                </a:solidFill>
-                <a:effectLst/>
-                <a:latin typeface="Söhne"/>
-              </a:rPr>
-              <a:t> to the end of the list. In the worst case, this requires visiting each node once, resulting in a time complexity of O(N), where N is the number of nodes in the linked list.</a:t>
-            </a:r>
-          </a:p>
-          <a:p>
-            <a:pPr algn="l">
-              <a:buFont typeface="+mj-lt"/>
-              <a:buAutoNum type="arabicPeriod"/>
-            </a:pPr>
-            <a:r>
-              <a:rPr lang="en-US" b="1" i="0" dirty="0">
-                <a:solidFill>
-                  <a:srgbClr val="D1D5DB"/>
-                </a:solidFill>
-                <a:effectLst/>
-                <a:latin typeface="Söhne"/>
-              </a:rPr>
-              <a:t>Checking for Palindromic Property:</a:t>
-            </a:r>
-            <a:endParaRPr lang="en-US" b="0" i="0" dirty="0">
-              <a:solidFill>
-                <a:srgbClr val="D1D5DB"/>
-              </a:solidFill>
-              <a:effectLst/>
-              <a:latin typeface="Söhne"/>
-            </a:endParaRPr>
-          </a:p>
-          <a:p>
-            <a:pPr marL="742950" lvl="1" indent="-285750" algn="l">
-              <a:buFont typeface="+mj-lt"/>
-              <a:buAutoNum type="arabicPeriod"/>
-            </a:pPr>
-            <a:r>
-              <a:rPr lang="en-US" b="0" i="0" dirty="0">
-                <a:solidFill>
-                  <a:srgbClr val="D1D5DB"/>
-                </a:solidFill>
-                <a:effectLst/>
-                <a:latin typeface="Söhne"/>
-              </a:rPr>
-              <a:t>The second while loop checks for the palindromic property by comparing data values of nodes from both ends of the list.</a:t>
-            </a:r>
-          </a:p>
-          <a:p>
-            <a:pPr marL="742950" lvl="1" indent="-285750" algn="l">
-              <a:buFont typeface="+mj-lt"/>
-              <a:buAutoNum type="arabicPeriod"/>
-            </a:pPr>
-            <a:r>
-              <a:rPr lang="en-US" b="0" i="0" dirty="0">
-                <a:solidFill>
-                  <a:srgbClr val="D1D5DB"/>
-                </a:solidFill>
-                <a:effectLst/>
-                <a:latin typeface="Söhne"/>
-              </a:rPr>
-              <a:t>In the worst case, the loop requires visiting each node once, resulting in a time complexity of O(N), where N is the number of nodes in the linked list.</a:t>
-            </a:r>
-          </a:p>
-          <a:p>
-            <a:pPr algn="l">
-              <a:buFont typeface="+mj-lt"/>
-              <a:buAutoNum type="arabicPeriod"/>
-            </a:pPr>
-            <a:r>
-              <a:rPr lang="en-US" b="1" i="0" dirty="0">
-                <a:solidFill>
-                  <a:srgbClr val="D1D5DB"/>
-                </a:solidFill>
-                <a:effectLst/>
-                <a:latin typeface="Söhne"/>
-              </a:rPr>
-              <a:t>Returning the Result:</a:t>
-            </a:r>
-            <a:endParaRPr lang="en-US" b="0" i="0" dirty="0">
-              <a:solidFill>
-                <a:srgbClr val="D1D5DB"/>
-              </a:solidFill>
-              <a:effectLst/>
-              <a:latin typeface="Söhne"/>
-            </a:endParaRPr>
-          </a:p>
-          <a:p>
-            <a:pPr marL="742950" lvl="1" indent="-285750" algn="l">
-              <a:buFont typeface="+mj-lt"/>
-              <a:buAutoNum type="arabicPeriod"/>
-            </a:pPr>
-            <a:r>
-              <a:rPr lang="en-US" b="0" i="0" dirty="0">
-                <a:solidFill>
-                  <a:srgbClr val="D1D5DB"/>
-                </a:solidFill>
-                <a:effectLst/>
-                <a:latin typeface="Söhne"/>
-              </a:rPr>
-              <a:t>Returning the final result (flag) is a constant-time operation, O(1).</a:t>
-            </a:r>
-          </a:p>
-          <a:p>
-            <a:pPr algn="l"/>
-            <a:r>
-              <a:rPr lang="en-US" b="0" i="0" dirty="0">
-                <a:solidFill>
-                  <a:srgbClr val="D1D5DB"/>
-                </a:solidFill>
-                <a:effectLst/>
-                <a:latin typeface="Söhne"/>
-              </a:rPr>
-              <a:t>The dominant factor contributing to the time complexity is the traversal of the linked list, both in finding the end of the list and checking for the palindromic property. Therefore, the overall time complexity of the </a:t>
-            </a:r>
-            <a:r>
-              <a:rPr lang="en-US" b="0" i="0" dirty="0" err="1">
-                <a:solidFill>
-                  <a:srgbClr val="D1D5DB"/>
-                </a:solidFill>
-                <a:effectLst/>
-                <a:latin typeface="Söhne"/>
-              </a:rPr>
-              <a:t>Palindrom</a:t>
-            </a:r>
-            <a:r>
-              <a:rPr lang="en-US" b="0" i="0" dirty="0">
-                <a:solidFill>
-                  <a:srgbClr val="D1D5DB"/>
-                </a:solidFill>
-                <a:effectLst/>
-                <a:latin typeface="Söhne"/>
-              </a:rPr>
-              <a:t> algorithm is O(N), where N is the number of nodes in the linked list.</a:t>
-            </a:r>
-          </a:p>
-          <a:p>
-            <a:endParaRPr lang="en-US" b="0" dirty="0"/>
-          </a:p>
-        </p:txBody>
-      </p:sp>
-      <p:sp>
-        <p:nvSpPr>
-          <p:cNvPr id="4" name="Slide Number Placeholder 3"/>
-          <p:cNvSpPr>
-            <a:spLocks noGrp="1"/>
-          </p:cNvSpPr>
-          <p:nvPr>
-            <p:ph type="sldNum" sz="quarter" idx="5"/>
-          </p:nvPr>
-        </p:nvSpPr>
-        <p:spPr/>
-        <p:txBody>
-          <a:bodyPr/>
-          <a:lstStyle/>
-          <a:p>
-            <a:fld id="{72391380-8262-4EC7-BAB8-26F58A320275}" type="slidenum">
-              <a:rPr lang="en-US" smtClean="0"/>
-              <a:t>11</a:t>
             </a:fld>
             <a:endParaRPr lang="en-US"/>
           </a:p>
@@ -3877,7 +3709,7 @@
           <a:p>
             <a:fld id="{9FBD9C55-7868-4FF1-8666-2EC1F88A96B2}" type="datetimeFigureOut">
               <a:rPr lang="he-IL" smtClean="0"/>
-              <a:t>כ"ז/כסלו/תשפ"ד</a:t>
+              <a:t>כ"ז.שבט.תשפ"ד</a:t>
             </a:fld>
             <a:endParaRPr lang="he-IL"/>
           </a:p>
@@ -4075,7 +3907,7 @@
           <a:p>
             <a:fld id="{9FBD9C55-7868-4FF1-8666-2EC1F88A96B2}" type="datetimeFigureOut">
               <a:rPr lang="he-IL" smtClean="0"/>
-              <a:t>כ"ז/כסלו/תשפ"ד</a:t>
+              <a:t>כ"ז.שבט.תשפ"ד</a:t>
             </a:fld>
             <a:endParaRPr lang="he-IL"/>
           </a:p>
@@ -4283,7 +4115,7 @@
           <a:p>
             <a:fld id="{9FBD9C55-7868-4FF1-8666-2EC1F88A96B2}" type="datetimeFigureOut">
               <a:rPr lang="he-IL" smtClean="0"/>
-              <a:t>כ"ז/כסלו/תשפ"ד</a:t>
+              <a:t>כ"ז.שבט.תשפ"ד</a:t>
             </a:fld>
             <a:endParaRPr lang="he-IL"/>
           </a:p>
@@ -4481,7 +4313,7 @@
           <a:p>
             <a:fld id="{9FBD9C55-7868-4FF1-8666-2EC1F88A96B2}" type="datetimeFigureOut">
               <a:rPr lang="he-IL" smtClean="0"/>
-              <a:t>כ"ז/כסלו/תשפ"ד</a:t>
+              <a:t>כ"ז.שבט.תשפ"ד</a:t>
             </a:fld>
             <a:endParaRPr lang="he-IL"/>
           </a:p>
@@ -4756,7 +4588,7 @@
           <a:p>
             <a:fld id="{9FBD9C55-7868-4FF1-8666-2EC1F88A96B2}" type="datetimeFigureOut">
               <a:rPr lang="he-IL" smtClean="0"/>
-              <a:t>כ"ז/כסלו/תשפ"ד</a:t>
+              <a:t>כ"ז.שבט.תשפ"ד</a:t>
             </a:fld>
             <a:endParaRPr lang="he-IL"/>
           </a:p>
@@ -5021,7 +4853,7 @@
           <a:p>
             <a:fld id="{9FBD9C55-7868-4FF1-8666-2EC1F88A96B2}" type="datetimeFigureOut">
               <a:rPr lang="he-IL" smtClean="0"/>
-              <a:t>כ"ז/כסלו/תשפ"ד</a:t>
+              <a:t>כ"ז.שבט.תשפ"ד</a:t>
             </a:fld>
             <a:endParaRPr lang="he-IL"/>
           </a:p>
@@ -5433,7 +5265,7 @@
           <a:p>
             <a:fld id="{9FBD9C55-7868-4FF1-8666-2EC1F88A96B2}" type="datetimeFigureOut">
               <a:rPr lang="he-IL" smtClean="0"/>
-              <a:t>כ"ז/כסלו/תשפ"ד</a:t>
+              <a:t>כ"ז.שבט.תשפ"ד</a:t>
             </a:fld>
             <a:endParaRPr lang="he-IL"/>
           </a:p>
@@ -5574,7 +5406,7 @@
           <a:p>
             <a:fld id="{9FBD9C55-7868-4FF1-8666-2EC1F88A96B2}" type="datetimeFigureOut">
               <a:rPr lang="he-IL" smtClean="0"/>
-              <a:t>כ"ז/כסלו/תשפ"ד</a:t>
+              <a:t>כ"ז.שבט.תשפ"ד</a:t>
             </a:fld>
             <a:endParaRPr lang="he-IL"/>
           </a:p>
@@ -5687,7 +5519,7 @@
           <a:p>
             <a:fld id="{9FBD9C55-7868-4FF1-8666-2EC1F88A96B2}" type="datetimeFigureOut">
               <a:rPr lang="he-IL" smtClean="0"/>
-              <a:t>כ"ז/כסלו/תשפ"ד</a:t>
+              <a:t>כ"ז.שבט.תשפ"ד</a:t>
             </a:fld>
             <a:endParaRPr lang="he-IL"/>
           </a:p>
@@ -5998,7 +5830,7 @@
           <a:p>
             <a:fld id="{9FBD9C55-7868-4FF1-8666-2EC1F88A96B2}" type="datetimeFigureOut">
               <a:rPr lang="he-IL" smtClean="0"/>
-              <a:t>כ"ז/כסלו/תשפ"ד</a:t>
+              <a:t>כ"ז.שבט.תשפ"ד</a:t>
             </a:fld>
             <a:endParaRPr lang="he-IL"/>
           </a:p>
@@ -6286,7 +6118,7 @@
           <a:p>
             <a:fld id="{9FBD9C55-7868-4FF1-8666-2EC1F88A96B2}" type="datetimeFigureOut">
               <a:rPr lang="he-IL" smtClean="0"/>
-              <a:t>כ"ז/כסלו/תשפ"ד</a:t>
+              <a:t>כ"ז.שבט.תשפ"ד</a:t>
             </a:fld>
             <a:endParaRPr lang="he-IL"/>
           </a:p>
@@ -6527,7 +6359,7 @@
           <a:p>
             <a:fld id="{9FBD9C55-7868-4FF1-8666-2EC1F88A96B2}" type="datetimeFigureOut">
               <a:rPr lang="he-IL" smtClean="0"/>
-              <a:t>כ"ז/כסלו/תשפ"ד</a:t>
+              <a:t>כ"ז.שבט.תשפ"ד</a:t>
             </a:fld>
             <a:endParaRPr lang="he-IL"/>
           </a:p>
@@ -7340,710 +7172,6 @@
         <p:spPr>
           <a:xfrm>
             <a:off x="3056021" y="955185"/>
-            <a:ext cx="8460788" cy="646331"/>
-          </a:xfrm>
-          <a:prstGeom prst="rect">
-            <a:avLst/>
-          </a:prstGeom>
-          <a:noFill/>
-        </p:spPr>
-        <p:txBody>
-          <a:bodyPr wrap="square">
-            <a:spAutoFit/>
-          </a:bodyPr>
-          <a:lstStyle/>
-          <a:p>
-            <a:r>
-              <a:rPr lang="he-IL" dirty="0"/>
-              <a:t>כתבו </a:t>
-            </a:r>
-            <a:r>
-              <a:rPr lang="he-IL" dirty="0" err="1"/>
-              <a:t>פסאודו</a:t>
-            </a:r>
-            <a:r>
-              <a:rPr lang="he-IL" dirty="0"/>
-              <a:t>-קוד של אלגוריתם המקבל רשימה מקושרת חד-כיוונית מעגלית ומוסיף איבר נוסף ל"סוף" רשימה (לפני איבר שמצביע לראש רשימה).</a:t>
-            </a:r>
-            <a:endParaRPr lang="en-US" dirty="0"/>
-          </a:p>
-        </p:txBody>
-      </p:sp>
-      <p:sp>
-        <p:nvSpPr>
-          <p:cNvPr id="4" name="TextBox 3">
-            <a:extLst>
-              <a:ext uri="{FF2B5EF4-FFF2-40B4-BE49-F238E27FC236}">
-                <a16:creationId xmlns:a16="http://schemas.microsoft.com/office/drawing/2014/main" id="{121427C5-DBEB-52E1-9C71-924274FE010E}"/>
-              </a:ext>
-            </a:extLst>
-          </p:cNvPr>
-          <p:cNvSpPr txBox="1"/>
-          <p:nvPr/>
-        </p:nvSpPr>
-        <p:spPr>
-          <a:xfrm>
-            <a:off x="1305007" y="1836132"/>
-            <a:ext cx="6097002" cy="4278094"/>
-          </a:xfrm>
-          <a:prstGeom prst="rect">
-            <a:avLst/>
-          </a:prstGeom>
-          <a:noFill/>
-        </p:spPr>
-        <p:txBody>
-          <a:bodyPr wrap="square">
-            <a:spAutoFit/>
-          </a:bodyPr>
-          <a:lstStyle/>
-          <a:p>
-            <a:pPr algn="l" rtl="0"/>
-            <a:r>
-              <a:rPr lang="en-US" sz="1600" b="1" dirty="0"/>
-              <a:t>function </a:t>
-            </a:r>
-            <a:r>
-              <a:rPr lang="en-US" sz="1600" b="1" dirty="0" err="1"/>
-              <a:t>addAtEndCircularLinkedList</a:t>
-            </a:r>
-            <a:r>
-              <a:rPr lang="en-US" sz="1600" b="1" dirty="0"/>
-              <a:t>(list, value):</a:t>
-            </a:r>
-          </a:p>
-          <a:p>
-            <a:pPr algn="l" rtl="0"/>
-            <a:r>
-              <a:rPr lang="en-US" sz="1600" dirty="0"/>
-              <a:t>    // Create a new node</a:t>
-            </a:r>
-          </a:p>
-          <a:p>
-            <a:pPr algn="l" rtl="0"/>
-            <a:r>
-              <a:rPr lang="en-US" sz="1600" dirty="0"/>
-              <a:t>    </a:t>
-            </a:r>
-            <a:r>
-              <a:rPr lang="en-US" sz="1600" dirty="0" err="1"/>
-              <a:t>newNode</a:t>
-            </a:r>
-            <a:r>
-              <a:rPr lang="en-US" sz="1600" dirty="0"/>
-              <a:t> = </a:t>
-            </a:r>
-            <a:r>
-              <a:rPr lang="en-US" sz="1600" dirty="0" err="1"/>
-              <a:t>createNode</a:t>
-            </a:r>
-            <a:r>
-              <a:rPr lang="en-US" sz="1600" dirty="0"/>
-              <a:t>(value)</a:t>
-            </a:r>
-          </a:p>
-          <a:p>
-            <a:pPr algn="l" rtl="0"/>
-            <a:endParaRPr lang="en-US" sz="1600" dirty="0"/>
-          </a:p>
-          <a:p>
-            <a:pPr algn="l" rtl="0"/>
-            <a:r>
-              <a:rPr lang="en-US" sz="1600" dirty="0"/>
-              <a:t>    // If the list is empty, make the new node the head of the list</a:t>
-            </a:r>
-          </a:p>
-          <a:p>
-            <a:pPr algn="l" rtl="0"/>
-            <a:r>
-              <a:rPr lang="en-US" sz="1600" dirty="0"/>
-              <a:t>    if </a:t>
-            </a:r>
-            <a:r>
-              <a:rPr lang="en-US" sz="1600" dirty="0" err="1"/>
-              <a:t>list.head</a:t>
-            </a:r>
-            <a:r>
-              <a:rPr lang="en-US" sz="1600" dirty="0"/>
-              <a:t> is NULL:</a:t>
-            </a:r>
-          </a:p>
-          <a:p>
-            <a:pPr algn="l" rtl="0"/>
-            <a:r>
-              <a:rPr lang="en-US" sz="1600" dirty="0"/>
-              <a:t>        </a:t>
-            </a:r>
-            <a:r>
-              <a:rPr lang="en-US" sz="1600" dirty="0" err="1"/>
-              <a:t>list.head</a:t>
-            </a:r>
-            <a:r>
-              <a:rPr lang="en-US" sz="1600" dirty="0"/>
-              <a:t> = </a:t>
-            </a:r>
-            <a:r>
-              <a:rPr lang="en-US" sz="1600" dirty="0" err="1"/>
-              <a:t>newNode</a:t>
-            </a:r>
-            <a:endParaRPr lang="en-US" sz="1600" dirty="0"/>
-          </a:p>
-          <a:p>
-            <a:pPr algn="l" rtl="0"/>
-            <a:r>
-              <a:rPr lang="en-US" sz="1600" dirty="0"/>
-              <a:t>        </a:t>
-            </a:r>
-            <a:r>
-              <a:rPr lang="en-US" sz="1600" dirty="0" err="1"/>
-              <a:t>newNode.next</a:t>
-            </a:r>
-            <a:r>
-              <a:rPr lang="en-US" sz="1600" dirty="0"/>
-              <a:t> = </a:t>
-            </a:r>
-            <a:r>
-              <a:rPr lang="en-US" sz="1600" dirty="0" err="1"/>
-              <a:t>newNode</a:t>
-            </a:r>
-            <a:r>
-              <a:rPr lang="en-US" sz="1600" dirty="0"/>
-              <a:t>  // Point to itself to form a circular list</a:t>
-            </a:r>
-          </a:p>
-          <a:p>
-            <a:pPr algn="l" rtl="0"/>
-            <a:r>
-              <a:rPr lang="en-US" sz="1600" dirty="0"/>
-              <a:t>    else:</a:t>
-            </a:r>
-          </a:p>
-          <a:p>
-            <a:pPr algn="l" rtl="0"/>
-            <a:r>
-              <a:rPr lang="en-US" sz="1600" dirty="0"/>
-              <a:t>        // Traverse the list to find the node before the head</a:t>
-            </a:r>
-          </a:p>
-          <a:p>
-            <a:pPr algn="l" rtl="0"/>
-            <a:r>
-              <a:rPr lang="en-US" sz="1600" dirty="0"/>
-              <a:t>        current = </a:t>
-            </a:r>
-            <a:r>
-              <a:rPr lang="en-US" sz="1600" dirty="0" err="1"/>
-              <a:t>list.head</a:t>
-            </a:r>
-            <a:endParaRPr lang="en-US" sz="1600" dirty="0"/>
-          </a:p>
-          <a:p>
-            <a:pPr algn="l" rtl="0"/>
-            <a:r>
-              <a:rPr lang="en-US" sz="1600" dirty="0"/>
-              <a:t>        while </a:t>
-            </a:r>
-            <a:r>
-              <a:rPr lang="en-US" sz="1600" dirty="0" err="1"/>
-              <a:t>current.next</a:t>
-            </a:r>
-            <a:r>
-              <a:rPr lang="en-US" sz="1600" dirty="0"/>
-              <a:t> is not </a:t>
-            </a:r>
-            <a:r>
-              <a:rPr lang="en-US" sz="1600" dirty="0" err="1"/>
-              <a:t>list.head</a:t>
-            </a:r>
-            <a:r>
-              <a:rPr lang="en-US" sz="1600" dirty="0"/>
-              <a:t>:</a:t>
-            </a:r>
-          </a:p>
-          <a:p>
-            <a:pPr algn="l" rtl="0"/>
-            <a:r>
-              <a:rPr lang="en-US" sz="1600" dirty="0"/>
-              <a:t>            current = </a:t>
-            </a:r>
-            <a:r>
-              <a:rPr lang="en-US" sz="1600" dirty="0" err="1"/>
-              <a:t>current.next</a:t>
-            </a:r>
-            <a:endParaRPr lang="en-US" sz="1600" dirty="0"/>
-          </a:p>
-          <a:p>
-            <a:pPr algn="l" rtl="0"/>
-            <a:endParaRPr lang="en-US" sz="1600" dirty="0"/>
-          </a:p>
-          <a:p>
-            <a:pPr algn="l" rtl="0"/>
-            <a:r>
-              <a:rPr lang="en-US" sz="1600" dirty="0"/>
-              <a:t>        // Insert the new node at the end</a:t>
-            </a:r>
-          </a:p>
-          <a:p>
-            <a:pPr algn="l" rtl="0"/>
-            <a:r>
-              <a:rPr lang="en-US" sz="1600" dirty="0"/>
-              <a:t>        </a:t>
-            </a:r>
-            <a:r>
-              <a:rPr lang="en-US" sz="1600" dirty="0" err="1"/>
-              <a:t>current.next</a:t>
-            </a:r>
-            <a:r>
-              <a:rPr lang="en-US" sz="1600" dirty="0"/>
-              <a:t> = </a:t>
-            </a:r>
-            <a:r>
-              <a:rPr lang="en-US" sz="1600" dirty="0" err="1"/>
-              <a:t>newNode</a:t>
-            </a:r>
-            <a:endParaRPr lang="en-US" sz="1600" dirty="0"/>
-          </a:p>
-          <a:p>
-            <a:pPr algn="l" rtl="0"/>
-            <a:r>
-              <a:rPr lang="en-US" sz="1600" dirty="0"/>
-              <a:t>        </a:t>
-            </a:r>
-            <a:r>
-              <a:rPr lang="en-US" sz="1600" dirty="0" err="1"/>
-              <a:t>newNode.next</a:t>
-            </a:r>
-            <a:r>
-              <a:rPr lang="en-US" sz="1600" dirty="0"/>
-              <a:t> = </a:t>
-            </a:r>
-            <a:r>
-              <a:rPr lang="en-US" sz="1600" dirty="0" err="1"/>
-              <a:t>list.head</a:t>
-            </a:r>
-            <a:endParaRPr lang="en-US" sz="1600" dirty="0"/>
-          </a:p>
-        </p:txBody>
-      </p:sp>
-    </p:spTree>
-    <p:extLst>
-      <p:ext uri="{BB962C8B-B14F-4D97-AF65-F5344CB8AC3E}">
-        <p14:creationId xmlns:p14="http://schemas.microsoft.com/office/powerpoint/2010/main" val="1882649880"/>
-      </p:ext>
-    </p:extLst>
-  </p:cSld>
-  <p:clrMapOvr>
-    <a:masterClrMapping/>
-  </p:clrMapOvr>
-  <p:timing>
-    <p:tnLst>
-      <p:par>
-        <p:cTn id="1" dur="indefinite" restart="never" nodeType="tmRoot">
-          <p:childTnLst>
-            <p:seq concurrent="1" nextAc="seek">
-              <p:cTn id="2" dur="indefinite" nodeType="mainSeq">
-                <p:childTnLst>
-                  <p:par>
-                    <p:cTn id="3" fill="hold">
-                      <p:stCondLst>
-                        <p:cond delay="indefinite"/>
-                      </p:stCondLst>
-                      <p:childTnLst>
-                        <p:par>
-                          <p:cTn id="4" fill="hold">
-                            <p:stCondLst>
-                              <p:cond delay="0"/>
-                            </p:stCondLst>
-                            <p:childTnLst>
-                              <p:par>
-                                <p:cTn id="5" presetID="1" presetClass="entr" presetSubtype="0" fill="hold" grpId="0" nodeType="clickEffect">
-                                  <p:stCondLst>
-                                    <p:cond delay="0"/>
-                                  </p:stCondLst>
-                                  <p:childTnLst>
-                                    <p:set>
-                                      <p:cBhvr>
-                                        <p:cTn id="6" dur="1" fill="hold">
-                                          <p:stCondLst>
-                                            <p:cond delay="0"/>
-                                          </p:stCondLst>
-                                        </p:cTn>
-                                        <p:tgtEl>
-                                          <p:spTgt spid="4"/>
-                                        </p:tgtEl>
-                                        <p:attrNameLst>
-                                          <p:attrName>style.visibility</p:attrName>
-                                        </p:attrNameLst>
-                                      </p:cBhvr>
-                                      <p:to>
-                                        <p:strVal val="visible"/>
-                                      </p:to>
-                                    </p:set>
-                                  </p:childTnLst>
-                                </p:cTn>
-                              </p:par>
-                            </p:childTnLst>
-                          </p:cTn>
-                        </p:par>
-                      </p:childTnLst>
-                    </p:cTn>
-                  </p:par>
-                </p:childTnLst>
-              </p:cTn>
-              <p:prevCondLst>
-                <p:cond evt="onPrev" delay="0">
-                  <p:tgtEl>
-                    <p:sldTgt/>
-                  </p:tgtEl>
-                </p:cond>
-              </p:prevCondLst>
-              <p:nextCondLst>
-                <p:cond evt="onNext" delay="0">
-                  <p:tgtEl>
-                    <p:sldTgt/>
-                  </p:tgtEl>
-                </p:cond>
-              </p:nextCondLst>
-            </p:seq>
-          </p:childTnLst>
-        </p:cTn>
-      </p:par>
-    </p:tnLst>
-    <p:bldLst>
-      <p:bldP spid="4" grpId="0"/>
-    </p:bldLst>
-  </p:timing>
-</p:sld>
-</file>
-
-<file path=ppt/slides/slide11.xml><?xml version="1.0" encoding="utf-8"?>
-<p:sld xmlns:a="http://schemas.openxmlformats.org/drawingml/2006/main" xmlns:r="http://schemas.openxmlformats.org/officeDocument/2006/relationships" xmlns:p="http://schemas.openxmlformats.org/presentationml/2006/main">
-  <p:cSld>
-    <p:bg>
-      <p:bgPr>
-        <a:blipFill dpi="0" rotWithShape="1">
-          <a:blip r:embed="rId3">
-            <a:lum/>
-          </a:blip>
-          <a:srcRect/>
-          <a:stretch>
-            <a:fillRect/>
-          </a:stretch>
-        </a:blipFill>
-        <a:effectLst/>
-      </p:bgPr>
-    </p:bg>
-    <p:spTree>
-      <p:nvGrpSpPr>
-        <p:cNvPr id="1" name=""/>
-        <p:cNvGrpSpPr/>
-        <p:nvPr/>
-      </p:nvGrpSpPr>
-      <p:grpSpPr>
-        <a:xfrm>
-          <a:off x="0" y="0"/>
-          <a:ext cx="0" cy="0"/>
-          <a:chOff x="0" y="0"/>
-          <a:chExt cx="0" cy="0"/>
-        </a:xfrm>
-      </p:grpSpPr>
-      <p:sp>
-        <p:nvSpPr>
-          <p:cNvPr id="20" name="Rectangle 2"/>
-          <p:cNvSpPr txBox="1">
-            <a:spLocks noChangeArrowheads="1"/>
-          </p:cNvSpPr>
-          <p:nvPr/>
-        </p:nvSpPr>
-        <p:spPr bwMode="auto">
-          <a:xfrm>
-            <a:off x="3287209" y="290463"/>
-            <a:ext cx="8229600" cy="826818"/>
-          </a:xfrm>
-          <a:prstGeom prst="rect">
-            <a:avLst/>
-          </a:prstGeom>
-          <a:noFill/>
-          <a:ln>
-            <a:noFill/>
-          </a:ln>
-          <a:effectLst/>
-          <a:extLst>
-            <a:ext uri="{909E8E84-426E-40DD-AFC4-6F175D3DCCD1}">
-              <a14:hiddenFill xmlns:a14="http://schemas.microsoft.com/office/drawing/2010/main">
-                <a:solidFill>
-                  <a:schemeClr val="accent1"/>
-                </a:solidFill>
-              </a14:hiddenFill>
-            </a:ext>
-            <a:ext uri="{91240B29-F687-4F45-9708-019B960494DF}">
-              <a14:hiddenLine xmlns:a14="http://schemas.microsoft.com/office/drawing/2010/main" w="9525">
-                <a:solidFill>
-                  <a:schemeClr val="tx1"/>
-                </a:solidFill>
-                <a:miter lim="800000"/>
-                <a:headEnd/>
-                <a:tailEnd/>
-              </a14:hiddenLine>
-            </a:ext>
-            <a:ext uri="{AF507438-7753-43E0-B8FC-AC1667EBCBE1}">
-              <a14:hiddenEffects xmlns:a14="http://schemas.microsoft.com/office/drawing/2010/main">
-                <a:effectLst>
-                  <a:outerShdw dist="35921" dir="2700000" algn="ctr" rotWithShape="0">
-                    <a:schemeClr val="bg2"/>
-                  </a:outerShdw>
-                </a:effectLst>
-              </a14:hiddenEffects>
-            </a:ext>
-          </a:extLst>
-        </p:spPr>
-        <p:txBody>
-          <a:bodyPr vert="horz" wrap="square" lIns="91440" tIns="45720" rIns="91440" bIns="45720" numCol="1" anchor="t" anchorCtr="0" compatLnSpc="1">
-            <a:prstTxWarp prst="textNoShape">
-              <a:avLst/>
-            </a:prstTxWarp>
-          </a:bodyPr>
-          <a:lstStyle>
-            <a:lvl1pPr algn="l" rtl="1" eaLnBrk="0" fontAlgn="base" hangingPunct="0">
-              <a:spcBef>
-                <a:spcPct val="0"/>
-              </a:spcBef>
-              <a:spcAft>
-                <a:spcPct val="0"/>
-              </a:spcAft>
-              <a:defRPr sz="4200">
-                <a:solidFill>
-                  <a:schemeClr val="tx2"/>
-                </a:solidFill>
-                <a:latin typeface="+mj-lt"/>
-                <a:ea typeface="+mj-ea"/>
-                <a:cs typeface="+mj-cs"/>
-              </a:defRPr>
-            </a:lvl1pPr>
-            <a:lvl2pPr algn="l" rtl="1" eaLnBrk="0" fontAlgn="base" hangingPunct="0">
-              <a:spcBef>
-                <a:spcPct val="0"/>
-              </a:spcBef>
-              <a:spcAft>
-                <a:spcPct val="0"/>
-              </a:spcAft>
-              <a:defRPr sz="4200">
-                <a:solidFill>
-                  <a:schemeClr val="tx2"/>
-                </a:solidFill>
-                <a:latin typeface="Garamond" pitchFamily="18" charset="0"/>
-                <a:cs typeface="Arial" pitchFamily="34" charset="0"/>
-              </a:defRPr>
-            </a:lvl2pPr>
-            <a:lvl3pPr algn="l" rtl="1" eaLnBrk="0" fontAlgn="base" hangingPunct="0">
-              <a:spcBef>
-                <a:spcPct val="0"/>
-              </a:spcBef>
-              <a:spcAft>
-                <a:spcPct val="0"/>
-              </a:spcAft>
-              <a:defRPr sz="4200">
-                <a:solidFill>
-                  <a:schemeClr val="tx2"/>
-                </a:solidFill>
-                <a:latin typeface="Garamond" pitchFamily="18" charset="0"/>
-                <a:cs typeface="Arial" pitchFamily="34" charset="0"/>
-              </a:defRPr>
-            </a:lvl3pPr>
-            <a:lvl4pPr algn="l" rtl="1" eaLnBrk="0" fontAlgn="base" hangingPunct="0">
-              <a:spcBef>
-                <a:spcPct val="0"/>
-              </a:spcBef>
-              <a:spcAft>
-                <a:spcPct val="0"/>
-              </a:spcAft>
-              <a:defRPr sz="4200">
-                <a:solidFill>
-                  <a:schemeClr val="tx2"/>
-                </a:solidFill>
-                <a:latin typeface="Garamond" pitchFamily="18" charset="0"/>
-                <a:cs typeface="Arial" pitchFamily="34" charset="0"/>
-              </a:defRPr>
-            </a:lvl4pPr>
-            <a:lvl5pPr algn="l" rtl="1" eaLnBrk="0" fontAlgn="base" hangingPunct="0">
-              <a:spcBef>
-                <a:spcPct val="0"/>
-              </a:spcBef>
-              <a:spcAft>
-                <a:spcPct val="0"/>
-              </a:spcAft>
-              <a:defRPr sz="4200">
-                <a:solidFill>
-                  <a:schemeClr val="tx2"/>
-                </a:solidFill>
-                <a:latin typeface="Garamond" pitchFamily="18" charset="0"/>
-                <a:cs typeface="Arial" pitchFamily="34" charset="0"/>
-              </a:defRPr>
-            </a:lvl5pPr>
-            <a:lvl6pPr marL="457200" algn="l" rtl="1" fontAlgn="base">
-              <a:spcBef>
-                <a:spcPct val="0"/>
-              </a:spcBef>
-              <a:spcAft>
-                <a:spcPct val="0"/>
-              </a:spcAft>
-              <a:defRPr sz="4200">
-                <a:solidFill>
-                  <a:schemeClr val="tx2"/>
-                </a:solidFill>
-                <a:latin typeface="Garamond" pitchFamily="18" charset="0"/>
-                <a:cs typeface="Arial" pitchFamily="34" charset="0"/>
-              </a:defRPr>
-            </a:lvl6pPr>
-            <a:lvl7pPr marL="914400" algn="l" rtl="1" fontAlgn="base">
-              <a:spcBef>
-                <a:spcPct val="0"/>
-              </a:spcBef>
-              <a:spcAft>
-                <a:spcPct val="0"/>
-              </a:spcAft>
-              <a:defRPr sz="4200">
-                <a:solidFill>
-                  <a:schemeClr val="tx2"/>
-                </a:solidFill>
-                <a:latin typeface="Garamond" pitchFamily="18" charset="0"/>
-                <a:cs typeface="Arial" pitchFamily="34" charset="0"/>
-              </a:defRPr>
-            </a:lvl7pPr>
-            <a:lvl8pPr marL="1371600" algn="l" rtl="1" fontAlgn="base">
-              <a:spcBef>
-                <a:spcPct val="0"/>
-              </a:spcBef>
-              <a:spcAft>
-                <a:spcPct val="0"/>
-              </a:spcAft>
-              <a:defRPr sz="4200">
-                <a:solidFill>
-                  <a:schemeClr val="tx2"/>
-                </a:solidFill>
-                <a:latin typeface="Garamond" pitchFamily="18" charset="0"/>
-                <a:cs typeface="Arial" pitchFamily="34" charset="0"/>
-              </a:defRPr>
-            </a:lvl8pPr>
-            <a:lvl9pPr marL="1828800" algn="l" rtl="1" fontAlgn="base">
-              <a:spcBef>
-                <a:spcPct val="0"/>
-              </a:spcBef>
-              <a:spcAft>
-                <a:spcPct val="0"/>
-              </a:spcAft>
-              <a:defRPr sz="4200">
-                <a:solidFill>
-                  <a:schemeClr val="tx2"/>
-                </a:solidFill>
-                <a:latin typeface="Garamond" pitchFamily="18" charset="0"/>
-                <a:cs typeface="Arial" pitchFamily="34" charset="0"/>
-              </a:defRPr>
-            </a:lvl9pPr>
-          </a:lstStyle>
-          <a:p>
-            <a:pPr marL="0" marR="0" lvl="0" indent="0" algn="r" defTabSz="914400" rtl="1" eaLnBrk="1" fontAlgn="base" latinLnBrk="0" hangingPunct="1">
-              <a:lnSpc>
-                <a:spcPct val="100000"/>
-              </a:lnSpc>
-              <a:spcBef>
-                <a:spcPct val="0"/>
-              </a:spcBef>
-              <a:spcAft>
-                <a:spcPct val="0"/>
-              </a:spcAft>
-              <a:buClrTx/>
-              <a:buSzTx/>
-              <a:buFontTx/>
-              <a:buNone/>
-              <a:tabLst/>
-              <a:defRPr/>
-            </a:pPr>
-            <a:r>
-              <a:rPr kumimoji="0" lang="he-IL" altLang="he-IL" sz="4200" b="0" i="0" u="none" strike="noStrike" kern="0" cap="none" spc="0" normalizeH="0" baseline="0" noProof="0" dirty="0">
-                <a:ln>
-                  <a:noFill/>
-                </a:ln>
-                <a:solidFill>
-                  <a:srgbClr val="006633"/>
-                </a:solidFill>
-                <a:effectLst/>
-                <a:uLnTx/>
-                <a:uFillTx/>
-                <a:latin typeface="Garamond"/>
-                <a:ea typeface="+mj-ea"/>
-                <a:cs typeface="Arial"/>
-              </a:rPr>
-              <a:t>תרגיל</a:t>
-            </a:r>
-            <a:r>
-              <a:rPr kumimoji="0" lang="en-US" altLang="he-IL" sz="4200" b="0" i="0" u="none" strike="noStrike" kern="0" cap="none" spc="0" normalizeH="0" baseline="0" noProof="0" dirty="0">
-                <a:ln>
-                  <a:noFill/>
-                </a:ln>
-                <a:solidFill>
-                  <a:srgbClr val="006633"/>
-                </a:solidFill>
-                <a:effectLst/>
-                <a:uLnTx/>
-                <a:uFillTx/>
-                <a:latin typeface="Garamond"/>
-                <a:ea typeface="+mj-ea"/>
-                <a:cs typeface="Arial"/>
-              </a:rPr>
-              <a:t> </a:t>
-            </a:r>
-            <a:r>
-              <a:rPr kumimoji="0" lang="he-IL" altLang="he-IL" sz="4200" b="0" i="0" u="none" strike="noStrike" kern="0" cap="none" spc="0" normalizeH="0" baseline="0" noProof="0" dirty="0">
-                <a:ln>
-                  <a:noFill/>
-                </a:ln>
-                <a:solidFill>
-                  <a:srgbClr val="006633"/>
-                </a:solidFill>
-                <a:effectLst/>
-                <a:uLnTx/>
-                <a:uFillTx/>
-                <a:latin typeface="Garamond"/>
-                <a:ea typeface="+mj-ea"/>
-                <a:cs typeface="Arial"/>
-              </a:rPr>
-              <a:t> </a:t>
-            </a:r>
-            <a:r>
-              <a:rPr kumimoji="0" lang="en-US" altLang="he-IL" sz="4200" b="0" i="0" u="none" strike="noStrike" kern="0" cap="none" spc="0" normalizeH="0" baseline="0" noProof="0" dirty="0">
-                <a:ln>
-                  <a:noFill/>
-                </a:ln>
-                <a:solidFill>
-                  <a:srgbClr val="006633"/>
-                </a:solidFill>
-                <a:effectLst/>
-                <a:uLnTx/>
-                <a:uFillTx/>
-                <a:latin typeface="Garamond"/>
-                <a:ea typeface="+mj-ea"/>
-                <a:cs typeface="Arial"/>
-              </a:rPr>
-              <a:t>7</a:t>
-            </a:r>
-          </a:p>
-        </p:txBody>
-      </p:sp>
-      <p:sp>
-        <p:nvSpPr>
-          <p:cNvPr id="3" name="TextBox 2">
-            <a:extLst>
-              <a:ext uri="{FF2B5EF4-FFF2-40B4-BE49-F238E27FC236}">
-                <a16:creationId xmlns:a16="http://schemas.microsoft.com/office/drawing/2014/main" id="{C1729EC4-C624-A19E-7165-3E76E6F25B0A}"/>
-              </a:ext>
-            </a:extLst>
-          </p:cNvPr>
-          <p:cNvSpPr txBox="1"/>
-          <p:nvPr/>
-        </p:nvSpPr>
-        <p:spPr>
-          <a:xfrm>
-            <a:off x="3056021" y="955185"/>
             <a:ext cx="8460788" cy="369332"/>
           </a:xfrm>
           <a:prstGeom prst="rect">
@@ -8481,7 +7609,7 @@
 </p:sld>
 </file>
 
-<file path=ppt/slides/slide12.xml><?xml version="1.0" encoding="utf-8"?>
+<file path=ppt/slides/slide11.xml><?xml version="1.0" encoding="utf-8"?>
 <p:sld xmlns:a="http://schemas.openxmlformats.org/drawingml/2006/main" xmlns:r="http://schemas.openxmlformats.org/officeDocument/2006/relationships" xmlns:p="http://schemas.openxmlformats.org/presentationml/2006/main">
   <p:cSld>
     <p:bg>
@@ -12694,1243 +11822,10 @@
                 <a:ea typeface="+mj-ea"/>
                 <a:cs typeface="Arial"/>
               </a:rPr>
-              <a:t> 3</a:t>
-            </a:r>
-            <a:endParaRPr kumimoji="0" lang="en-US" altLang="he-IL" sz="4200" b="0" i="0" u="none" strike="noStrike" kern="0" cap="none" spc="0" normalizeH="0" baseline="0" noProof="0" dirty="0">
-              <a:ln>
-                <a:noFill/>
-              </a:ln>
-              <a:solidFill>
-                <a:srgbClr val="006633"/>
-              </a:solidFill>
-              <a:effectLst/>
-              <a:uLnTx/>
-              <a:uFillTx/>
-              <a:latin typeface="Garamond"/>
-              <a:ea typeface="+mj-ea"/>
-              <a:cs typeface="Arial"/>
-            </a:endParaRPr>
-          </a:p>
-        </p:txBody>
-      </p:sp>
-      <p:sp>
-        <p:nvSpPr>
-          <p:cNvPr id="3" name="TextBox 2">
-            <a:extLst>
-              <a:ext uri="{FF2B5EF4-FFF2-40B4-BE49-F238E27FC236}">
-                <a16:creationId xmlns:a16="http://schemas.microsoft.com/office/drawing/2014/main" id="{C1729EC4-C624-A19E-7165-3E76E6F25B0A}"/>
-              </a:ext>
-            </a:extLst>
-          </p:cNvPr>
-          <p:cNvSpPr txBox="1"/>
-          <p:nvPr/>
-        </p:nvSpPr>
-        <p:spPr>
-          <a:xfrm>
-            <a:off x="2905626" y="1094875"/>
-            <a:ext cx="8361946" cy="369332"/>
-          </a:xfrm>
-          <a:prstGeom prst="rect">
-            <a:avLst/>
-          </a:prstGeom>
-          <a:noFill/>
-        </p:spPr>
-        <p:txBody>
-          <a:bodyPr wrap="square">
-            <a:spAutoFit/>
-          </a:bodyPr>
-          <a:lstStyle/>
-          <a:p>
-            <a:r>
-              <a:rPr lang="he-IL" dirty="0"/>
-              <a:t>כתבו </a:t>
-            </a:r>
-            <a:r>
-              <a:rPr lang="he-IL" dirty="0" err="1"/>
-              <a:t>פסאודו</a:t>
-            </a:r>
-            <a:r>
-              <a:rPr lang="he-IL" dirty="0"/>
-              <a:t>-קוד של אלגוריתם תחליף בין איבר ראשון ואחרון ברשימה מקושרת חד-כיוונית.</a:t>
-            </a:r>
-            <a:endParaRPr lang="en-US" dirty="0"/>
-          </a:p>
-        </p:txBody>
-      </p:sp>
-      <p:sp>
-        <p:nvSpPr>
-          <p:cNvPr id="5" name="TextBox 4">
-            <a:extLst>
-              <a:ext uri="{FF2B5EF4-FFF2-40B4-BE49-F238E27FC236}">
-                <a16:creationId xmlns:a16="http://schemas.microsoft.com/office/drawing/2014/main" id="{FA3534D9-73A0-C110-5890-5DB9930E2A50}"/>
-              </a:ext>
-            </a:extLst>
-          </p:cNvPr>
-          <p:cNvSpPr txBox="1"/>
-          <p:nvPr/>
-        </p:nvSpPr>
-        <p:spPr>
-          <a:xfrm>
-            <a:off x="1189621" y="1676309"/>
-            <a:ext cx="6097002" cy="4278094"/>
-          </a:xfrm>
-          <a:prstGeom prst="rect">
-            <a:avLst/>
-          </a:prstGeom>
-          <a:noFill/>
-        </p:spPr>
-        <p:txBody>
-          <a:bodyPr wrap="square">
-            <a:spAutoFit/>
-          </a:bodyPr>
-          <a:lstStyle/>
-          <a:p>
-            <a:pPr algn="l" rtl="0"/>
-            <a:r>
-              <a:rPr lang="en-US" sz="1600" b="1" dirty="0"/>
-              <a:t>function </a:t>
-            </a:r>
-            <a:r>
-              <a:rPr lang="en-US" sz="1600" b="1" dirty="0" err="1"/>
-              <a:t>swapFirstAndLast</a:t>
-            </a:r>
-            <a:r>
-              <a:rPr lang="en-US" sz="1600" b="1" dirty="0"/>
-              <a:t>(</a:t>
-            </a:r>
-            <a:r>
-              <a:rPr lang="en-US" sz="1600" b="1" dirty="0" err="1"/>
-              <a:t>linkedList</a:t>
-            </a:r>
-            <a:r>
-              <a:rPr lang="en-US" sz="1600" b="1" dirty="0"/>
-              <a:t>):</a:t>
-            </a:r>
-          </a:p>
-          <a:p>
-            <a:pPr algn="l" rtl="0"/>
-            <a:r>
-              <a:rPr lang="en-US" sz="1600" dirty="0"/>
-              <a:t>    if </a:t>
-            </a:r>
-            <a:r>
-              <a:rPr lang="en-US" sz="1600" dirty="0" err="1"/>
-              <a:t>linkedList</a:t>
-            </a:r>
-            <a:r>
-              <a:rPr lang="en-US" sz="1600" dirty="0"/>
-              <a:t> is empty or has only one node:</a:t>
-            </a:r>
-          </a:p>
-          <a:p>
-            <a:pPr algn="l" rtl="0"/>
-            <a:r>
-              <a:rPr lang="en-US" sz="1600" dirty="0"/>
-              <a:t>        return </a:t>
-            </a:r>
-            <a:r>
-              <a:rPr lang="en-US" sz="1600" dirty="0" err="1"/>
-              <a:t>linkedList</a:t>
-            </a:r>
-            <a:r>
-              <a:rPr lang="en-US" sz="1600" dirty="0"/>
-              <a:t>  # Nothing to swap</a:t>
-            </a:r>
-          </a:p>
-          <a:p>
-            <a:pPr algn="l" rtl="0"/>
-            <a:endParaRPr lang="en-US" sz="1600" dirty="0"/>
-          </a:p>
-          <a:p>
-            <a:pPr algn="l" rtl="0"/>
-            <a:r>
-              <a:rPr lang="en-US" sz="1600" dirty="0"/>
-              <a:t>    </a:t>
-            </a:r>
-            <a:r>
-              <a:rPr lang="en-US" sz="1600" dirty="0" err="1"/>
-              <a:t>firstNode</a:t>
-            </a:r>
-            <a:r>
-              <a:rPr lang="en-US" sz="1600" dirty="0"/>
-              <a:t> = </a:t>
-            </a:r>
-            <a:r>
-              <a:rPr lang="en-US" sz="1600" dirty="0" err="1"/>
-              <a:t>linkedList.head</a:t>
-            </a:r>
-            <a:endParaRPr lang="en-US" sz="1600" dirty="0"/>
-          </a:p>
-          <a:p>
-            <a:pPr algn="l" rtl="0"/>
-            <a:r>
-              <a:rPr lang="en-US" sz="1600" dirty="0"/>
-              <a:t>    </a:t>
-            </a:r>
-            <a:r>
-              <a:rPr lang="en-US" sz="1600" dirty="0" err="1"/>
-              <a:t>lastNode</a:t>
-            </a:r>
-            <a:r>
-              <a:rPr lang="en-US" sz="1600" dirty="0"/>
-              <a:t> = </a:t>
-            </a:r>
-            <a:r>
-              <a:rPr lang="en-US" sz="1600" dirty="0" err="1"/>
-              <a:t>linkedList.head</a:t>
-            </a:r>
-            <a:endParaRPr lang="en-US" sz="1600" dirty="0"/>
-          </a:p>
-          <a:p>
-            <a:pPr algn="l" rtl="0"/>
-            <a:endParaRPr lang="en-US" sz="1600" dirty="0"/>
-          </a:p>
-          <a:p>
-            <a:pPr algn="l" rtl="0"/>
-            <a:r>
-              <a:rPr lang="en-US" sz="1600" dirty="0"/>
-              <a:t>    # Traverse the list to find the last node</a:t>
-            </a:r>
-          </a:p>
-          <a:p>
-            <a:pPr algn="l" rtl="0"/>
-            <a:r>
-              <a:rPr lang="en-US" sz="1600" dirty="0"/>
-              <a:t>    while </a:t>
-            </a:r>
-            <a:r>
-              <a:rPr lang="en-US" sz="1600" dirty="0" err="1"/>
-              <a:t>lastNode.next</a:t>
-            </a:r>
-            <a:r>
-              <a:rPr lang="en-US" sz="1600" dirty="0"/>
-              <a:t> is not null:</a:t>
-            </a:r>
-          </a:p>
-          <a:p>
-            <a:pPr algn="l" rtl="0"/>
-            <a:r>
-              <a:rPr lang="en-US" sz="1600" dirty="0"/>
-              <a:t>        </a:t>
-            </a:r>
-            <a:r>
-              <a:rPr lang="en-US" sz="1600" dirty="0" err="1"/>
-              <a:t>lastNode</a:t>
-            </a:r>
-            <a:r>
-              <a:rPr lang="en-US" sz="1600" dirty="0"/>
-              <a:t> = </a:t>
-            </a:r>
-            <a:r>
-              <a:rPr lang="en-US" sz="1600" dirty="0" err="1"/>
-              <a:t>lastNode.next</a:t>
-            </a:r>
-            <a:endParaRPr lang="en-US" sz="1600" dirty="0"/>
-          </a:p>
-          <a:p>
-            <a:pPr algn="l" rtl="0"/>
-            <a:endParaRPr lang="en-US" sz="1600" dirty="0"/>
-          </a:p>
-          <a:p>
-            <a:pPr algn="l" rtl="0"/>
-            <a:r>
-              <a:rPr lang="en-US" sz="1600" dirty="0"/>
-              <a:t>    # Swap values of the first and last nodes</a:t>
-            </a:r>
-          </a:p>
-          <a:p>
-            <a:pPr algn="l" rtl="0"/>
-            <a:r>
-              <a:rPr lang="en-US" sz="1600" dirty="0"/>
-              <a:t>    temp = </a:t>
-            </a:r>
-            <a:r>
-              <a:rPr lang="en-US" sz="1600" dirty="0" err="1"/>
-              <a:t>firstNode.value</a:t>
-            </a:r>
-            <a:endParaRPr lang="en-US" sz="1600" dirty="0"/>
-          </a:p>
-          <a:p>
-            <a:pPr algn="l" rtl="0"/>
-            <a:r>
-              <a:rPr lang="en-US" sz="1600" dirty="0"/>
-              <a:t>    </a:t>
-            </a:r>
-            <a:r>
-              <a:rPr lang="en-US" sz="1600" dirty="0" err="1"/>
-              <a:t>firstNode.value</a:t>
-            </a:r>
-            <a:r>
-              <a:rPr lang="en-US" sz="1600" dirty="0"/>
-              <a:t> = </a:t>
-            </a:r>
-            <a:r>
-              <a:rPr lang="en-US" sz="1600" dirty="0" err="1"/>
-              <a:t>lastNode.value</a:t>
-            </a:r>
-            <a:endParaRPr lang="en-US" sz="1600" dirty="0"/>
-          </a:p>
-          <a:p>
-            <a:pPr algn="l" rtl="0"/>
-            <a:r>
-              <a:rPr lang="en-US" sz="1600" dirty="0"/>
-              <a:t>    </a:t>
-            </a:r>
-            <a:r>
-              <a:rPr lang="en-US" sz="1600" dirty="0" err="1"/>
-              <a:t>lastNode.value</a:t>
-            </a:r>
-            <a:r>
-              <a:rPr lang="en-US" sz="1600" dirty="0"/>
-              <a:t> = temp</a:t>
-            </a:r>
-          </a:p>
-          <a:p>
-            <a:pPr algn="l" rtl="0"/>
-            <a:endParaRPr lang="en-US" sz="1600" dirty="0"/>
-          </a:p>
-          <a:p>
-            <a:pPr algn="l" rtl="0"/>
-            <a:r>
-              <a:rPr lang="en-US" sz="1600" dirty="0"/>
-              <a:t>    return </a:t>
-            </a:r>
-            <a:r>
-              <a:rPr lang="en-US" sz="1600" dirty="0" err="1"/>
-              <a:t>linkedList</a:t>
-            </a:r>
-            <a:r>
-              <a:rPr lang="en-US" sz="1600" dirty="0"/>
-              <a:t>  # The list with the first and last elements swapped</a:t>
-            </a:r>
-          </a:p>
-        </p:txBody>
-      </p:sp>
-    </p:spTree>
-    <p:extLst>
-      <p:ext uri="{BB962C8B-B14F-4D97-AF65-F5344CB8AC3E}">
-        <p14:creationId xmlns:p14="http://schemas.microsoft.com/office/powerpoint/2010/main" val="2867732499"/>
-      </p:ext>
-    </p:extLst>
-  </p:cSld>
-  <p:clrMapOvr>
-    <a:masterClrMapping/>
-  </p:clrMapOvr>
-  <p:timing>
-    <p:tnLst>
-      <p:par>
-        <p:cTn id="1" dur="indefinite" restart="never" nodeType="tmRoot">
-          <p:childTnLst>
-            <p:seq concurrent="1" nextAc="seek">
-              <p:cTn id="2" dur="indefinite" nodeType="mainSeq">
-                <p:childTnLst>
-                  <p:par>
-                    <p:cTn id="3" fill="hold">
-                      <p:stCondLst>
-                        <p:cond delay="indefinite"/>
-                      </p:stCondLst>
-                      <p:childTnLst>
-                        <p:par>
-                          <p:cTn id="4" fill="hold">
-                            <p:stCondLst>
-                              <p:cond delay="0"/>
-                            </p:stCondLst>
-                            <p:childTnLst>
-                              <p:par>
-                                <p:cTn id="5" presetID="1" presetClass="entr" presetSubtype="0" fill="hold" nodeType="clickEffect">
-                                  <p:stCondLst>
-                                    <p:cond delay="0"/>
-                                  </p:stCondLst>
-                                  <p:childTnLst>
-                                    <p:set>
-                                      <p:cBhvr>
-                                        <p:cTn id="6" dur="1" fill="hold">
-                                          <p:stCondLst>
-                                            <p:cond delay="0"/>
-                                          </p:stCondLst>
-                                        </p:cTn>
-                                        <p:tgtEl>
-                                          <p:spTgt spid="5">
-                                            <p:txEl>
-                                              <p:pRg st="0" end="0"/>
-                                            </p:txEl>
-                                          </p:spTgt>
-                                        </p:tgtEl>
-                                        <p:attrNameLst>
-                                          <p:attrName>style.visibility</p:attrName>
-                                        </p:attrNameLst>
-                                      </p:cBhvr>
-                                      <p:to>
-                                        <p:strVal val="visible"/>
-                                      </p:to>
-                                    </p:set>
-                                  </p:childTnLst>
-                                </p:cTn>
-                              </p:par>
-                            </p:childTnLst>
-                          </p:cTn>
-                        </p:par>
-                      </p:childTnLst>
-                    </p:cTn>
-                  </p:par>
-                  <p:par>
-                    <p:cTn id="7" fill="hold">
-                      <p:stCondLst>
-                        <p:cond delay="indefinite"/>
-                      </p:stCondLst>
-                      <p:childTnLst>
-                        <p:par>
-                          <p:cTn id="8" fill="hold">
-                            <p:stCondLst>
-                              <p:cond delay="0"/>
-                            </p:stCondLst>
-                            <p:childTnLst>
-                              <p:par>
-                                <p:cTn id="9" presetID="1" presetClass="entr" presetSubtype="0" fill="hold" nodeType="clickEffect">
-                                  <p:stCondLst>
-                                    <p:cond delay="0"/>
-                                  </p:stCondLst>
-                                  <p:childTnLst>
-                                    <p:set>
-                                      <p:cBhvr>
-                                        <p:cTn id="10" dur="1" fill="hold">
-                                          <p:stCondLst>
-                                            <p:cond delay="0"/>
-                                          </p:stCondLst>
-                                        </p:cTn>
-                                        <p:tgtEl>
-                                          <p:spTgt spid="5">
-                                            <p:txEl>
-                                              <p:pRg st="1" end="1"/>
-                                            </p:txEl>
-                                          </p:spTgt>
-                                        </p:tgtEl>
-                                        <p:attrNameLst>
-                                          <p:attrName>style.visibility</p:attrName>
-                                        </p:attrNameLst>
-                                      </p:cBhvr>
-                                      <p:to>
-                                        <p:strVal val="visible"/>
-                                      </p:to>
-                                    </p:set>
-                                  </p:childTnLst>
-                                </p:cTn>
-                              </p:par>
-                            </p:childTnLst>
-                          </p:cTn>
-                        </p:par>
-                      </p:childTnLst>
-                    </p:cTn>
-                  </p:par>
-                  <p:par>
-                    <p:cTn id="11" fill="hold">
-                      <p:stCondLst>
-                        <p:cond delay="indefinite"/>
-                      </p:stCondLst>
-                      <p:childTnLst>
-                        <p:par>
-                          <p:cTn id="12" fill="hold">
-                            <p:stCondLst>
-                              <p:cond delay="0"/>
-                            </p:stCondLst>
-                            <p:childTnLst>
-                              <p:par>
-                                <p:cTn id="13" presetID="1" presetClass="entr" presetSubtype="0" fill="hold" nodeType="clickEffect">
-                                  <p:stCondLst>
-                                    <p:cond delay="0"/>
-                                  </p:stCondLst>
-                                  <p:childTnLst>
-                                    <p:set>
-                                      <p:cBhvr>
-                                        <p:cTn id="14" dur="1" fill="hold">
-                                          <p:stCondLst>
-                                            <p:cond delay="0"/>
-                                          </p:stCondLst>
-                                        </p:cTn>
-                                        <p:tgtEl>
-                                          <p:spTgt spid="5">
-                                            <p:txEl>
-                                              <p:pRg st="2" end="2"/>
-                                            </p:txEl>
-                                          </p:spTgt>
-                                        </p:tgtEl>
-                                        <p:attrNameLst>
-                                          <p:attrName>style.visibility</p:attrName>
-                                        </p:attrNameLst>
-                                      </p:cBhvr>
-                                      <p:to>
-                                        <p:strVal val="visible"/>
-                                      </p:to>
-                                    </p:set>
-                                  </p:childTnLst>
-                                </p:cTn>
-                              </p:par>
-                            </p:childTnLst>
-                          </p:cTn>
-                        </p:par>
-                      </p:childTnLst>
-                    </p:cTn>
-                  </p:par>
-                  <p:par>
-                    <p:cTn id="15" fill="hold">
-                      <p:stCondLst>
-                        <p:cond delay="indefinite"/>
-                      </p:stCondLst>
-                      <p:childTnLst>
-                        <p:par>
-                          <p:cTn id="16" fill="hold">
-                            <p:stCondLst>
-                              <p:cond delay="0"/>
-                            </p:stCondLst>
-                            <p:childTnLst>
-                              <p:par>
-                                <p:cTn id="17" presetID="1" presetClass="entr" presetSubtype="0" fill="hold" nodeType="clickEffect">
-                                  <p:stCondLst>
-                                    <p:cond delay="0"/>
-                                  </p:stCondLst>
-                                  <p:childTnLst>
-                                    <p:set>
-                                      <p:cBhvr>
-                                        <p:cTn id="18" dur="1" fill="hold">
-                                          <p:stCondLst>
-                                            <p:cond delay="0"/>
-                                          </p:stCondLst>
-                                        </p:cTn>
-                                        <p:tgtEl>
-                                          <p:spTgt spid="5">
-                                            <p:txEl>
-                                              <p:pRg st="4" end="4"/>
-                                            </p:txEl>
-                                          </p:spTgt>
-                                        </p:tgtEl>
-                                        <p:attrNameLst>
-                                          <p:attrName>style.visibility</p:attrName>
-                                        </p:attrNameLst>
-                                      </p:cBhvr>
-                                      <p:to>
-                                        <p:strVal val="visible"/>
-                                      </p:to>
-                                    </p:set>
-                                  </p:childTnLst>
-                                </p:cTn>
-                              </p:par>
-                            </p:childTnLst>
-                          </p:cTn>
-                        </p:par>
-                      </p:childTnLst>
-                    </p:cTn>
-                  </p:par>
-                  <p:par>
-                    <p:cTn id="19" fill="hold">
-                      <p:stCondLst>
-                        <p:cond delay="indefinite"/>
-                      </p:stCondLst>
-                      <p:childTnLst>
-                        <p:par>
-                          <p:cTn id="20" fill="hold">
-                            <p:stCondLst>
-                              <p:cond delay="0"/>
-                            </p:stCondLst>
-                            <p:childTnLst>
-                              <p:par>
-                                <p:cTn id="21" presetID="1" presetClass="entr" presetSubtype="0" fill="hold" nodeType="clickEffect">
-                                  <p:stCondLst>
-                                    <p:cond delay="0"/>
-                                  </p:stCondLst>
-                                  <p:childTnLst>
-                                    <p:set>
-                                      <p:cBhvr>
-                                        <p:cTn id="22" dur="1" fill="hold">
-                                          <p:stCondLst>
-                                            <p:cond delay="0"/>
-                                          </p:stCondLst>
-                                        </p:cTn>
-                                        <p:tgtEl>
-                                          <p:spTgt spid="5">
-                                            <p:txEl>
-                                              <p:pRg st="5" end="5"/>
-                                            </p:txEl>
-                                          </p:spTgt>
-                                        </p:tgtEl>
-                                        <p:attrNameLst>
-                                          <p:attrName>style.visibility</p:attrName>
-                                        </p:attrNameLst>
-                                      </p:cBhvr>
-                                      <p:to>
-                                        <p:strVal val="visible"/>
-                                      </p:to>
-                                    </p:set>
-                                  </p:childTnLst>
-                                </p:cTn>
-                              </p:par>
-                            </p:childTnLst>
-                          </p:cTn>
-                        </p:par>
-                      </p:childTnLst>
-                    </p:cTn>
-                  </p:par>
-                  <p:par>
-                    <p:cTn id="23" fill="hold">
-                      <p:stCondLst>
-                        <p:cond delay="indefinite"/>
-                      </p:stCondLst>
-                      <p:childTnLst>
-                        <p:par>
-                          <p:cTn id="24" fill="hold">
-                            <p:stCondLst>
-                              <p:cond delay="0"/>
-                            </p:stCondLst>
-                            <p:childTnLst>
-                              <p:par>
-                                <p:cTn id="25" presetID="1" presetClass="entr" presetSubtype="0" fill="hold" nodeType="clickEffect">
-                                  <p:stCondLst>
-                                    <p:cond delay="0"/>
-                                  </p:stCondLst>
-                                  <p:childTnLst>
-                                    <p:set>
-                                      <p:cBhvr>
-                                        <p:cTn id="26" dur="1" fill="hold">
-                                          <p:stCondLst>
-                                            <p:cond delay="0"/>
-                                          </p:stCondLst>
-                                        </p:cTn>
-                                        <p:tgtEl>
-                                          <p:spTgt spid="5">
-                                            <p:txEl>
-                                              <p:pRg st="7" end="7"/>
-                                            </p:txEl>
-                                          </p:spTgt>
-                                        </p:tgtEl>
-                                        <p:attrNameLst>
-                                          <p:attrName>style.visibility</p:attrName>
-                                        </p:attrNameLst>
-                                      </p:cBhvr>
-                                      <p:to>
-                                        <p:strVal val="visible"/>
-                                      </p:to>
-                                    </p:set>
-                                  </p:childTnLst>
-                                </p:cTn>
-                              </p:par>
-                            </p:childTnLst>
-                          </p:cTn>
-                        </p:par>
-                      </p:childTnLst>
-                    </p:cTn>
-                  </p:par>
-                  <p:par>
-                    <p:cTn id="27" fill="hold">
-                      <p:stCondLst>
-                        <p:cond delay="indefinite"/>
-                      </p:stCondLst>
-                      <p:childTnLst>
-                        <p:par>
-                          <p:cTn id="28" fill="hold">
-                            <p:stCondLst>
-                              <p:cond delay="0"/>
-                            </p:stCondLst>
-                            <p:childTnLst>
-                              <p:par>
-                                <p:cTn id="29" presetID="1" presetClass="entr" presetSubtype="0" fill="hold" nodeType="clickEffect">
-                                  <p:stCondLst>
-                                    <p:cond delay="0"/>
-                                  </p:stCondLst>
-                                  <p:childTnLst>
-                                    <p:set>
-                                      <p:cBhvr>
-                                        <p:cTn id="30" dur="1" fill="hold">
-                                          <p:stCondLst>
-                                            <p:cond delay="0"/>
-                                          </p:stCondLst>
-                                        </p:cTn>
-                                        <p:tgtEl>
-                                          <p:spTgt spid="5">
-                                            <p:txEl>
-                                              <p:pRg st="8" end="8"/>
-                                            </p:txEl>
-                                          </p:spTgt>
-                                        </p:tgtEl>
-                                        <p:attrNameLst>
-                                          <p:attrName>style.visibility</p:attrName>
-                                        </p:attrNameLst>
-                                      </p:cBhvr>
-                                      <p:to>
-                                        <p:strVal val="visible"/>
-                                      </p:to>
-                                    </p:set>
-                                  </p:childTnLst>
-                                </p:cTn>
-                              </p:par>
-                            </p:childTnLst>
-                          </p:cTn>
-                        </p:par>
-                      </p:childTnLst>
-                    </p:cTn>
-                  </p:par>
-                  <p:par>
-                    <p:cTn id="31" fill="hold">
-                      <p:stCondLst>
-                        <p:cond delay="indefinite"/>
-                      </p:stCondLst>
-                      <p:childTnLst>
-                        <p:par>
-                          <p:cTn id="32" fill="hold">
-                            <p:stCondLst>
-                              <p:cond delay="0"/>
-                            </p:stCondLst>
-                            <p:childTnLst>
-                              <p:par>
-                                <p:cTn id="33" presetID="1" presetClass="entr" presetSubtype="0" fill="hold" nodeType="clickEffect">
-                                  <p:stCondLst>
-                                    <p:cond delay="0"/>
-                                  </p:stCondLst>
-                                  <p:childTnLst>
-                                    <p:set>
-                                      <p:cBhvr>
-                                        <p:cTn id="34" dur="1" fill="hold">
-                                          <p:stCondLst>
-                                            <p:cond delay="0"/>
-                                          </p:stCondLst>
-                                        </p:cTn>
-                                        <p:tgtEl>
-                                          <p:spTgt spid="5">
-                                            <p:txEl>
-                                              <p:pRg st="9" end="9"/>
-                                            </p:txEl>
-                                          </p:spTgt>
-                                        </p:tgtEl>
-                                        <p:attrNameLst>
-                                          <p:attrName>style.visibility</p:attrName>
-                                        </p:attrNameLst>
-                                      </p:cBhvr>
-                                      <p:to>
-                                        <p:strVal val="visible"/>
-                                      </p:to>
-                                    </p:set>
-                                  </p:childTnLst>
-                                </p:cTn>
-                              </p:par>
-                            </p:childTnLst>
-                          </p:cTn>
-                        </p:par>
-                      </p:childTnLst>
-                    </p:cTn>
-                  </p:par>
-                  <p:par>
-                    <p:cTn id="35" fill="hold">
-                      <p:stCondLst>
-                        <p:cond delay="indefinite"/>
-                      </p:stCondLst>
-                      <p:childTnLst>
-                        <p:par>
-                          <p:cTn id="36" fill="hold">
-                            <p:stCondLst>
-                              <p:cond delay="0"/>
-                            </p:stCondLst>
-                            <p:childTnLst>
-                              <p:par>
-                                <p:cTn id="37" presetID="1" presetClass="entr" presetSubtype="0" fill="hold" nodeType="clickEffect">
-                                  <p:stCondLst>
-                                    <p:cond delay="0"/>
-                                  </p:stCondLst>
-                                  <p:childTnLst>
-                                    <p:set>
-                                      <p:cBhvr>
-                                        <p:cTn id="38" dur="1" fill="hold">
-                                          <p:stCondLst>
-                                            <p:cond delay="0"/>
-                                          </p:stCondLst>
-                                        </p:cTn>
-                                        <p:tgtEl>
-                                          <p:spTgt spid="5">
-                                            <p:txEl>
-                                              <p:pRg st="11" end="11"/>
-                                            </p:txEl>
-                                          </p:spTgt>
-                                        </p:tgtEl>
-                                        <p:attrNameLst>
-                                          <p:attrName>style.visibility</p:attrName>
-                                        </p:attrNameLst>
-                                      </p:cBhvr>
-                                      <p:to>
-                                        <p:strVal val="visible"/>
-                                      </p:to>
-                                    </p:set>
-                                  </p:childTnLst>
-                                </p:cTn>
-                              </p:par>
-                            </p:childTnLst>
-                          </p:cTn>
-                        </p:par>
-                      </p:childTnLst>
-                    </p:cTn>
-                  </p:par>
-                  <p:par>
-                    <p:cTn id="39" fill="hold">
-                      <p:stCondLst>
-                        <p:cond delay="indefinite"/>
-                      </p:stCondLst>
-                      <p:childTnLst>
-                        <p:par>
-                          <p:cTn id="40" fill="hold">
-                            <p:stCondLst>
-                              <p:cond delay="0"/>
-                            </p:stCondLst>
-                            <p:childTnLst>
-                              <p:par>
-                                <p:cTn id="41" presetID="1" presetClass="entr" presetSubtype="0" fill="hold" nodeType="clickEffect">
-                                  <p:stCondLst>
-                                    <p:cond delay="0"/>
-                                  </p:stCondLst>
-                                  <p:childTnLst>
-                                    <p:set>
-                                      <p:cBhvr>
-                                        <p:cTn id="42" dur="1" fill="hold">
-                                          <p:stCondLst>
-                                            <p:cond delay="0"/>
-                                          </p:stCondLst>
-                                        </p:cTn>
-                                        <p:tgtEl>
-                                          <p:spTgt spid="5">
-                                            <p:txEl>
-                                              <p:pRg st="12" end="12"/>
-                                            </p:txEl>
-                                          </p:spTgt>
-                                        </p:tgtEl>
-                                        <p:attrNameLst>
-                                          <p:attrName>style.visibility</p:attrName>
-                                        </p:attrNameLst>
-                                      </p:cBhvr>
-                                      <p:to>
-                                        <p:strVal val="visible"/>
-                                      </p:to>
-                                    </p:set>
-                                  </p:childTnLst>
-                                </p:cTn>
-                              </p:par>
-                            </p:childTnLst>
-                          </p:cTn>
-                        </p:par>
-                      </p:childTnLst>
-                    </p:cTn>
-                  </p:par>
-                  <p:par>
-                    <p:cTn id="43" fill="hold">
-                      <p:stCondLst>
-                        <p:cond delay="indefinite"/>
-                      </p:stCondLst>
-                      <p:childTnLst>
-                        <p:par>
-                          <p:cTn id="44" fill="hold">
-                            <p:stCondLst>
-                              <p:cond delay="0"/>
-                            </p:stCondLst>
-                            <p:childTnLst>
-                              <p:par>
-                                <p:cTn id="45" presetID="1" presetClass="entr" presetSubtype="0" fill="hold" nodeType="clickEffect">
-                                  <p:stCondLst>
-                                    <p:cond delay="0"/>
-                                  </p:stCondLst>
-                                  <p:childTnLst>
-                                    <p:set>
-                                      <p:cBhvr>
-                                        <p:cTn id="46" dur="1" fill="hold">
-                                          <p:stCondLst>
-                                            <p:cond delay="0"/>
-                                          </p:stCondLst>
-                                        </p:cTn>
-                                        <p:tgtEl>
-                                          <p:spTgt spid="5">
-                                            <p:txEl>
-                                              <p:pRg st="13" end="13"/>
-                                            </p:txEl>
-                                          </p:spTgt>
-                                        </p:tgtEl>
-                                        <p:attrNameLst>
-                                          <p:attrName>style.visibility</p:attrName>
-                                        </p:attrNameLst>
-                                      </p:cBhvr>
-                                      <p:to>
-                                        <p:strVal val="visible"/>
-                                      </p:to>
-                                    </p:set>
-                                  </p:childTnLst>
-                                </p:cTn>
-                              </p:par>
-                            </p:childTnLst>
-                          </p:cTn>
-                        </p:par>
-                      </p:childTnLst>
-                    </p:cTn>
-                  </p:par>
-                  <p:par>
-                    <p:cTn id="47" fill="hold">
-                      <p:stCondLst>
-                        <p:cond delay="indefinite"/>
-                      </p:stCondLst>
-                      <p:childTnLst>
-                        <p:par>
-                          <p:cTn id="48" fill="hold">
-                            <p:stCondLst>
-                              <p:cond delay="0"/>
-                            </p:stCondLst>
-                            <p:childTnLst>
-                              <p:par>
-                                <p:cTn id="49" presetID="1" presetClass="entr" presetSubtype="0" fill="hold" nodeType="clickEffect">
-                                  <p:stCondLst>
-                                    <p:cond delay="0"/>
-                                  </p:stCondLst>
-                                  <p:childTnLst>
-                                    <p:set>
-                                      <p:cBhvr>
-                                        <p:cTn id="50" dur="1" fill="hold">
-                                          <p:stCondLst>
-                                            <p:cond delay="0"/>
-                                          </p:stCondLst>
-                                        </p:cTn>
-                                        <p:tgtEl>
-                                          <p:spTgt spid="5">
-                                            <p:txEl>
-                                              <p:pRg st="14" end="14"/>
-                                            </p:txEl>
-                                          </p:spTgt>
-                                        </p:tgtEl>
-                                        <p:attrNameLst>
-                                          <p:attrName>style.visibility</p:attrName>
-                                        </p:attrNameLst>
-                                      </p:cBhvr>
-                                      <p:to>
-                                        <p:strVal val="visible"/>
-                                      </p:to>
-                                    </p:set>
-                                  </p:childTnLst>
-                                </p:cTn>
-                              </p:par>
-                            </p:childTnLst>
-                          </p:cTn>
-                        </p:par>
-                      </p:childTnLst>
-                    </p:cTn>
-                  </p:par>
-                  <p:par>
-                    <p:cTn id="51" fill="hold">
-                      <p:stCondLst>
-                        <p:cond delay="indefinite"/>
-                      </p:stCondLst>
-                      <p:childTnLst>
-                        <p:par>
-                          <p:cTn id="52" fill="hold">
-                            <p:stCondLst>
-                              <p:cond delay="0"/>
-                            </p:stCondLst>
-                            <p:childTnLst>
-                              <p:par>
-                                <p:cTn id="53" presetID="1" presetClass="entr" presetSubtype="0" fill="hold" nodeType="clickEffect">
-                                  <p:stCondLst>
-                                    <p:cond delay="0"/>
-                                  </p:stCondLst>
-                                  <p:childTnLst>
-                                    <p:set>
-                                      <p:cBhvr>
-                                        <p:cTn id="54" dur="1" fill="hold">
-                                          <p:stCondLst>
-                                            <p:cond delay="0"/>
-                                          </p:stCondLst>
-                                        </p:cTn>
-                                        <p:tgtEl>
-                                          <p:spTgt spid="5">
-                                            <p:txEl>
-                                              <p:pRg st="16" end="16"/>
-                                            </p:txEl>
-                                          </p:spTgt>
-                                        </p:tgtEl>
-                                        <p:attrNameLst>
-                                          <p:attrName>style.visibility</p:attrName>
-                                        </p:attrNameLst>
-                                      </p:cBhvr>
-                                      <p:to>
-                                        <p:strVal val="visible"/>
-                                      </p:to>
-                                    </p:set>
-                                  </p:childTnLst>
-                                </p:cTn>
-                              </p:par>
-                            </p:childTnLst>
-                          </p:cTn>
-                        </p:par>
-                      </p:childTnLst>
-                    </p:cTn>
-                  </p:par>
-                </p:childTnLst>
-              </p:cTn>
-              <p:prevCondLst>
-                <p:cond evt="onPrev" delay="0">
-                  <p:tgtEl>
-                    <p:sldTgt/>
-                  </p:tgtEl>
-                </p:cond>
-              </p:prevCondLst>
-              <p:nextCondLst>
-                <p:cond evt="onNext" delay="0">
-                  <p:tgtEl>
-                    <p:sldTgt/>
-                  </p:tgtEl>
-                </p:cond>
-              </p:nextCondLst>
-            </p:seq>
-          </p:childTnLst>
-        </p:cTn>
-      </p:par>
-    </p:tnLst>
-  </p:timing>
-</p:sld>
-</file>
-
-<file path=ppt/slides/slide8.xml><?xml version="1.0" encoding="utf-8"?>
-<p:sld xmlns:a="http://schemas.openxmlformats.org/drawingml/2006/main" xmlns:r="http://schemas.openxmlformats.org/officeDocument/2006/relationships" xmlns:p="http://schemas.openxmlformats.org/presentationml/2006/main">
-  <p:cSld>
-    <p:bg>
-      <p:bgPr>
-        <a:blipFill dpi="0" rotWithShape="1">
-          <a:blip r:embed="rId3">
-            <a:lum/>
-          </a:blip>
-          <a:srcRect/>
-          <a:stretch>
-            <a:fillRect/>
-          </a:stretch>
-        </a:blipFill>
-        <a:effectLst/>
-      </p:bgPr>
-    </p:bg>
-    <p:spTree>
-      <p:nvGrpSpPr>
-        <p:cNvPr id="1" name=""/>
-        <p:cNvGrpSpPr/>
-        <p:nvPr/>
-      </p:nvGrpSpPr>
-      <p:grpSpPr>
-        <a:xfrm>
-          <a:off x="0" y="0"/>
-          <a:ext cx="0" cy="0"/>
-          <a:chOff x="0" y="0"/>
-          <a:chExt cx="0" cy="0"/>
-        </a:xfrm>
-      </p:grpSpPr>
-      <p:sp>
-        <p:nvSpPr>
-          <p:cNvPr id="20" name="Rectangle 2"/>
-          <p:cNvSpPr txBox="1">
-            <a:spLocks noChangeArrowheads="1"/>
-          </p:cNvSpPr>
-          <p:nvPr/>
-        </p:nvSpPr>
-        <p:spPr bwMode="auto">
-          <a:xfrm>
-            <a:off x="3287209" y="268057"/>
-            <a:ext cx="8229600" cy="826818"/>
-          </a:xfrm>
-          <a:prstGeom prst="rect">
-            <a:avLst/>
-          </a:prstGeom>
-          <a:noFill/>
-          <a:ln>
-            <a:noFill/>
-          </a:ln>
-          <a:effectLst/>
-          <a:extLst>
-            <a:ext uri="{909E8E84-426E-40DD-AFC4-6F175D3DCCD1}">
-              <a14:hiddenFill xmlns:a14="http://schemas.microsoft.com/office/drawing/2010/main">
-                <a:solidFill>
-                  <a:schemeClr val="accent1"/>
-                </a:solidFill>
-              </a14:hiddenFill>
-            </a:ext>
-            <a:ext uri="{91240B29-F687-4F45-9708-019B960494DF}">
-              <a14:hiddenLine xmlns:a14="http://schemas.microsoft.com/office/drawing/2010/main" w="9525">
-                <a:solidFill>
-                  <a:schemeClr val="tx1"/>
-                </a:solidFill>
-                <a:miter lim="800000"/>
-                <a:headEnd/>
-                <a:tailEnd/>
-              </a14:hiddenLine>
-            </a:ext>
-            <a:ext uri="{AF507438-7753-43E0-B8FC-AC1667EBCBE1}">
-              <a14:hiddenEffects xmlns:a14="http://schemas.microsoft.com/office/drawing/2010/main">
-                <a:effectLst>
-                  <a:outerShdw dist="35921" dir="2700000" algn="ctr" rotWithShape="0">
-                    <a:schemeClr val="bg2"/>
-                  </a:outerShdw>
-                </a:effectLst>
-              </a14:hiddenEffects>
-            </a:ext>
-          </a:extLst>
-        </p:spPr>
-        <p:txBody>
-          <a:bodyPr vert="horz" wrap="square" lIns="91440" tIns="45720" rIns="91440" bIns="45720" numCol="1" anchor="t" anchorCtr="0" compatLnSpc="1">
-            <a:prstTxWarp prst="textNoShape">
-              <a:avLst/>
-            </a:prstTxWarp>
-          </a:bodyPr>
-          <a:lstStyle>
-            <a:lvl1pPr algn="l" rtl="1" eaLnBrk="0" fontAlgn="base" hangingPunct="0">
-              <a:spcBef>
-                <a:spcPct val="0"/>
-              </a:spcBef>
-              <a:spcAft>
-                <a:spcPct val="0"/>
-              </a:spcAft>
-              <a:defRPr sz="4200">
-                <a:solidFill>
-                  <a:schemeClr val="tx2"/>
-                </a:solidFill>
-                <a:latin typeface="+mj-lt"/>
-                <a:ea typeface="+mj-ea"/>
-                <a:cs typeface="+mj-cs"/>
-              </a:defRPr>
-            </a:lvl1pPr>
-            <a:lvl2pPr algn="l" rtl="1" eaLnBrk="0" fontAlgn="base" hangingPunct="0">
-              <a:spcBef>
-                <a:spcPct val="0"/>
-              </a:spcBef>
-              <a:spcAft>
-                <a:spcPct val="0"/>
-              </a:spcAft>
-              <a:defRPr sz="4200">
-                <a:solidFill>
-                  <a:schemeClr val="tx2"/>
-                </a:solidFill>
-                <a:latin typeface="Garamond" pitchFamily="18" charset="0"/>
-                <a:cs typeface="Arial" pitchFamily="34" charset="0"/>
-              </a:defRPr>
-            </a:lvl2pPr>
-            <a:lvl3pPr algn="l" rtl="1" eaLnBrk="0" fontAlgn="base" hangingPunct="0">
-              <a:spcBef>
-                <a:spcPct val="0"/>
-              </a:spcBef>
-              <a:spcAft>
-                <a:spcPct val="0"/>
-              </a:spcAft>
-              <a:defRPr sz="4200">
-                <a:solidFill>
-                  <a:schemeClr val="tx2"/>
-                </a:solidFill>
-                <a:latin typeface="Garamond" pitchFamily="18" charset="0"/>
-                <a:cs typeface="Arial" pitchFamily="34" charset="0"/>
-              </a:defRPr>
-            </a:lvl3pPr>
-            <a:lvl4pPr algn="l" rtl="1" eaLnBrk="0" fontAlgn="base" hangingPunct="0">
-              <a:spcBef>
-                <a:spcPct val="0"/>
-              </a:spcBef>
-              <a:spcAft>
-                <a:spcPct val="0"/>
-              </a:spcAft>
-              <a:defRPr sz="4200">
-                <a:solidFill>
-                  <a:schemeClr val="tx2"/>
-                </a:solidFill>
-                <a:latin typeface="Garamond" pitchFamily="18" charset="0"/>
-                <a:cs typeface="Arial" pitchFamily="34" charset="0"/>
-              </a:defRPr>
-            </a:lvl4pPr>
-            <a:lvl5pPr algn="l" rtl="1" eaLnBrk="0" fontAlgn="base" hangingPunct="0">
-              <a:spcBef>
-                <a:spcPct val="0"/>
-              </a:spcBef>
-              <a:spcAft>
-                <a:spcPct val="0"/>
-              </a:spcAft>
-              <a:defRPr sz="4200">
-                <a:solidFill>
-                  <a:schemeClr val="tx2"/>
-                </a:solidFill>
-                <a:latin typeface="Garamond" pitchFamily="18" charset="0"/>
-                <a:cs typeface="Arial" pitchFamily="34" charset="0"/>
-              </a:defRPr>
-            </a:lvl5pPr>
-            <a:lvl6pPr marL="457200" algn="l" rtl="1" fontAlgn="base">
-              <a:spcBef>
-                <a:spcPct val="0"/>
-              </a:spcBef>
-              <a:spcAft>
-                <a:spcPct val="0"/>
-              </a:spcAft>
-              <a:defRPr sz="4200">
-                <a:solidFill>
-                  <a:schemeClr val="tx2"/>
-                </a:solidFill>
-                <a:latin typeface="Garamond" pitchFamily="18" charset="0"/>
-                <a:cs typeface="Arial" pitchFamily="34" charset="0"/>
-              </a:defRPr>
-            </a:lvl6pPr>
-            <a:lvl7pPr marL="914400" algn="l" rtl="1" fontAlgn="base">
-              <a:spcBef>
-                <a:spcPct val="0"/>
-              </a:spcBef>
-              <a:spcAft>
-                <a:spcPct val="0"/>
-              </a:spcAft>
-              <a:defRPr sz="4200">
-                <a:solidFill>
-                  <a:schemeClr val="tx2"/>
-                </a:solidFill>
-                <a:latin typeface="Garamond" pitchFamily="18" charset="0"/>
-                <a:cs typeface="Arial" pitchFamily="34" charset="0"/>
-              </a:defRPr>
-            </a:lvl7pPr>
-            <a:lvl8pPr marL="1371600" algn="l" rtl="1" fontAlgn="base">
-              <a:spcBef>
-                <a:spcPct val="0"/>
-              </a:spcBef>
-              <a:spcAft>
-                <a:spcPct val="0"/>
-              </a:spcAft>
-              <a:defRPr sz="4200">
-                <a:solidFill>
-                  <a:schemeClr val="tx2"/>
-                </a:solidFill>
-                <a:latin typeface="Garamond" pitchFamily="18" charset="0"/>
-                <a:cs typeface="Arial" pitchFamily="34" charset="0"/>
-              </a:defRPr>
-            </a:lvl8pPr>
-            <a:lvl9pPr marL="1828800" algn="l" rtl="1" fontAlgn="base">
-              <a:spcBef>
-                <a:spcPct val="0"/>
-              </a:spcBef>
-              <a:spcAft>
-                <a:spcPct val="0"/>
-              </a:spcAft>
-              <a:defRPr sz="4200">
-                <a:solidFill>
-                  <a:schemeClr val="tx2"/>
-                </a:solidFill>
-                <a:latin typeface="Garamond" pitchFamily="18" charset="0"/>
-                <a:cs typeface="Arial" pitchFamily="34" charset="0"/>
-              </a:defRPr>
-            </a:lvl9pPr>
-          </a:lstStyle>
-          <a:p>
-            <a:pPr marL="0" marR="0" lvl="0" indent="0" algn="r" defTabSz="914400" rtl="1" eaLnBrk="1" fontAlgn="base" latinLnBrk="0" hangingPunct="1">
-              <a:lnSpc>
-                <a:spcPct val="100000"/>
-              </a:lnSpc>
-              <a:spcBef>
-                <a:spcPct val="0"/>
-              </a:spcBef>
-              <a:spcAft>
-                <a:spcPct val="0"/>
-              </a:spcAft>
-              <a:buClrTx/>
-              <a:buSzTx/>
-              <a:buFontTx/>
-              <a:buNone/>
-              <a:tabLst/>
-              <a:defRPr/>
-            </a:pPr>
-            <a:r>
-              <a:rPr kumimoji="0" lang="he-IL" altLang="he-IL" sz="4200" b="0" i="0" u="none" strike="noStrike" kern="0" cap="none" spc="0" normalizeH="0" baseline="0" noProof="0" dirty="0">
+              <a:t> </a:t>
+            </a:r>
+            <a:r>
+              <a:rPr kumimoji="0" lang="en-US" altLang="he-IL" sz="4200" b="0" i="0" u="none" strike="noStrike" kern="0" cap="none" spc="0" normalizeH="0" baseline="0" noProof="0" dirty="0">
                 <a:ln>
                   <a:noFill/>
                 </a:ln>
@@ -13944,56 +11839,8 @@
                 <a:ea typeface="+mj-ea"/>
                 <a:cs typeface="Arial"/>
               </a:rPr>
-              <a:t>תרגיל</a:t>
-            </a:r>
-            <a:r>
-              <a:rPr kumimoji="0" lang="en-US" altLang="he-IL" sz="4200" b="0" i="0" u="none" strike="noStrike" kern="0" cap="none" spc="0" normalizeH="0" baseline="0" noProof="0" dirty="0">
-                <a:ln>
-                  <a:noFill/>
-                </a:ln>
-                <a:solidFill>
-                  <a:srgbClr val="006633"/>
-                </a:solidFill>
-                <a:effectLst/>
-                <a:uLnTx/>
-                <a:uFillTx/>
-                <a:latin typeface="Garamond"/>
-                <a:ea typeface="+mj-ea"/>
-                <a:cs typeface="Arial"/>
-              </a:rPr>
-              <a:t> </a:t>
-            </a:r>
-            <a:r>
-              <a:rPr kumimoji="0" lang="he-IL" altLang="he-IL" sz="4200" b="0" i="0" u="none" strike="noStrike" kern="0" cap="none" spc="0" normalizeH="0" baseline="0" noProof="0" dirty="0">
-                <a:ln>
-                  <a:noFill/>
-                </a:ln>
-                <a:solidFill>
-                  <a:srgbClr val="006633"/>
-                </a:solidFill>
-                <a:effectLst/>
-                <a:uLnTx/>
-                <a:uFillTx/>
-                <a:latin typeface="Garamond"/>
-                <a:ea typeface="+mj-ea"/>
-                <a:cs typeface="Arial"/>
-              </a:rPr>
-              <a:t> 4</a:t>
-            </a:r>
-            <a:endParaRPr kumimoji="0" lang="en-US" altLang="he-IL" sz="4200" b="0" i="0" u="none" strike="noStrike" kern="0" cap="none" spc="0" normalizeH="0" baseline="0" noProof="0" dirty="0">
-              <a:ln>
-                <a:noFill/>
-              </a:ln>
-              <a:solidFill>
-                <a:srgbClr val="006633"/>
-              </a:solidFill>
-              <a:effectLst/>
-              <a:uLnTx/>
-              <a:uFillTx/>
-              <a:latin typeface="Garamond"/>
-              <a:ea typeface="+mj-ea"/>
-              <a:cs typeface="Arial"/>
-            </a:endParaRPr>
+              <a:t>3</a:t>
+            </a:r>
           </a:p>
         </p:txBody>
       </p:sp>
@@ -14431,7 +12278,7 @@
 </p:sld>
 </file>
 
-<file path=ppt/slides/slide9.xml><?xml version="1.0" encoding="utf-8"?>
+<file path=ppt/slides/slide8.xml><?xml version="1.0" encoding="utf-8"?>
 <p:sld xmlns:a="http://schemas.openxmlformats.org/drawingml/2006/main" xmlns:r="http://schemas.openxmlformats.org/officeDocument/2006/relationships" xmlns:p="http://schemas.openxmlformats.org/presentationml/2006/main">
   <p:cSld>
     <p:bg>
@@ -14723,22 +12570,25 @@
                 <a:ea typeface="+mj-ea"/>
                 <a:cs typeface="Arial"/>
               </a:rPr>
-              <a:t> 5</a:t>
-            </a:r>
-            <a:endParaRPr kumimoji="0" lang="en-US" altLang="he-IL" sz="4200" b="0" i="0" u="none" strike="noStrike" kern="0" cap="none" spc="0" normalizeH="0" baseline="0" noProof="0" dirty="0">
-              <a:ln>
-                <a:noFill/>
-              </a:ln>
-              <a:solidFill>
-                <a:srgbClr val="006633"/>
-              </a:solidFill>
-              <a:effectLst/>
-              <a:uLnTx/>
-              <a:uFillTx/>
-              <a:latin typeface="Garamond"/>
-              <a:ea typeface="+mj-ea"/>
-              <a:cs typeface="Arial"/>
-            </a:endParaRPr>
+              <a:t> </a:t>
+            </a:r>
+            <a:r>
+              <a:rPr kumimoji="0" lang="en-US" altLang="he-IL" sz="4200" b="0" i="0" u="none" strike="noStrike" kern="0" cap="none" spc="0" normalizeH="0" baseline="0" noProof="0" dirty="0">
+                <a:ln>
+                  <a:noFill/>
+                </a:ln>
+                <a:solidFill>
+                  <a:srgbClr val="006633"/>
+                </a:solidFill>
+                <a:effectLst/>
+                <a:uLnTx/>
+                <a:uFillTx/>
+                <a:latin typeface="Garamond"/>
+                <a:ea typeface="+mj-ea"/>
+                <a:cs typeface="Arial"/>
+              </a:rPr>
+              <a:t>4</a:t>
+            </a:r>
           </a:p>
         </p:txBody>
       </p:sp>
@@ -15726,6 +13576,710 @@
       <p:bldP spid="19" grpId="0" animBg="1"/>
       <p:bldP spid="27" grpId="0" animBg="1"/>
       <p:bldP spid="32" grpId="0"/>
+    </p:bldLst>
+  </p:timing>
+</p:sld>
+</file>
+
+<file path=ppt/slides/slide9.xml><?xml version="1.0" encoding="utf-8"?>
+<p:sld xmlns:a="http://schemas.openxmlformats.org/drawingml/2006/main" xmlns:r="http://schemas.openxmlformats.org/officeDocument/2006/relationships" xmlns:p="http://schemas.openxmlformats.org/presentationml/2006/main">
+  <p:cSld>
+    <p:bg>
+      <p:bgPr>
+        <a:blipFill dpi="0" rotWithShape="1">
+          <a:blip r:embed="rId3">
+            <a:lum/>
+          </a:blip>
+          <a:srcRect/>
+          <a:stretch>
+            <a:fillRect/>
+          </a:stretch>
+        </a:blipFill>
+        <a:effectLst/>
+      </p:bgPr>
+    </p:bg>
+    <p:spTree>
+      <p:nvGrpSpPr>
+        <p:cNvPr id="1" name=""/>
+        <p:cNvGrpSpPr/>
+        <p:nvPr/>
+      </p:nvGrpSpPr>
+      <p:grpSpPr>
+        <a:xfrm>
+          <a:off x="0" y="0"/>
+          <a:ext cx="0" cy="0"/>
+          <a:chOff x="0" y="0"/>
+          <a:chExt cx="0" cy="0"/>
+        </a:xfrm>
+      </p:grpSpPr>
+      <p:sp>
+        <p:nvSpPr>
+          <p:cNvPr id="20" name="Rectangle 2"/>
+          <p:cNvSpPr txBox="1">
+            <a:spLocks noChangeArrowheads="1"/>
+          </p:cNvSpPr>
+          <p:nvPr/>
+        </p:nvSpPr>
+        <p:spPr bwMode="auto">
+          <a:xfrm>
+            <a:off x="3287209" y="290463"/>
+            <a:ext cx="8229600" cy="826818"/>
+          </a:xfrm>
+          <a:prstGeom prst="rect">
+            <a:avLst/>
+          </a:prstGeom>
+          <a:noFill/>
+          <a:ln>
+            <a:noFill/>
+          </a:ln>
+          <a:effectLst/>
+          <a:extLst>
+            <a:ext uri="{909E8E84-426E-40DD-AFC4-6F175D3DCCD1}">
+              <a14:hiddenFill xmlns:a14="http://schemas.microsoft.com/office/drawing/2010/main">
+                <a:solidFill>
+                  <a:schemeClr val="accent1"/>
+                </a:solidFill>
+              </a14:hiddenFill>
+            </a:ext>
+            <a:ext uri="{91240B29-F687-4F45-9708-019B960494DF}">
+              <a14:hiddenLine xmlns:a14="http://schemas.microsoft.com/office/drawing/2010/main" w="9525">
+                <a:solidFill>
+                  <a:schemeClr val="tx1"/>
+                </a:solidFill>
+                <a:miter lim="800000"/>
+                <a:headEnd/>
+                <a:tailEnd/>
+              </a14:hiddenLine>
+            </a:ext>
+            <a:ext uri="{AF507438-7753-43E0-B8FC-AC1667EBCBE1}">
+              <a14:hiddenEffects xmlns:a14="http://schemas.microsoft.com/office/drawing/2010/main">
+                <a:effectLst>
+                  <a:outerShdw dist="35921" dir="2700000" algn="ctr" rotWithShape="0">
+                    <a:schemeClr val="bg2"/>
+                  </a:outerShdw>
+                </a:effectLst>
+              </a14:hiddenEffects>
+            </a:ext>
+          </a:extLst>
+        </p:spPr>
+        <p:txBody>
+          <a:bodyPr vert="horz" wrap="square" lIns="91440" tIns="45720" rIns="91440" bIns="45720" numCol="1" anchor="t" anchorCtr="0" compatLnSpc="1">
+            <a:prstTxWarp prst="textNoShape">
+              <a:avLst/>
+            </a:prstTxWarp>
+          </a:bodyPr>
+          <a:lstStyle>
+            <a:lvl1pPr algn="l" rtl="1" eaLnBrk="0" fontAlgn="base" hangingPunct="0">
+              <a:spcBef>
+                <a:spcPct val="0"/>
+              </a:spcBef>
+              <a:spcAft>
+                <a:spcPct val="0"/>
+              </a:spcAft>
+              <a:defRPr sz="4200">
+                <a:solidFill>
+                  <a:schemeClr val="tx2"/>
+                </a:solidFill>
+                <a:latin typeface="+mj-lt"/>
+                <a:ea typeface="+mj-ea"/>
+                <a:cs typeface="+mj-cs"/>
+              </a:defRPr>
+            </a:lvl1pPr>
+            <a:lvl2pPr algn="l" rtl="1" eaLnBrk="0" fontAlgn="base" hangingPunct="0">
+              <a:spcBef>
+                <a:spcPct val="0"/>
+              </a:spcBef>
+              <a:spcAft>
+                <a:spcPct val="0"/>
+              </a:spcAft>
+              <a:defRPr sz="4200">
+                <a:solidFill>
+                  <a:schemeClr val="tx2"/>
+                </a:solidFill>
+                <a:latin typeface="Garamond" pitchFamily="18" charset="0"/>
+                <a:cs typeface="Arial" pitchFamily="34" charset="0"/>
+              </a:defRPr>
+            </a:lvl2pPr>
+            <a:lvl3pPr algn="l" rtl="1" eaLnBrk="0" fontAlgn="base" hangingPunct="0">
+              <a:spcBef>
+                <a:spcPct val="0"/>
+              </a:spcBef>
+              <a:spcAft>
+                <a:spcPct val="0"/>
+              </a:spcAft>
+              <a:defRPr sz="4200">
+                <a:solidFill>
+                  <a:schemeClr val="tx2"/>
+                </a:solidFill>
+                <a:latin typeface="Garamond" pitchFamily="18" charset="0"/>
+                <a:cs typeface="Arial" pitchFamily="34" charset="0"/>
+              </a:defRPr>
+            </a:lvl3pPr>
+            <a:lvl4pPr algn="l" rtl="1" eaLnBrk="0" fontAlgn="base" hangingPunct="0">
+              <a:spcBef>
+                <a:spcPct val="0"/>
+              </a:spcBef>
+              <a:spcAft>
+                <a:spcPct val="0"/>
+              </a:spcAft>
+              <a:defRPr sz="4200">
+                <a:solidFill>
+                  <a:schemeClr val="tx2"/>
+                </a:solidFill>
+                <a:latin typeface="Garamond" pitchFamily="18" charset="0"/>
+                <a:cs typeface="Arial" pitchFamily="34" charset="0"/>
+              </a:defRPr>
+            </a:lvl4pPr>
+            <a:lvl5pPr algn="l" rtl="1" eaLnBrk="0" fontAlgn="base" hangingPunct="0">
+              <a:spcBef>
+                <a:spcPct val="0"/>
+              </a:spcBef>
+              <a:spcAft>
+                <a:spcPct val="0"/>
+              </a:spcAft>
+              <a:defRPr sz="4200">
+                <a:solidFill>
+                  <a:schemeClr val="tx2"/>
+                </a:solidFill>
+                <a:latin typeface="Garamond" pitchFamily="18" charset="0"/>
+                <a:cs typeface="Arial" pitchFamily="34" charset="0"/>
+              </a:defRPr>
+            </a:lvl5pPr>
+            <a:lvl6pPr marL="457200" algn="l" rtl="1" fontAlgn="base">
+              <a:spcBef>
+                <a:spcPct val="0"/>
+              </a:spcBef>
+              <a:spcAft>
+                <a:spcPct val="0"/>
+              </a:spcAft>
+              <a:defRPr sz="4200">
+                <a:solidFill>
+                  <a:schemeClr val="tx2"/>
+                </a:solidFill>
+                <a:latin typeface="Garamond" pitchFamily="18" charset="0"/>
+                <a:cs typeface="Arial" pitchFamily="34" charset="0"/>
+              </a:defRPr>
+            </a:lvl6pPr>
+            <a:lvl7pPr marL="914400" algn="l" rtl="1" fontAlgn="base">
+              <a:spcBef>
+                <a:spcPct val="0"/>
+              </a:spcBef>
+              <a:spcAft>
+                <a:spcPct val="0"/>
+              </a:spcAft>
+              <a:defRPr sz="4200">
+                <a:solidFill>
+                  <a:schemeClr val="tx2"/>
+                </a:solidFill>
+                <a:latin typeface="Garamond" pitchFamily="18" charset="0"/>
+                <a:cs typeface="Arial" pitchFamily="34" charset="0"/>
+              </a:defRPr>
+            </a:lvl7pPr>
+            <a:lvl8pPr marL="1371600" algn="l" rtl="1" fontAlgn="base">
+              <a:spcBef>
+                <a:spcPct val="0"/>
+              </a:spcBef>
+              <a:spcAft>
+                <a:spcPct val="0"/>
+              </a:spcAft>
+              <a:defRPr sz="4200">
+                <a:solidFill>
+                  <a:schemeClr val="tx2"/>
+                </a:solidFill>
+                <a:latin typeface="Garamond" pitchFamily="18" charset="0"/>
+                <a:cs typeface="Arial" pitchFamily="34" charset="0"/>
+              </a:defRPr>
+            </a:lvl8pPr>
+            <a:lvl9pPr marL="1828800" algn="l" rtl="1" fontAlgn="base">
+              <a:spcBef>
+                <a:spcPct val="0"/>
+              </a:spcBef>
+              <a:spcAft>
+                <a:spcPct val="0"/>
+              </a:spcAft>
+              <a:defRPr sz="4200">
+                <a:solidFill>
+                  <a:schemeClr val="tx2"/>
+                </a:solidFill>
+                <a:latin typeface="Garamond" pitchFamily="18" charset="0"/>
+                <a:cs typeface="Arial" pitchFamily="34" charset="0"/>
+              </a:defRPr>
+            </a:lvl9pPr>
+          </a:lstStyle>
+          <a:p>
+            <a:pPr marL="0" marR="0" lvl="0" indent="0" algn="r" defTabSz="914400" rtl="1" eaLnBrk="1" fontAlgn="base" latinLnBrk="0" hangingPunct="1">
+              <a:lnSpc>
+                <a:spcPct val="100000"/>
+              </a:lnSpc>
+              <a:spcBef>
+                <a:spcPct val="0"/>
+              </a:spcBef>
+              <a:spcAft>
+                <a:spcPct val="0"/>
+              </a:spcAft>
+              <a:buClrTx/>
+              <a:buSzTx/>
+              <a:buFontTx/>
+              <a:buNone/>
+              <a:tabLst/>
+              <a:defRPr/>
+            </a:pPr>
+            <a:r>
+              <a:rPr kumimoji="0" lang="he-IL" altLang="he-IL" sz="4200" b="0" i="0" u="none" strike="noStrike" kern="0" cap="none" spc="0" normalizeH="0" baseline="0" noProof="0" dirty="0">
+                <a:ln>
+                  <a:noFill/>
+                </a:ln>
+                <a:solidFill>
+                  <a:srgbClr val="006633"/>
+                </a:solidFill>
+                <a:effectLst/>
+                <a:uLnTx/>
+                <a:uFillTx/>
+                <a:latin typeface="Garamond"/>
+                <a:ea typeface="+mj-ea"/>
+                <a:cs typeface="Arial"/>
+              </a:rPr>
+              <a:t>תרגיל</a:t>
+            </a:r>
+            <a:r>
+              <a:rPr kumimoji="0" lang="en-US" altLang="he-IL" sz="4200" b="0" i="0" u="none" strike="noStrike" kern="0" cap="none" spc="0" normalizeH="0" baseline="0" noProof="0" dirty="0">
+                <a:ln>
+                  <a:noFill/>
+                </a:ln>
+                <a:solidFill>
+                  <a:srgbClr val="006633"/>
+                </a:solidFill>
+                <a:effectLst/>
+                <a:uLnTx/>
+                <a:uFillTx/>
+                <a:latin typeface="Garamond"/>
+                <a:ea typeface="+mj-ea"/>
+                <a:cs typeface="Arial"/>
+              </a:rPr>
+              <a:t> </a:t>
+            </a:r>
+            <a:r>
+              <a:rPr kumimoji="0" lang="he-IL" altLang="he-IL" sz="4200" b="0" i="0" u="none" strike="noStrike" kern="0" cap="none" spc="0" normalizeH="0" baseline="0" noProof="0" dirty="0">
+                <a:ln>
+                  <a:noFill/>
+                </a:ln>
+                <a:solidFill>
+                  <a:srgbClr val="006633"/>
+                </a:solidFill>
+                <a:effectLst/>
+                <a:uLnTx/>
+                <a:uFillTx/>
+                <a:latin typeface="Garamond"/>
+                <a:ea typeface="+mj-ea"/>
+                <a:cs typeface="Arial"/>
+              </a:rPr>
+              <a:t> </a:t>
+            </a:r>
+            <a:r>
+              <a:rPr kumimoji="0" lang="en-US" altLang="he-IL" sz="4200" b="0" i="0" u="none" strike="noStrike" kern="0" cap="none" spc="0" normalizeH="0" baseline="0" noProof="0" dirty="0">
+                <a:ln>
+                  <a:noFill/>
+                </a:ln>
+                <a:solidFill>
+                  <a:srgbClr val="006633"/>
+                </a:solidFill>
+                <a:effectLst/>
+                <a:uLnTx/>
+                <a:uFillTx/>
+                <a:latin typeface="Garamond"/>
+                <a:ea typeface="+mj-ea"/>
+                <a:cs typeface="Arial"/>
+              </a:rPr>
+              <a:t>5</a:t>
+            </a:r>
+          </a:p>
+        </p:txBody>
+      </p:sp>
+      <p:sp>
+        <p:nvSpPr>
+          <p:cNvPr id="3" name="TextBox 2">
+            <a:extLst>
+              <a:ext uri="{FF2B5EF4-FFF2-40B4-BE49-F238E27FC236}">
+                <a16:creationId xmlns:a16="http://schemas.microsoft.com/office/drawing/2014/main" id="{C1729EC4-C624-A19E-7165-3E76E6F25B0A}"/>
+              </a:ext>
+            </a:extLst>
+          </p:cNvPr>
+          <p:cNvSpPr txBox="1"/>
+          <p:nvPr/>
+        </p:nvSpPr>
+        <p:spPr>
+          <a:xfrm>
+            <a:off x="3056021" y="955185"/>
+            <a:ext cx="8460788" cy="646331"/>
+          </a:xfrm>
+          <a:prstGeom prst="rect">
+            <a:avLst/>
+          </a:prstGeom>
+          <a:noFill/>
+        </p:spPr>
+        <p:txBody>
+          <a:bodyPr wrap="square">
+            <a:spAutoFit/>
+          </a:bodyPr>
+          <a:lstStyle/>
+          <a:p>
+            <a:r>
+              <a:rPr lang="he-IL" dirty="0"/>
+              <a:t>כתבו </a:t>
+            </a:r>
+            <a:r>
+              <a:rPr lang="he-IL" dirty="0" err="1"/>
+              <a:t>פסאודו</a:t>
+            </a:r>
+            <a:r>
+              <a:rPr lang="he-IL" dirty="0"/>
+              <a:t>-קוד של אלגוריתם המקבל רשימה מקושרת חד-כיוונית מעגלית ומוסיף איבר נוסף ל"סוף" רשימה (לפני איבר שמצביע לראש רשימה).</a:t>
+            </a:r>
+            <a:endParaRPr lang="en-US" dirty="0"/>
+          </a:p>
+        </p:txBody>
+      </p:sp>
+      <p:sp>
+        <p:nvSpPr>
+          <p:cNvPr id="4" name="TextBox 3">
+            <a:extLst>
+              <a:ext uri="{FF2B5EF4-FFF2-40B4-BE49-F238E27FC236}">
+                <a16:creationId xmlns:a16="http://schemas.microsoft.com/office/drawing/2014/main" id="{121427C5-DBEB-52E1-9C71-924274FE010E}"/>
+              </a:ext>
+            </a:extLst>
+          </p:cNvPr>
+          <p:cNvSpPr txBox="1"/>
+          <p:nvPr/>
+        </p:nvSpPr>
+        <p:spPr>
+          <a:xfrm>
+            <a:off x="1305007" y="1836132"/>
+            <a:ext cx="6097002" cy="4278094"/>
+          </a:xfrm>
+          <a:prstGeom prst="rect">
+            <a:avLst/>
+          </a:prstGeom>
+          <a:noFill/>
+        </p:spPr>
+        <p:txBody>
+          <a:bodyPr wrap="square">
+            <a:spAutoFit/>
+          </a:bodyPr>
+          <a:lstStyle/>
+          <a:p>
+            <a:pPr algn="l" rtl="0"/>
+            <a:r>
+              <a:rPr lang="en-US" sz="1600" b="1" dirty="0"/>
+              <a:t>function </a:t>
+            </a:r>
+            <a:r>
+              <a:rPr lang="en-US" sz="1600" b="1" dirty="0" err="1"/>
+              <a:t>addAtEndCircularLinkedList</a:t>
+            </a:r>
+            <a:r>
+              <a:rPr lang="en-US" sz="1600" b="1" dirty="0"/>
+              <a:t>(list, value):</a:t>
+            </a:r>
+          </a:p>
+          <a:p>
+            <a:pPr algn="l" rtl="0"/>
+            <a:r>
+              <a:rPr lang="en-US" sz="1600" dirty="0"/>
+              <a:t>    // Create a new node</a:t>
+            </a:r>
+          </a:p>
+          <a:p>
+            <a:pPr algn="l" rtl="0"/>
+            <a:r>
+              <a:rPr lang="en-US" sz="1600" dirty="0"/>
+              <a:t>    </a:t>
+            </a:r>
+            <a:r>
+              <a:rPr lang="en-US" sz="1600" dirty="0" err="1"/>
+              <a:t>newNode</a:t>
+            </a:r>
+            <a:r>
+              <a:rPr lang="en-US" sz="1600" dirty="0"/>
+              <a:t> = </a:t>
+            </a:r>
+            <a:r>
+              <a:rPr lang="en-US" sz="1600" dirty="0" err="1"/>
+              <a:t>createNode</a:t>
+            </a:r>
+            <a:r>
+              <a:rPr lang="en-US" sz="1600" dirty="0"/>
+              <a:t>(value)</a:t>
+            </a:r>
+          </a:p>
+          <a:p>
+            <a:pPr algn="l" rtl="0"/>
+            <a:endParaRPr lang="en-US" sz="1600" dirty="0"/>
+          </a:p>
+          <a:p>
+            <a:pPr algn="l" rtl="0"/>
+            <a:r>
+              <a:rPr lang="en-US" sz="1600" dirty="0"/>
+              <a:t>    // If the list is empty, make the new node the head of the list</a:t>
+            </a:r>
+          </a:p>
+          <a:p>
+            <a:pPr algn="l" rtl="0"/>
+            <a:r>
+              <a:rPr lang="en-US" sz="1600" dirty="0"/>
+              <a:t>    if </a:t>
+            </a:r>
+            <a:r>
+              <a:rPr lang="en-US" sz="1600" dirty="0" err="1"/>
+              <a:t>list.head</a:t>
+            </a:r>
+            <a:r>
+              <a:rPr lang="en-US" sz="1600" dirty="0"/>
+              <a:t> is NULL:</a:t>
+            </a:r>
+          </a:p>
+          <a:p>
+            <a:pPr algn="l" rtl="0"/>
+            <a:r>
+              <a:rPr lang="en-US" sz="1600" dirty="0"/>
+              <a:t>        </a:t>
+            </a:r>
+            <a:r>
+              <a:rPr lang="en-US" sz="1600" dirty="0" err="1"/>
+              <a:t>list.head</a:t>
+            </a:r>
+            <a:r>
+              <a:rPr lang="en-US" sz="1600" dirty="0"/>
+              <a:t> = </a:t>
+            </a:r>
+            <a:r>
+              <a:rPr lang="en-US" sz="1600" dirty="0" err="1"/>
+              <a:t>newNode</a:t>
+            </a:r>
+            <a:endParaRPr lang="en-US" sz="1600" dirty="0"/>
+          </a:p>
+          <a:p>
+            <a:pPr algn="l" rtl="0"/>
+            <a:r>
+              <a:rPr lang="en-US" sz="1600" dirty="0"/>
+              <a:t>        </a:t>
+            </a:r>
+            <a:r>
+              <a:rPr lang="en-US" sz="1600" dirty="0" err="1"/>
+              <a:t>newNode.next</a:t>
+            </a:r>
+            <a:r>
+              <a:rPr lang="en-US" sz="1600" dirty="0"/>
+              <a:t> = </a:t>
+            </a:r>
+            <a:r>
+              <a:rPr lang="en-US" sz="1600" dirty="0" err="1"/>
+              <a:t>newNode</a:t>
+            </a:r>
+            <a:r>
+              <a:rPr lang="en-US" sz="1600" dirty="0"/>
+              <a:t>  // Point to itself to form a circular list</a:t>
+            </a:r>
+          </a:p>
+          <a:p>
+            <a:pPr algn="l" rtl="0"/>
+            <a:r>
+              <a:rPr lang="en-US" sz="1600" dirty="0"/>
+              <a:t>    else:</a:t>
+            </a:r>
+          </a:p>
+          <a:p>
+            <a:pPr algn="l" rtl="0"/>
+            <a:r>
+              <a:rPr lang="en-US" sz="1600" dirty="0"/>
+              <a:t>        // Traverse the list to find the node before the head</a:t>
+            </a:r>
+          </a:p>
+          <a:p>
+            <a:pPr algn="l" rtl="0"/>
+            <a:r>
+              <a:rPr lang="en-US" sz="1600" dirty="0"/>
+              <a:t>        current = </a:t>
+            </a:r>
+            <a:r>
+              <a:rPr lang="en-US" sz="1600" dirty="0" err="1"/>
+              <a:t>list.head</a:t>
+            </a:r>
+            <a:endParaRPr lang="en-US" sz="1600" dirty="0"/>
+          </a:p>
+          <a:p>
+            <a:pPr algn="l" rtl="0"/>
+            <a:r>
+              <a:rPr lang="en-US" sz="1600" dirty="0"/>
+              <a:t>        while </a:t>
+            </a:r>
+            <a:r>
+              <a:rPr lang="en-US" sz="1600" dirty="0" err="1"/>
+              <a:t>current.next</a:t>
+            </a:r>
+            <a:r>
+              <a:rPr lang="en-US" sz="1600" dirty="0"/>
+              <a:t> is not </a:t>
+            </a:r>
+            <a:r>
+              <a:rPr lang="en-US" sz="1600" dirty="0" err="1"/>
+              <a:t>list.head</a:t>
+            </a:r>
+            <a:r>
+              <a:rPr lang="en-US" sz="1600" dirty="0"/>
+              <a:t>:</a:t>
+            </a:r>
+          </a:p>
+          <a:p>
+            <a:pPr algn="l" rtl="0"/>
+            <a:r>
+              <a:rPr lang="en-US" sz="1600" dirty="0"/>
+              <a:t>            current = </a:t>
+            </a:r>
+            <a:r>
+              <a:rPr lang="en-US" sz="1600" dirty="0" err="1"/>
+              <a:t>current.next</a:t>
+            </a:r>
+            <a:endParaRPr lang="en-US" sz="1600" dirty="0"/>
+          </a:p>
+          <a:p>
+            <a:pPr algn="l" rtl="0"/>
+            <a:endParaRPr lang="en-US" sz="1600" dirty="0"/>
+          </a:p>
+          <a:p>
+            <a:pPr algn="l" rtl="0"/>
+            <a:r>
+              <a:rPr lang="en-US" sz="1600" dirty="0"/>
+              <a:t>        // Insert the new node at the end</a:t>
+            </a:r>
+          </a:p>
+          <a:p>
+            <a:pPr algn="l" rtl="0"/>
+            <a:r>
+              <a:rPr lang="en-US" sz="1600" dirty="0"/>
+              <a:t>        </a:t>
+            </a:r>
+            <a:r>
+              <a:rPr lang="en-US" sz="1600" dirty="0" err="1"/>
+              <a:t>current.next</a:t>
+            </a:r>
+            <a:r>
+              <a:rPr lang="en-US" sz="1600" dirty="0"/>
+              <a:t> = </a:t>
+            </a:r>
+            <a:r>
+              <a:rPr lang="en-US" sz="1600" dirty="0" err="1"/>
+              <a:t>newNode</a:t>
+            </a:r>
+            <a:endParaRPr lang="en-US" sz="1600" dirty="0"/>
+          </a:p>
+          <a:p>
+            <a:pPr algn="l" rtl="0"/>
+            <a:r>
+              <a:rPr lang="en-US" sz="1600" dirty="0"/>
+              <a:t>        </a:t>
+            </a:r>
+            <a:r>
+              <a:rPr lang="en-US" sz="1600" dirty="0" err="1"/>
+              <a:t>newNode.next</a:t>
+            </a:r>
+            <a:r>
+              <a:rPr lang="en-US" sz="1600" dirty="0"/>
+              <a:t> = </a:t>
+            </a:r>
+            <a:r>
+              <a:rPr lang="en-US" sz="1600" dirty="0" err="1"/>
+              <a:t>list.head</a:t>
+            </a:r>
+            <a:endParaRPr lang="en-US" sz="1600" dirty="0"/>
+          </a:p>
+        </p:txBody>
+      </p:sp>
+    </p:spTree>
+    <p:extLst>
+      <p:ext uri="{BB962C8B-B14F-4D97-AF65-F5344CB8AC3E}">
+        <p14:creationId xmlns:p14="http://schemas.microsoft.com/office/powerpoint/2010/main" val="1882649880"/>
+      </p:ext>
+    </p:extLst>
+  </p:cSld>
+  <p:clrMapOvr>
+    <a:masterClrMapping/>
+  </p:clrMapOvr>
+  <p:timing>
+    <p:tnLst>
+      <p:par>
+        <p:cTn id="1" dur="indefinite" restart="never" nodeType="tmRoot">
+          <p:childTnLst>
+            <p:seq concurrent="1" nextAc="seek">
+              <p:cTn id="2" dur="indefinite" nodeType="mainSeq">
+                <p:childTnLst>
+                  <p:par>
+                    <p:cTn id="3" fill="hold">
+                      <p:stCondLst>
+                        <p:cond delay="indefinite"/>
+                      </p:stCondLst>
+                      <p:childTnLst>
+                        <p:par>
+                          <p:cTn id="4" fill="hold">
+                            <p:stCondLst>
+                              <p:cond delay="0"/>
+                            </p:stCondLst>
+                            <p:childTnLst>
+                              <p:par>
+                                <p:cTn id="5" presetID="1" presetClass="entr" presetSubtype="0" fill="hold" grpId="0" nodeType="clickEffect">
+                                  <p:stCondLst>
+                                    <p:cond delay="0"/>
+                                  </p:stCondLst>
+                                  <p:childTnLst>
+                                    <p:set>
+                                      <p:cBhvr>
+                                        <p:cTn id="6" dur="1" fill="hold">
+                                          <p:stCondLst>
+                                            <p:cond delay="0"/>
+                                          </p:stCondLst>
+                                        </p:cTn>
+                                        <p:tgtEl>
+                                          <p:spTgt spid="4"/>
+                                        </p:tgtEl>
+                                        <p:attrNameLst>
+                                          <p:attrName>style.visibility</p:attrName>
+                                        </p:attrNameLst>
+                                      </p:cBhvr>
+                                      <p:to>
+                                        <p:strVal val="visible"/>
+                                      </p:to>
+                                    </p:set>
+                                  </p:childTnLst>
+                                </p:cTn>
+                              </p:par>
+                            </p:childTnLst>
+                          </p:cTn>
+                        </p:par>
+                      </p:childTnLst>
+                    </p:cTn>
+                  </p:par>
+                </p:childTnLst>
+              </p:cTn>
+              <p:prevCondLst>
+                <p:cond evt="onPrev" delay="0">
+                  <p:tgtEl>
+                    <p:sldTgt/>
+                  </p:tgtEl>
+                </p:cond>
+              </p:prevCondLst>
+              <p:nextCondLst>
+                <p:cond evt="onNext" delay="0">
+                  <p:tgtEl>
+                    <p:sldTgt/>
+                  </p:tgtEl>
+                </p:cond>
+              </p:nextCondLst>
+            </p:seq>
+          </p:childTnLst>
+        </p:cTn>
+      </p:par>
+    </p:tnLst>
+    <p:bldLst>
+      <p:bldP spid="4" grpId="0"/>
     </p:bldLst>
   </p:timing>
 </p:sld>
